--- a/rln-research/presentations/DINPS22/07-2022-ICDCS-rln-relay-poster.pptx
+++ b/rln-research/presentations/DINPS22/07-2022-ICDCS-rln-relay-poster.pptx
@@ -2,7 +2,7 @@
 <file path=ppt/presentation.xml><?xml version="1.0" encoding="utf-8"?>
 <p:presentation xmlns:a="http://schemas.openxmlformats.org/drawingml/2006/main" xmlns:r="http://schemas.openxmlformats.org/officeDocument/2006/relationships" xmlns:p="http://schemas.openxmlformats.org/presentationml/2006/main" saveSubsetFonts="1">
   <p:sldMasterIdLst>
-    <p:sldMasterId id="2147483660" r:id="rId1"/>
+    <p:sldMasterId id="2147483672" r:id="rId1"/>
   </p:sldMasterIdLst>
   <p:notesMasterIdLst>
     <p:notesMasterId r:id="rId3"/>
@@ -10,7 +10,7 @@
   <p:sldIdLst>
     <p:sldId id="256" r:id="rId2"/>
   </p:sldIdLst>
-  <p:sldSz cx="30267275" cy="42794238"/>
+  <p:sldSz cx="21383625" cy="30275213"/>
   <p:notesSz cx="6858000" cy="9144000"/>
   <p:defaultTextStyle>
     <a:defPPr>
@@ -370,8 +370,8 @@
   </p:cSld>
   <p:clrMap bg1="lt1" tx1="dk1" bg2="lt2" tx2="dk2" accent1="accent1" accent2="accent2" accent3="accent3" accent4="accent4" accent5="accent5" accent6="accent6" hlink="hlink" folHlink="folHlink"/>
   <p:notesStyle>
-    <a:lvl1pPr marL="0" algn="l" defTabSz="3506907" rtl="0" eaLnBrk="1" latinLnBrk="0" hangingPunct="1">
-      <a:defRPr sz="4602" kern="1200">
+    <a:lvl1pPr marL="0" algn="l" defTabSz="2479383" rtl="0" eaLnBrk="1" latinLnBrk="0" hangingPunct="1">
+      <a:defRPr sz="3254" kern="1200">
         <a:solidFill>
           <a:schemeClr val="tx1"/>
         </a:solidFill>
@@ -380,8 +380,8 @@
         <a:cs typeface="+mn-cs"/>
       </a:defRPr>
     </a:lvl1pPr>
-    <a:lvl2pPr marL="1753453" algn="l" defTabSz="3506907" rtl="0" eaLnBrk="1" latinLnBrk="0" hangingPunct="1">
-      <a:defRPr sz="4602" kern="1200">
+    <a:lvl2pPr marL="1239691" algn="l" defTabSz="2479383" rtl="0" eaLnBrk="1" latinLnBrk="0" hangingPunct="1">
+      <a:defRPr sz="3254" kern="1200">
         <a:solidFill>
           <a:schemeClr val="tx1"/>
         </a:solidFill>
@@ -390,8 +390,8 @@
         <a:cs typeface="+mn-cs"/>
       </a:defRPr>
     </a:lvl2pPr>
-    <a:lvl3pPr marL="3506907" algn="l" defTabSz="3506907" rtl="0" eaLnBrk="1" latinLnBrk="0" hangingPunct="1">
-      <a:defRPr sz="4602" kern="1200">
+    <a:lvl3pPr marL="2479383" algn="l" defTabSz="2479383" rtl="0" eaLnBrk="1" latinLnBrk="0" hangingPunct="1">
+      <a:defRPr sz="3254" kern="1200">
         <a:solidFill>
           <a:schemeClr val="tx1"/>
         </a:solidFill>
@@ -400,8 +400,8 @@
         <a:cs typeface="+mn-cs"/>
       </a:defRPr>
     </a:lvl3pPr>
-    <a:lvl4pPr marL="5260360" algn="l" defTabSz="3506907" rtl="0" eaLnBrk="1" latinLnBrk="0" hangingPunct="1">
-      <a:defRPr sz="4602" kern="1200">
+    <a:lvl4pPr marL="3719075" algn="l" defTabSz="2479383" rtl="0" eaLnBrk="1" latinLnBrk="0" hangingPunct="1">
+      <a:defRPr sz="3254" kern="1200">
         <a:solidFill>
           <a:schemeClr val="tx1"/>
         </a:solidFill>
@@ -410,8 +410,8 @@
         <a:cs typeface="+mn-cs"/>
       </a:defRPr>
     </a:lvl4pPr>
-    <a:lvl5pPr marL="7013814" algn="l" defTabSz="3506907" rtl="0" eaLnBrk="1" latinLnBrk="0" hangingPunct="1">
-      <a:defRPr sz="4602" kern="1200">
+    <a:lvl5pPr marL="4958766" algn="l" defTabSz="2479383" rtl="0" eaLnBrk="1" latinLnBrk="0" hangingPunct="1">
+      <a:defRPr sz="3254" kern="1200">
         <a:solidFill>
           <a:schemeClr val="tx1"/>
         </a:solidFill>
@@ -420,8 +420,8 @@
         <a:cs typeface="+mn-cs"/>
       </a:defRPr>
     </a:lvl5pPr>
-    <a:lvl6pPr marL="8767267" algn="l" defTabSz="3506907" rtl="0" eaLnBrk="1" latinLnBrk="0" hangingPunct="1">
-      <a:defRPr sz="4602" kern="1200">
+    <a:lvl6pPr marL="6198458" algn="l" defTabSz="2479383" rtl="0" eaLnBrk="1" latinLnBrk="0" hangingPunct="1">
+      <a:defRPr sz="3254" kern="1200">
         <a:solidFill>
           <a:schemeClr val="tx1"/>
         </a:solidFill>
@@ -430,8 +430,8 @@
         <a:cs typeface="+mn-cs"/>
       </a:defRPr>
     </a:lvl6pPr>
-    <a:lvl7pPr marL="10520721" algn="l" defTabSz="3506907" rtl="0" eaLnBrk="1" latinLnBrk="0" hangingPunct="1">
-      <a:defRPr sz="4602" kern="1200">
+    <a:lvl7pPr marL="7438150" algn="l" defTabSz="2479383" rtl="0" eaLnBrk="1" latinLnBrk="0" hangingPunct="1">
+      <a:defRPr sz="3254" kern="1200">
         <a:solidFill>
           <a:schemeClr val="tx1"/>
         </a:solidFill>
@@ -440,8 +440,8 @@
         <a:cs typeface="+mn-cs"/>
       </a:defRPr>
     </a:lvl7pPr>
-    <a:lvl8pPr marL="12274174" algn="l" defTabSz="3506907" rtl="0" eaLnBrk="1" latinLnBrk="0" hangingPunct="1">
-      <a:defRPr sz="4602" kern="1200">
+    <a:lvl8pPr marL="8677841" algn="l" defTabSz="2479383" rtl="0" eaLnBrk="1" latinLnBrk="0" hangingPunct="1">
+      <a:defRPr sz="3254" kern="1200">
         <a:solidFill>
           <a:schemeClr val="tx1"/>
         </a:solidFill>
@@ -450,8 +450,8 @@
         <a:cs typeface="+mn-cs"/>
       </a:defRPr>
     </a:lvl8pPr>
-    <a:lvl9pPr marL="14027628" algn="l" defTabSz="3506907" rtl="0" eaLnBrk="1" latinLnBrk="0" hangingPunct="1">
-      <a:defRPr sz="4602" kern="1200">
+    <a:lvl9pPr marL="9917533" algn="l" defTabSz="2479383" rtl="0" eaLnBrk="1" latinLnBrk="0" hangingPunct="1">
+      <a:defRPr sz="3254" kern="1200">
         <a:solidFill>
           <a:schemeClr val="tx1"/>
         </a:solidFill>
@@ -577,15 +577,15 @@
         </p:nvSpPr>
         <p:spPr>
           <a:xfrm>
-            <a:off x="2270046" y="7003597"/>
-            <a:ext cx="25727184" cy="14898735"/>
+            <a:off x="1603772" y="4954765"/>
+            <a:ext cx="18176081" cy="10540259"/>
           </a:xfrm>
         </p:spPr>
         <p:txBody>
           <a:bodyPr anchor="b"/>
           <a:lstStyle>
             <a:lvl1pPr algn="ctr">
-              <a:defRPr sz="19861"/>
+              <a:defRPr sz="14031"/>
             </a:lvl1pPr>
           </a:lstStyle>
           <a:p>
@@ -609,8 +609,8 @@
         </p:nvSpPr>
         <p:spPr>
           <a:xfrm>
-            <a:off x="3783410" y="22476884"/>
-            <a:ext cx="22700456" cy="10332032"/>
+            <a:off x="2672953" y="15901497"/>
+            <a:ext cx="16037719" cy="7309499"/>
           </a:xfrm>
         </p:spPr>
         <p:txBody>
@@ -618,39 +618,39 @@
           <a:lstStyle>
             <a:lvl1pPr marL="0" indent="0" algn="ctr">
               <a:buNone/>
-              <a:defRPr sz="7944"/>
+              <a:defRPr sz="5612"/>
             </a:lvl1pPr>
-            <a:lvl2pPr marL="1513378" indent="0" algn="ctr">
+            <a:lvl2pPr marL="1069162" indent="0" algn="ctr">
               <a:buNone/>
-              <a:defRPr sz="6620"/>
+              <a:defRPr sz="4677"/>
             </a:lvl2pPr>
-            <a:lvl3pPr marL="3026755" indent="0" algn="ctr">
+            <a:lvl3pPr marL="2138324" indent="0" algn="ctr">
               <a:buNone/>
-              <a:defRPr sz="5958"/>
+              <a:defRPr sz="4209"/>
             </a:lvl3pPr>
-            <a:lvl4pPr marL="4540133" indent="0" algn="ctr">
+            <a:lvl4pPr marL="3207487" indent="0" algn="ctr">
               <a:buNone/>
-              <a:defRPr sz="5296"/>
+              <a:defRPr sz="3742"/>
             </a:lvl4pPr>
-            <a:lvl5pPr marL="6053511" indent="0" algn="ctr">
+            <a:lvl5pPr marL="4276649" indent="0" algn="ctr">
               <a:buNone/>
-              <a:defRPr sz="5296"/>
+              <a:defRPr sz="3742"/>
             </a:lvl5pPr>
-            <a:lvl6pPr marL="7566889" indent="0" algn="ctr">
+            <a:lvl6pPr marL="5345811" indent="0" algn="ctr">
               <a:buNone/>
-              <a:defRPr sz="5296"/>
+              <a:defRPr sz="3742"/>
             </a:lvl6pPr>
-            <a:lvl7pPr marL="9080266" indent="0" algn="ctr">
+            <a:lvl7pPr marL="6414973" indent="0" algn="ctr">
               <a:buNone/>
-              <a:defRPr sz="5296"/>
+              <a:defRPr sz="3742"/>
             </a:lvl7pPr>
-            <a:lvl8pPr marL="10593644" indent="0" algn="ctr">
+            <a:lvl8pPr marL="7484135" indent="0" algn="ctr">
               <a:buNone/>
-              <a:defRPr sz="5296"/>
+              <a:defRPr sz="3742"/>
             </a:lvl8pPr>
-            <a:lvl9pPr marL="12107022" indent="0" algn="ctr">
+            <a:lvl9pPr marL="8553298" indent="0" algn="ctr">
               <a:buNone/>
-              <a:defRPr sz="5296"/>
+              <a:defRPr sz="3742"/>
             </a:lvl9pPr>
           </a:lstStyle>
           <a:p>
@@ -730,7 +730,7 @@
     </p:spTree>
     <p:extLst>
       <p:ext uri="{BB962C8B-B14F-4D97-AF65-F5344CB8AC3E}">
-        <p14:creationId xmlns:p14="http://schemas.microsoft.com/office/powerpoint/2010/main" val="872471640"/>
+        <p14:creationId xmlns:p14="http://schemas.microsoft.com/office/powerpoint/2010/main" val="1792308999"/>
       </p:ext>
     </p:extLst>
   </p:cSld>
@@ -798,7 +798,7 @@
             <a:pPr lvl="0"/>
             <a:r>
               <a:rPr lang="en-US"/>
-              <a:t>Edit Master text styles</a:t>
+              <a:t>Click to edit Master text styles</a:t>
             </a:r>
           </a:p>
           <a:p>
@@ -900,7 +900,7 @@
     </p:spTree>
     <p:extLst>
       <p:ext uri="{BB962C8B-B14F-4D97-AF65-F5344CB8AC3E}">
-        <p14:creationId xmlns:p14="http://schemas.microsoft.com/office/powerpoint/2010/main" val="275128700"/>
+        <p14:creationId xmlns:p14="http://schemas.microsoft.com/office/powerpoint/2010/main" val="2237636278"/>
       </p:ext>
     </p:extLst>
   </p:cSld>
@@ -939,8 +939,8 @@
         </p:nvSpPr>
         <p:spPr>
           <a:xfrm>
-            <a:off x="21660020" y="2278397"/>
-            <a:ext cx="6526381" cy="36266139"/>
+            <a:off x="15302658" y="1611875"/>
+            <a:ext cx="4610844" cy="25656844"/>
           </a:xfrm>
         </p:spPr>
         <p:txBody>
@@ -967,8 +967,8 @@
         </p:nvSpPr>
         <p:spPr>
           <a:xfrm>
-            <a:off x="2080877" y="2278397"/>
-            <a:ext cx="19200803" cy="36266139"/>
+            <a:off x="1470125" y="1611875"/>
+            <a:ext cx="13565237" cy="25656844"/>
           </a:xfrm>
         </p:spPr>
         <p:txBody>
@@ -978,7 +978,7 @@
             <a:pPr lvl="0"/>
             <a:r>
               <a:rPr lang="en-US"/>
-              <a:t>Edit Master text styles</a:t>
+              <a:t>Click to edit Master text styles</a:t>
             </a:r>
           </a:p>
           <a:p>
@@ -1080,7 +1080,7 @@
     </p:spTree>
     <p:extLst>
       <p:ext uri="{BB962C8B-B14F-4D97-AF65-F5344CB8AC3E}">
-        <p14:creationId xmlns:p14="http://schemas.microsoft.com/office/powerpoint/2010/main" val="805840851"/>
+        <p14:creationId xmlns:p14="http://schemas.microsoft.com/office/powerpoint/2010/main" val="2608733882"/>
       </p:ext>
     </p:extLst>
   </p:cSld>
@@ -1148,7 +1148,7 @@
             <a:pPr lvl="0"/>
             <a:r>
               <a:rPr lang="en-US"/>
-              <a:t>Edit Master text styles</a:t>
+              <a:t>Click to edit Master text styles</a:t>
             </a:r>
           </a:p>
           <a:p>
@@ -1250,7 +1250,7 @@
     </p:spTree>
     <p:extLst>
       <p:ext uri="{BB962C8B-B14F-4D97-AF65-F5344CB8AC3E}">
-        <p14:creationId xmlns:p14="http://schemas.microsoft.com/office/powerpoint/2010/main" val="4265125787"/>
+        <p14:creationId xmlns:p14="http://schemas.microsoft.com/office/powerpoint/2010/main" val="524029001"/>
       </p:ext>
     </p:extLst>
   </p:cSld>
@@ -1289,15 +1289,15 @@
         </p:nvSpPr>
         <p:spPr>
           <a:xfrm>
-            <a:off x="2065112" y="10668854"/>
-            <a:ext cx="26105525" cy="17801211"/>
+            <a:off x="1458988" y="7547788"/>
+            <a:ext cx="18443377" cy="12593645"/>
           </a:xfrm>
         </p:spPr>
         <p:txBody>
           <a:bodyPr anchor="b"/>
           <a:lstStyle>
             <a:lvl1pPr>
-              <a:defRPr sz="19861"/>
+              <a:defRPr sz="14031"/>
             </a:lvl1pPr>
           </a:lstStyle>
           <a:p>
@@ -1321,8 +1321,8 @@
         </p:nvSpPr>
         <p:spPr>
           <a:xfrm>
-            <a:off x="2065112" y="28638472"/>
-            <a:ext cx="26105525" cy="9361236"/>
+            <a:off x="1458988" y="20260574"/>
+            <a:ext cx="18443377" cy="6622701"/>
           </a:xfrm>
         </p:spPr>
         <p:txBody>
@@ -1330,15 +1330,15 @@
           <a:lstStyle>
             <a:lvl1pPr marL="0" indent="0">
               <a:buNone/>
-              <a:defRPr sz="7944">
+              <a:defRPr sz="5612">
                 <a:solidFill>
                   <a:schemeClr val="tx1"/>
                 </a:solidFill>
               </a:defRPr>
             </a:lvl1pPr>
-            <a:lvl2pPr marL="1513378" indent="0">
+            <a:lvl2pPr marL="1069162" indent="0">
               <a:buNone/>
-              <a:defRPr sz="6620">
+              <a:defRPr sz="4677">
                 <a:solidFill>
                   <a:schemeClr val="tx1">
                     <a:tint val="75000"/>
@@ -1346,9 +1346,9 @@
                 </a:solidFill>
               </a:defRPr>
             </a:lvl2pPr>
-            <a:lvl3pPr marL="3026755" indent="0">
+            <a:lvl3pPr marL="2138324" indent="0">
               <a:buNone/>
-              <a:defRPr sz="5958">
+              <a:defRPr sz="4209">
                 <a:solidFill>
                   <a:schemeClr val="tx1">
                     <a:tint val="75000"/>
@@ -1356,9 +1356,9 @@
                 </a:solidFill>
               </a:defRPr>
             </a:lvl3pPr>
-            <a:lvl4pPr marL="4540133" indent="0">
+            <a:lvl4pPr marL="3207487" indent="0">
               <a:buNone/>
-              <a:defRPr sz="5296">
+              <a:defRPr sz="3742">
                 <a:solidFill>
                   <a:schemeClr val="tx1">
                     <a:tint val="75000"/>
@@ -1366,9 +1366,9 @@
                 </a:solidFill>
               </a:defRPr>
             </a:lvl4pPr>
-            <a:lvl5pPr marL="6053511" indent="0">
+            <a:lvl5pPr marL="4276649" indent="0">
               <a:buNone/>
-              <a:defRPr sz="5296">
+              <a:defRPr sz="3742">
                 <a:solidFill>
                   <a:schemeClr val="tx1">
                     <a:tint val="75000"/>
@@ -1376,9 +1376,9 @@
                 </a:solidFill>
               </a:defRPr>
             </a:lvl5pPr>
-            <a:lvl6pPr marL="7566889" indent="0">
+            <a:lvl6pPr marL="5345811" indent="0">
               <a:buNone/>
-              <a:defRPr sz="5296">
+              <a:defRPr sz="3742">
                 <a:solidFill>
                   <a:schemeClr val="tx1">
                     <a:tint val="75000"/>
@@ -1386,9 +1386,9 @@
                 </a:solidFill>
               </a:defRPr>
             </a:lvl6pPr>
-            <a:lvl7pPr marL="9080266" indent="0">
+            <a:lvl7pPr marL="6414973" indent="0">
               <a:buNone/>
-              <a:defRPr sz="5296">
+              <a:defRPr sz="3742">
                 <a:solidFill>
                   <a:schemeClr val="tx1">
                     <a:tint val="75000"/>
@@ -1396,9 +1396,9 @@
                 </a:solidFill>
               </a:defRPr>
             </a:lvl7pPr>
-            <a:lvl8pPr marL="10593644" indent="0">
+            <a:lvl8pPr marL="7484135" indent="0">
               <a:buNone/>
-              <a:defRPr sz="5296">
+              <a:defRPr sz="3742">
                 <a:solidFill>
                   <a:schemeClr val="tx1">
                     <a:tint val="75000"/>
@@ -1406,9 +1406,9 @@
                 </a:solidFill>
               </a:defRPr>
             </a:lvl8pPr>
-            <a:lvl9pPr marL="12107022" indent="0">
+            <a:lvl9pPr marL="8553298" indent="0">
               <a:buNone/>
-              <a:defRPr sz="5296">
+              <a:defRPr sz="3742">
                 <a:solidFill>
                   <a:schemeClr val="tx1">
                     <a:tint val="75000"/>
@@ -1421,7 +1421,7 @@
             <a:pPr lvl="0"/>
             <a:r>
               <a:rPr lang="en-US"/>
-              <a:t>Edit Master text styles</a:t>
+              <a:t>Click to edit Master text styles</a:t>
             </a:r>
           </a:p>
         </p:txBody>
@@ -1494,7 +1494,7 @@
     </p:spTree>
     <p:extLst>
       <p:ext uri="{BB962C8B-B14F-4D97-AF65-F5344CB8AC3E}">
-        <p14:creationId xmlns:p14="http://schemas.microsoft.com/office/powerpoint/2010/main" val="895359989"/>
+        <p14:creationId xmlns:p14="http://schemas.microsoft.com/office/powerpoint/2010/main" val="3531278002"/>
       </p:ext>
     </p:extLst>
   </p:cSld>
@@ -1556,8 +1556,8 @@
         </p:nvSpPr>
         <p:spPr>
           <a:xfrm>
-            <a:off x="2080875" y="11391985"/>
-            <a:ext cx="12863592" cy="27152551"/>
+            <a:off x="1470124" y="8059374"/>
+            <a:ext cx="9088041" cy="19209345"/>
           </a:xfrm>
         </p:spPr>
         <p:txBody>
@@ -1567,7 +1567,7 @@
             <a:pPr lvl="0"/>
             <a:r>
               <a:rPr lang="en-US"/>
-              <a:t>Edit Master text styles</a:t>
+              <a:t>Click to edit Master text styles</a:t>
             </a:r>
           </a:p>
           <a:p>
@@ -1613,8 +1613,8 @@
         </p:nvSpPr>
         <p:spPr>
           <a:xfrm>
-            <a:off x="15322808" y="11391985"/>
-            <a:ext cx="12863592" cy="27152551"/>
+            <a:off x="10825460" y="8059374"/>
+            <a:ext cx="9088041" cy="19209345"/>
           </a:xfrm>
         </p:spPr>
         <p:txBody>
@@ -1624,7 +1624,7 @@
             <a:pPr lvl="0"/>
             <a:r>
               <a:rPr lang="en-US"/>
-              <a:t>Edit Master text styles</a:t>
+              <a:t>Click to edit Master text styles</a:t>
             </a:r>
           </a:p>
           <a:p>
@@ -1726,7 +1726,7 @@
     </p:spTree>
     <p:extLst>
       <p:ext uri="{BB962C8B-B14F-4D97-AF65-F5344CB8AC3E}">
-        <p14:creationId xmlns:p14="http://schemas.microsoft.com/office/powerpoint/2010/main" val="3898529044"/>
+        <p14:creationId xmlns:p14="http://schemas.microsoft.com/office/powerpoint/2010/main" val="1673543296"/>
       </p:ext>
     </p:extLst>
   </p:cSld>
@@ -1765,8 +1765,8 @@
         </p:nvSpPr>
         <p:spPr>
           <a:xfrm>
-            <a:off x="2084817" y="2278406"/>
-            <a:ext cx="26105525" cy="8271575"/>
+            <a:off x="1472909" y="1611882"/>
+            <a:ext cx="18443377" cy="5851808"/>
           </a:xfrm>
         </p:spPr>
         <p:txBody>
@@ -1793,8 +1793,8 @@
         </p:nvSpPr>
         <p:spPr>
           <a:xfrm>
-            <a:off x="2084821" y="10490535"/>
-            <a:ext cx="12804474" cy="5141249"/>
+            <a:off x="1472912" y="7421634"/>
+            <a:ext cx="9046274" cy="3637228"/>
           </a:xfrm>
         </p:spPr>
         <p:txBody>
@@ -1802,46 +1802,46 @@
           <a:lstStyle>
             <a:lvl1pPr marL="0" indent="0">
               <a:buNone/>
-              <a:defRPr sz="7944" b="1"/>
+              <a:defRPr sz="5612" b="1"/>
             </a:lvl1pPr>
-            <a:lvl2pPr marL="1513378" indent="0">
+            <a:lvl2pPr marL="1069162" indent="0">
               <a:buNone/>
-              <a:defRPr sz="6620" b="1"/>
+              <a:defRPr sz="4677" b="1"/>
             </a:lvl2pPr>
-            <a:lvl3pPr marL="3026755" indent="0">
+            <a:lvl3pPr marL="2138324" indent="0">
               <a:buNone/>
-              <a:defRPr sz="5958" b="1"/>
+              <a:defRPr sz="4209" b="1"/>
             </a:lvl3pPr>
-            <a:lvl4pPr marL="4540133" indent="0">
+            <a:lvl4pPr marL="3207487" indent="0">
               <a:buNone/>
-              <a:defRPr sz="5296" b="1"/>
+              <a:defRPr sz="3742" b="1"/>
             </a:lvl4pPr>
-            <a:lvl5pPr marL="6053511" indent="0">
+            <a:lvl5pPr marL="4276649" indent="0">
               <a:buNone/>
-              <a:defRPr sz="5296" b="1"/>
+              <a:defRPr sz="3742" b="1"/>
             </a:lvl5pPr>
-            <a:lvl6pPr marL="7566889" indent="0">
+            <a:lvl6pPr marL="5345811" indent="0">
               <a:buNone/>
-              <a:defRPr sz="5296" b="1"/>
+              <a:defRPr sz="3742" b="1"/>
             </a:lvl6pPr>
-            <a:lvl7pPr marL="9080266" indent="0">
+            <a:lvl7pPr marL="6414973" indent="0">
               <a:buNone/>
-              <a:defRPr sz="5296" b="1"/>
+              <a:defRPr sz="3742" b="1"/>
             </a:lvl7pPr>
-            <a:lvl8pPr marL="10593644" indent="0">
+            <a:lvl8pPr marL="7484135" indent="0">
               <a:buNone/>
-              <a:defRPr sz="5296" b="1"/>
+              <a:defRPr sz="3742" b="1"/>
             </a:lvl8pPr>
-            <a:lvl9pPr marL="12107022" indent="0">
+            <a:lvl9pPr marL="8553298" indent="0">
               <a:buNone/>
-              <a:defRPr sz="5296" b="1"/>
+              <a:defRPr sz="3742" b="1"/>
             </a:lvl9pPr>
           </a:lstStyle>
           <a:p>
             <a:pPr lvl="0"/>
             <a:r>
               <a:rPr lang="en-US"/>
-              <a:t>Edit Master text styles</a:t>
+              <a:t>Click to edit Master text styles</a:t>
             </a:r>
           </a:p>
         </p:txBody>
@@ -1858,8 +1858,8 @@
         </p:nvSpPr>
         <p:spPr>
           <a:xfrm>
-            <a:off x="2084821" y="15631784"/>
-            <a:ext cx="12804474" cy="22992000"/>
+            <a:off x="1472912" y="11058863"/>
+            <a:ext cx="9046274" cy="16265921"/>
           </a:xfrm>
         </p:spPr>
         <p:txBody>
@@ -1869,7 +1869,7 @@
             <a:pPr lvl="0"/>
             <a:r>
               <a:rPr lang="en-US"/>
-              <a:t>Edit Master text styles</a:t>
+              <a:t>Click to edit Master text styles</a:t>
             </a:r>
           </a:p>
           <a:p>
@@ -1915,8 +1915,8 @@
         </p:nvSpPr>
         <p:spPr>
           <a:xfrm>
-            <a:off x="15322810" y="10490535"/>
-            <a:ext cx="12867534" cy="5141249"/>
+            <a:off x="10825461" y="7421634"/>
+            <a:ext cx="9090826" cy="3637228"/>
           </a:xfrm>
         </p:spPr>
         <p:txBody>
@@ -1924,46 +1924,46 @@
           <a:lstStyle>
             <a:lvl1pPr marL="0" indent="0">
               <a:buNone/>
-              <a:defRPr sz="7944" b="1"/>
+              <a:defRPr sz="5612" b="1"/>
             </a:lvl1pPr>
-            <a:lvl2pPr marL="1513378" indent="0">
+            <a:lvl2pPr marL="1069162" indent="0">
               <a:buNone/>
-              <a:defRPr sz="6620" b="1"/>
+              <a:defRPr sz="4677" b="1"/>
             </a:lvl2pPr>
-            <a:lvl3pPr marL="3026755" indent="0">
+            <a:lvl3pPr marL="2138324" indent="0">
               <a:buNone/>
-              <a:defRPr sz="5958" b="1"/>
+              <a:defRPr sz="4209" b="1"/>
             </a:lvl3pPr>
-            <a:lvl4pPr marL="4540133" indent="0">
+            <a:lvl4pPr marL="3207487" indent="0">
               <a:buNone/>
-              <a:defRPr sz="5296" b="1"/>
+              <a:defRPr sz="3742" b="1"/>
             </a:lvl4pPr>
-            <a:lvl5pPr marL="6053511" indent="0">
+            <a:lvl5pPr marL="4276649" indent="0">
               <a:buNone/>
-              <a:defRPr sz="5296" b="1"/>
+              <a:defRPr sz="3742" b="1"/>
             </a:lvl5pPr>
-            <a:lvl6pPr marL="7566889" indent="0">
+            <a:lvl6pPr marL="5345811" indent="0">
               <a:buNone/>
-              <a:defRPr sz="5296" b="1"/>
+              <a:defRPr sz="3742" b="1"/>
             </a:lvl6pPr>
-            <a:lvl7pPr marL="9080266" indent="0">
+            <a:lvl7pPr marL="6414973" indent="0">
               <a:buNone/>
-              <a:defRPr sz="5296" b="1"/>
+              <a:defRPr sz="3742" b="1"/>
             </a:lvl7pPr>
-            <a:lvl8pPr marL="10593644" indent="0">
+            <a:lvl8pPr marL="7484135" indent="0">
               <a:buNone/>
-              <a:defRPr sz="5296" b="1"/>
+              <a:defRPr sz="3742" b="1"/>
             </a:lvl8pPr>
-            <a:lvl9pPr marL="12107022" indent="0">
+            <a:lvl9pPr marL="8553298" indent="0">
               <a:buNone/>
-              <a:defRPr sz="5296" b="1"/>
+              <a:defRPr sz="3742" b="1"/>
             </a:lvl9pPr>
           </a:lstStyle>
           <a:p>
             <a:pPr lvl="0"/>
             <a:r>
               <a:rPr lang="en-US"/>
-              <a:t>Edit Master text styles</a:t>
+              <a:t>Click to edit Master text styles</a:t>
             </a:r>
           </a:p>
         </p:txBody>
@@ -1980,8 +1980,8 @@
         </p:nvSpPr>
         <p:spPr>
           <a:xfrm>
-            <a:off x="15322810" y="15631784"/>
-            <a:ext cx="12867534" cy="22992000"/>
+            <a:off x="10825461" y="11058863"/>
+            <a:ext cx="9090826" cy="16265921"/>
           </a:xfrm>
         </p:spPr>
         <p:txBody>
@@ -1991,7 +1991,7 @@
             <a:pPr lvl="0"/>
             <a:r>
               <a:rPr lang="en-US"/>
-              <a:t>Edit Master text styles</a:t>
+              <a:t>Click to edit Master text styles</a:t>
             </a:r>
           </a:p>
           <a:p>
@@ -2093,7 +2093,7 @@
     </p:spTree>
     <p:extLst>
       <p:ext uri="{BB962C8B-B14F-4D97-AF65-F5344CB8AC3E}">
-        <p14:creationId xmlns:p14="http://schemas.microsoft.com/office/powerpoint/2010/main" val="2887503276"/>
+        <p14:creationId xmlns:p14="http://schemas.microsoft.com/office/powerpoint/2010/main" val="318182690"/>
       </p:ext>
     </p:extLst>
   </p:cSld>
@@ -2211,7 +2211,7 @@
     </p:spTree>
     <p:extLst>
       <p:ext uri="{BB962C8B-B14F-4D97-AF65-F5344CB8AC3E}">
-        <p14:creationId xmlns:p14="http://schemas.microsoft.com/office/powerpoint/2010/main" val="58369114"/>
+        <p14:creationId xmlns:p14="http://schemas.microsoft.com/office/powerpoint/2010/main" val="1424111885"/>
       </p:ext>
     </p:extLst>
   </p:cSld>
@@ -2306,7 +2306,7 @@
     </p:spTree>
     <p:extLst>
       <p:ext uri="{BB962C8B-B14F-4D97-AF65-F5344CB8AC3E}">
-        <p14:creationId xmlns:p14="http://schemas.microsoft.com/office/powerpoint/2010/main" val="3478874143"/>
+        <p14:creationId xmlns:p14="http://schemas.microsoft.com/office/powerpoint/2010/main" val="1630400553"/>
       </p:ext>
     </p:extLst>
   </p:cSld>
@@ -2345,15 +2345,15 @@
         </p:nvSpPr>
         <p:spPr>
           <a:xfrm>
-            <a:off x="2084817" y="2852949"/>
-            <a:ext cx="9761984" cy="9985322"/>
+            <a:off x="1472909" y="2018348"/>
+            <a:ext cx="6896776" cy="7064216"/>
           </a:xfrm>
         </p:spPr>
         <p:txBody>
           <a:bodyPr anchor="b"/>
           <a:lstStyle>
             <a:lvl1pPr>
-              <a:defRPr sz="10592"/>
+              <a:defRPr sz="7483"/>
             </a:lvl1pPr>
           </a:lstStyle>
           <a:p>
@@ -2377,46 +2377,46 @@
         </p:nvSpPr>
         <p:spPr>
           <a:xfrm>
-            <a:off x="12867534" y="6161587"/>
-            <a:ext cx="15322808" cy="30411646"/>
+            <a:off x="9090826" y="4359077"/>
+            <a:ext cx="10825460" cy="21515024"/>
           </a:xfrm>
         </p:spPr>
         <p:txBody>
           <a:bodyPr/>
           <a:lstStyle>
             <a:lvl1pPr>
-              <a:defRPr sz="10592"/>
+              <a:defRPr sz="7483"/>
             </a:lvl1pPr>
             <a:lvl2pPr>
-              <a:defRPr sz="9268"/>
+              <a:defRPr sz="6548"/>
             </a:lvl2pPr>
             <a:lvl3pPr>
-              <a:defRPr sz="7944"/>
+              <a:defRPr sz="5612"/>
             </a:lvl3pPr>
             <a:lvl4pPr>
-              <a:defRPr sz="6620"/>
+              <a:defRPr sz="4677"/>
             </a:lvl4pPr>
             <a:lvl5pPr>
-              <a:defRPr sz="6620"/>
+              <a:defRPr sz="4677"/>
             </a:lvl5pPr>
             <a:lvl6pPr>
-              <a:defRPr sz="6620"/>
+              <a:defRPr sz="4677"/>
             </a:lvl6pPr>
             <a:lvl7pPr>
-              <a:defRPr sz="6620"/>
+              <a:defRPr sz="4677"/>
             </a:lvl7pPr>
             <a:lvl8pPr>
-              <a:defRPr sz="6620"/>
+              <a:defRPr sz="4677"/>
             </a:lvl8pPr>
             <a:lvl9pPr>
-              <a:defRPr sz="6620"/>
+              <a:defRPr sz="4677"/>
             </a:lvl9pPr>
           </a:lstStyle>
           <a:p>
             <a:pPr lvl="0"/>
             <a:r>
               <a:rPr lang="en-US"/>
-              <a:t>Edit Master text styles</a:t>
+              <a:t>Click to edit Master text styles</a:t>
             </a:r>
           </a:p>
           <a:p>
@@ -2462,8 +2462,8 @@
         </p:nvSpPr>
         <p:spPr>
           <a:xfrm>
-            <a:off x="2084817" y="12838271"/>
-            <a:ext cx="9761984" cy="23784486"/>
+            <a:off x="1472909" y="9082564"/>
+            <a:ext cx="6896776" cy="16826573"/>
           </a:xfrm>
         </p:spPr>
         <p:txBody>
@@ -2471,46 +2471,46 @@
           <a:lstStyle>
             <a:lvl1pPr marL="0" indent="0">
               <a:buNone/>
-              <a:defRPr sz="5296"/>
+              <a:defRPr sz="3742"/>
             </a:lvl1pPr>
-            <a:lvl2pPr marL="1513378" indent="0">
+            <a:lvl2pPr marL="1069162" indent="0">
               <a:buNone/>
-              <a:defRPr sz="4634"/>
+              <a:defRPr sz="3274"/>
             </a:lvl2pPr>
-            <a:lvl3pPr marL="3026755" indent="0">
+            <a:lvl3pPr marL="2138324" indent="0">
               <a:buNone/>
-              <a:defRPr sz="3972"/>
+              <a:defRPr sz="2806"/>
             </a:lvl3pPr>
-            <a:lvl4pPr marL="4540133" indent="0">
+            <a:lvl4pPr marL="3207487" indent="0">
               <a:buNone/>
-              <a:defRPr sz="3310"/>
+              <a:defRPr sz="2339"/>
             </a:lvl4pPr>
-            <a:lvl5pPr marL="6053511" indent="0">
+            <a:lvl5pPr marL="4276649" indent="0">
               <a:buNone/>
-              <a:defRPr sz="3310"/>
+              <a:defRPr sz="2339"/>
             </a:lvl5pPr>
-            <a:lvl6pPr marL="7566889" indent="0">
+            <a:lvl6pPr marL="5345811" indent="0">
               <a:buNone/>
-              <a:defRPr sz="3310"/>
+              <a:defRPr sz="2339"/>
             </a:lvl6pPr>
-            <a:lvl7pPr marL="9080266" indent="0">
+            <a:lvl7pPr marL="6414973" indent="0">
               <a:buNone/>
-              <a:defRPr sz="3310"/>
+              <a:defRPr sz="2339"/>
             </a:lvl7pPr>
-            <a:lvl8pPr marL="10593644" indent="0">
+            <a:lvl8pPr marL="7484135" indent="0">
               <a:buNone/>
-              <a:defRPr sz="3310"/>
+              <a:defRPr sz="2339"/>
             </a:lvl8pPr>
-            <a:lvl9pPr marL="12107022" indent="0">
+            <a:lvl9pPr marL="8553298" indent="0">
               <a:buNone/>
-              <a:defRPr sz="3310"/>
+              <a:defRPr sz="2339"/>
             </a:lvl9pPr>
           </a:lstStyle>
           <a:p>
             <a:pPr lvl="0"/>
             <a:r>
               <a:rPr lang="en-US"/>
-              <a:t>Edit Master text styles</a:t>
+              <a:t>Click to edit Master text styles</a:t>
             </a:r>
           </a:p>
         </p:txBody>
@@ -2583,7 +2583,7 @@
     </p:spTree>
     <p:extLst>
       <p:ext uri="{BB962C8B-B14F-4D97-AF65-F5344CB8AC3E}">
-        <p14:creationId xmlns:p14="http://schemas.microsoft.com/office/powerpoint/2010/main" val="2517104210"/>
+        <p14:creationId xmlns:p14="http://schemas.microsoft.com/office/powerpoint/2010/main" val="4259127673"/>
       </p:ext>
     </p:extLst>
   </p:cSld>
@@ -2622,15 +2622,15 @@
         </p:nvSpPr>
         <p:spPr>
           <a:xfrm>
-            <a:off x="2084817" y="2852949"/>
-            <a:ext cx="9761984" cy="9985322"/>
+            <a:off x="1472909" y="2018348"/>
+            <a:ext cx="6896776" cy="7064216"/>
           </a:xfrm>
         </p:spPr>
         <p:txBody>
           <a:bodyPr anchor="b"/>
           <a:lstStyle>
             <a:lvl1pPr>
-              <a:defRPr sz="10592"/>
+              <a:defRPr sz="7483"/>
             </a:lvl1pPr>
           </a:lstStyle>
           <a:p>
@@ -2654,8 +2654,8 @@
         </p:nvSpPr>
         <p:spPr>
           <a:xfrm>
-            <a:off x="12867534" y="6161587"/>
-            <a:ext cx="15322808" cy="30411646"/>
+            <a:off x="9090826" y="4359077"/>
+            <a:ext cx="10825460" cy="21515024"/>
           </a:xfrm>
         </p:spPr>
         <p:txBody>
@@ -2663,39 +2663,39 @@
           <a:lstStyle>
             <a:lvl1pPr marL="0" indent="0">
               <a:buNone/>
-              <a:defRPr sz="10592"/>
+              <a:defRPr sz="7483"/>
             </a:lvl1pPr>
-            <a:lvl2pPr marL="1513378" indent="0">
+            <a:lvl2pPr marL="1069162" indent="0">
               <a:buNone/>
-              <a:defRPr sz="9268"/>
+              <a:defRPr sz="6548"/>
             </a:lvl2pPr>
-            <a:lvl3pPr marL="3026755" indent="0">
+            <a:lvl3pPr marL="2138324" indent="0">
               <a:buNone/>
-              <a:defRPr sz="7944"/>
+              <a:defRPr sz="5612"/>
             </a:lvl3pPr>
-            <a:lvl4pPr marL="4540133" indent="0">
+            <a:lvl4pPr marL="3207487" indent="0">
               <a:buNone/>
-              <a:defRPr sz="6620"/>
+              <a:defRPr sz="4677"/>
             </a:lvl4pPr>
-            <a:lvl5pPr marL="6053511" indent="0">
+            <a:lvl5pPr marL="4276649" indent="0">
               <a:buNone/>
-              <a:defRPr sz="6620"/>
+              <a:defRPr sz="4677"/>
             </a:lvl5pPr>
-            <a:lvl6pPr marL="7566889" indent="0">
+            <a:lvl6pPr marL="5345811" indent="0">
               <a:buNone/>
-              <a:defRPr sz="6620"/>
+              <a:defRPr sz="4677"/>
             </a:lvl6pPr>
-            <a:lvl7pPr marL="9080266" indent="0">
+            <a:lvl7pPr marL="6414973" indent="0">
               <a:buNone/>
-              <a:defRPr sz="6620"/>
+              <a:defRPr sz="4677"/>
             </a:lvl7pPr>
-            <a:lvl8pPr marL="10593644" indent="0">
+            <a:lvl8pPr marL="7484135" indent="0">
               <a:buNone/>
-              <a:defRPr sz="6620"/>
+              <a:defRPr sz="4677"/>
             </a:lvl8pPr>
-            <a:lvl9pPr marL="12107022" indent="0">
+            <a:lvl9pPr marL="8553298" indent="0">
               <a:buNone/>
-              <a:defRPr sz="6620"/>
+              <a:defRPr sz="4677"/>
             </a:lvl9pPr>
           </a:lstStyle>
           <a:p>
@@ -2719,8 +2719,8 @@
         </p:nvSpPr>
         <p:spPr>
           <a:xfrm>
-            <a:off x="2084817" y="12838271"/>
-            <a:ext cx="9761984" cy="23784486"/>
+            <a:off x="1472909" y="9082564"/>
+            <a:ext cx="6896776" cy="16826573"/>
           </a:xfrm>
         </p:spPr>
         <p:txBody>
@@ -2728,46 +2728,46 @@
           <a:lstStyle>
             <a:lvl1pPr marL="0" indent="0">
               <a:buNone/>
-              <a:defRPr sz="5296"/>
+              <a:defRPr sz="3742"/>
             </a:lvl1pPr>
-            <a:lvl2pPr marL="1513378" indent="0">
+            <a:lvl2pPr marL="1069162" indent="0">
               <a:buNone/>
-              <a:defRPr sz="4634"/>
+              <a:defRPr sz="3274"/>
             </a:lvl2pPr>
-            <a:lvl3pPr marL="3026755" indent="0">
+            <a:lvl3pPr marL="2138324" indent="0">
               <a:buNone/>
-              <a:defRPr sz="3972"/>
+              <a:defRPr sz="2806"/>
             </a:lvl3pPr>
-            <a:lvl4pPr marL="4540133" indent="0">
+            <a:lvl4pPr marL="3207487" indent="0">
               <a:buNone/>
-              <a:defRPr sz="3310"/>
+              <a:defRPr sz="2339"/>
             </a:lvl4pPr>
-            <a:lvl5pPr marL="6053511" indent="0">
+            <a:lvl5pPr marL="4276649" indent="0">
               <a:buNone/>
-              <a:defRPr sz="3310"/>
+              <a:defRPr sz="2339"/>
             </a:lvl5pPr>
-            <a:lvl6pPr marL="7566889" indent="0">
+            <a:lvl6pPr marL="5345811" indent="0">
               <a:buNone/>
-              <a:defRPr sz="3310"/>
+              <a:defRPr sz="2339"/>
             </a:lvl6pPr>
-            <a:lvl7pPr marL="9080266" indent="0">
+            <a:lvl7pPr marL="6414973" indent="0">
               <a:buNone/>
-              <a:defRPr sz="3310"/>
+              <a:defRPr sz="2339"/>
             </a:lvl7pPr>
-            <a:lvl8pPr marL="10593644" indent="0">
+            <a:lvl8pPr marL="7484135" indent="0">
               <a:buNone/>
-              <a:defRPr sz="3310"/>
+              <a:defRPr sz="2339"/>
             </a:lvl8pPr>
-            <a:lvl9pPr marL="12107022" indent="0">
+            <a:lvl9pPr marL="8553298" indent="0">
               <a:buNone/>
-              <a:defRPr sz="3310"/>
+              <a:defRPr sz="2339"/>
             </a:lvl9pPr>
           </a:lstStyle>
           <a:p>
             <a:pPr lvl="0"/>
             <a:r>
               <a:rPr lang="en-US"/>
-              <a:t>Edit Master text styles</a:t>
+              <a:t>Click to edit Master text styles</a:t>
             </a:r>
           </a:p>
         </p:txBody>
@@ -2840,7 +2840,7 @@
     </p:spTree>
     <p:extLst>
       <p:ext uri="{BB962C8B-B14F-4D97-AF65-F5344CB8AC3E}">
-        <p14:creationId xmlns:p14="http://schemas.microsoft.com/office/powerpoint/2010/main" val="3645309059"/>
+        <p14:creationId xmlns:p14="http://schemas.microsoft.com/office/powerpoint/2010/main" val="2246400172"/>
       </p:ext>
     </p:extLst>
   </p:cSld>
@@ -2884,8 +2884,8 @@
         </p:nvSpPr>
         <p:spPr>
           <a:xfrm>
-            <a:off x="2080875" y="2278406"/>
-            <a:ext cx="26105525" cy="8271575"/>
+            <a:off x="1470124" y="1611882"/>
+            <a:ext cx="18443377" cy="5851808"/>
           </a:xfrm>
           <a:prstGeom prst="rect">
             <a:avLst/>
@@ -2917,8 +2917,8 @@
         </p:nvSpPr>
         <p:spPr>
           <a:xfrm>
-            <a:off x="2080875" y="11391985"/>
-            <a:ext cx="26105525" cy="27152551"/>
+            <a:off x="1470124" y="8059374"/>
+            <a:ext cx="18443377" cy="19209345"/>
           </a:xfrm>
           <a:prstGeom prst="rect">
             <a:avLst/>
@@ -2933,7 +2933,7 @@
             <a:pPr lvl="0"/>
             <a:r>
               <a:rPr lang="en-US"/>
-              <a:t>Edit Master text styles</a:t>
+              <a:t>Click to edit Master text styles</a:t>
             </a:r>
           </a:p>
           <a:p>
@@ -2979,8 +2979,8 @@
         </p:nvSpPr>
         <p:spPr>
           <a:xfrm>
-            <a:off x="2080875" y="39663928"/>
-            <a:ext cx="6810137" cy="2278397"/>
+            <a:off x="1470124" y="28060644"/>
+            <a:ext cx="4811316" cy="1611875"/>
           </a:xfrm>
           <a:prstGeom prst="rect">
             <a:avLst/>
@@ -2990,7 +2990,7 @@
           <a:bodyPr vert="horz" lIns="91440" tIns="45720" rIns="91440" bIns="45720" rtlCol="0" anchor="ctr"/>
           <a:lstStyle>
             <a:lvl1pPr algn="l">
-              <a:defRPr sz="3972">
+              <a:defRPr sz="2806">
                 <a:solidFill>
                   <a:schemeClr val="tx1">
                     <a:tint val="75000"/>
@@ -3020,8 +3020,8 @@
         </p:nvSpPr>
         <p:spPr>
           <a:xfrm>
-            <a:off x="10026035" y="39663928"/>
-            <a:ext cx="10215205" cy="2278397"/>
+            <a:off x="7083326" y="28060644"/>
+            <a:ext cx="7216973" cy="1611875"/>
           </a:xfrm>
           <a:prstGeom prst="rect">
             <a:avLst/>
@@ -3031,7 +3031,7 @@
           <a:bodyPr vert="horz" lIns="91440" tIns="45720" rIns="91440" bIns="45720" rtlCol="0" anchor="ctr"/>
           <a:lstStyle>
             <a:lvl1pPr algn="ctr">
-              <a:defRPr sz="3972">
+              <a:defRPr sz="2806">
                 <a:solidFill>
                   <a:schemeClr val="tx1">
                     <a:tint val="75000"/>
@@ -3057,8 +3057,8 @@
         </p:nvSpPr>
         <p:spPr>
           <a:xfrm>
-            <a:off x="21376263" y="39663928"/>
-            <a:ext cx="6810137" cy="2278397"/>
+            <a:off x="15102185" y="28060644"/>
+            <a:ext cx="4811316" cy="1611875"/>
           </a:xfrm>
           <a:prstGeom prst="rect">
             <a:avLst/>
@@ -3068,7 +3068,7 @@
           <a:bodyPr vert="horz" lIns="91440" tIns="45720" rIns="91440" bIns="45720" rtlCol="0" anchor="ctr"/>
           <a:lstStyle>
             <a:lvl1pPr algn="r">
-              <a:defRPr sz="3972">
+              <a:defRPr sz="2806">
                 <a:solidFill>
                   <a:schemeClr val="tx1">
                     <a:tint val="75000"/>
@@ -3089,27 +3089,27 @@
     </p:spTree>
     <p:extLst>
       <p:ext uri="{BB962C8B-B14F-4D97-AF65-F5344CB8AC3E}">
-        <p14:creationId xmlns:p14="http://schemas.microsoft.com/office/powerpoint/2010/main" val="1459543396"/>
+        <p14:creationId xmlns:p14="http://schemas.microsoft.com/office/powerpoint/2010/main" val="280774927"/>
       </p:ext>
     </p:extLst>
   </p:cSld>
   <p:clrMap bg1="lt1" tx1="dk1" bg2="lt2" tx2="dk2" accent1="accent1" accent2="accent2" accent3="accent3" accent4="accent4" accent5="accent5" accent6="accent6" hlink="hlink" folHlink="folHlink"/>
   <p:sldLayoutIdLst>
-    <p:sldLayoutId id="2147483661" r:id="rId1"/>
-    <p:sldLayoutId id="2147483662" r:id="rId2"/>
-    <p:sldLayoutId id="2147483663" r:id="rId3"/>
-    <p:sldLayoutId id="2147483664" r:id="rId4"/>
-    <p:sldLayoutId id="2147483665" r:id="rId5"/>
-    <p:sldLayoutId id="2147483666" r:id="rId6"/>
-    <p:sldLayoutId id="2147483667" r:id="rId7"/>
-    <p:sldLayoutId id="2147483668" r:id="rId8"/>
-    <p:sldLayoutId id="2147483669" r:id="rId9"/>
-    <p:sldLayoutId id="2147483670" r:id="rId10"/>
-    <p:sldLayoutId id="2147483671" r:id="rId11"/>
+    <p:sldLayoutId id="2147483673" r:id="rId1"/>
+    <p:sldLayoutId id="2147483674" r:id="rId2"/>
+    <p:sldLayoutId id="2147483675" r:id="rId3"/>
+    <p:sldLayoutId id="2147483676" r:id="rId4"/>
+    <p:sldLayoutId id="2147483677" r:id="rId5"/>
+    <p:sldLayoutId id="2147483678" r:id="rId6"/>
+    <p:sldLayoutId id="2147483679" r:id="rId7"/>
+    <p:sldLayoutId id="2147483680" r:id="rId8"/>
+    <p:sldLayoutId id="2147483681" r:id="rId9"/>
+    <p:sldLayoutId id="2147483682" r:id="rId10"/>
+    <p:sldLayoutId id="2147483683" r:id="rId11"/>
   </p:sldLayoutIdLst>
   <p:txStyles>
     <p:titleStyle>
-      <a:lvl1pPr algn="l" defTabSz="3026755" rtl="0" eaLnBrk="1" latinLnBrk="0" hangingPunct="1">
+      <a:lvl1pPr algn="l" defTabSz="2138324" rtl="0" eaLnBrk="1" latinLnBrk="0" hangingPunct="1">
         <a:lnSpc>
           <a:spcPct val="90000"/>
         </a:lnSpc>
@@ -3117,7 +3117,7 @@
           <a:spcPct val="0"/>
         </a:spcBef>
         <a:buNone/>
-        <a:defRPr sz="14564" kern="1200">
+        <a:defRPr sz="10289" kern="1200">
           <a:solidFill>
             <a:schemeClr val="tx1"/>
           </a:solidFill>
@@ -3128,16 +3128,16 @@
       </a:lvl1pPr>
     </p:titleStyle>
     <p:bodyStyle>
-      <a:lvl1pPr marL="756689" indent="-756689" algn="l" defTabSz="3026755" rtl="0" eaLnBrk="1" latinLnBrk="0" hangingPunct="1">
+      <a:lvl1pPr marL="534581" indent="-534581" algn="l" defTabSz="2138324" rtl="0" eaLnBrk="1" latinLnBrk="0" hangingPunct="1">
         <a:lnSpc>
           <a:spcPct val="90000"/>
         </a:lnSpc>
         <a:spcBef>
-          <a:spcPts val="3310"/>
+          <a:spcPts val="2339"/>
         </a:spcBef>
         <a:buFont typeface="Arial" panose="020B0604020202020204" pitchFamily="34" charset="0"/>
         <a:buChar char="•"/>
-        <a:defRPr sz="9268" kern="1200">
+        <a:defRPr sz="6548" kern="1200">
           <a:solidFill>
             <a:schemeClr val="tx1"/>
           </a:solidFill>
@@ -3146,16 +3146,16 @@
           <a:cs typeface="+mn-cs"/>
         </a:defRPr>
       </a:lvl1pPr>
-      <a:lvl2pPr marL="2270067" indent="-756689" algn="l" defTabSz="3026755" rtl="0" eaLnBrk="1" latinLnBrk="0" hangingPunct="1">
+      <a:lvl2pPr marL="1603743" indent="-534581" algn="l" defTabSz="2138324" rtl="0" eaLnBrk="1" latinLnBrk="0" hangingPunct="1">
         <a:lnSpc>
           <a:spcPct val="90000"/>
         </a:lnSpc>
         <a:spcBef>
-          <a:spcPts val="1655"/>
+          <a:spcPts val="1169"/>
         </a:spcBef>
         <a:buFont typeface="Arial" panose="020B0604020202020204" pitchFamily="34" charset="0"/>
         <a:buChar char="•"/>
-        <a:defRPr sz="7944" kern="1200">
+        <a:defRPr sz="5612" kern="1200">
           <a:solidFill>
             <a:schemeClr val="tx1"/>
           </a:solidFill>
@@ -3164,16 +3164,16 @@
           <a:cs typeface="+mn-cs"/>
         </a:defRPr>
       </a:lvl2pPr>
-      <a:lvl3pPr marL="3783444" indent="-756689" algn="l" defTabSz="3026755" rtl="0" eaLnBrk="1" latinLnBrk="0" hangingPunct="1">
+      <a:lvl3pPr marL="2672906" indent="-534581" algn="l" defTabSz="2138324" rtl="0" eaLnBrk="1" latinLnBrk="0" hangingPunct="1">
         <a:lnSpc>
           <a:spcPct val="90000"/>
         </a:lnSpc>
         <a:spcBef>
-          <a:spcPts val="1655"/>
+          <a:spcPts val="1169"/>
         </a:spcBef>
         <a:buFont typeface="Arial" panose="020B0604020202020204" pitchFamily="34" charset="0"/>
         <a:buChar char="•"/>
-        <a:defRPr sz="6620" kern="1200">
+        <a:defRPr sz="4677" kern="1200">
           <a:solidFill>
             <a:schemeClr val="tx1"/>
           </a:solidFill>
@@ -3182,16 +3182,16 @@
           <a:cs typeface="+mn-cs"/>
         </a:defRPr>
       </a:lvl3pPr>
-      <a:lvl4pPr marL="5296822" indent="-756689" algn="l" defTabSz="3026755" rtl="0" eaLnBrk="1" latinLnBrk="0" hangingPunct="1">
+      <a:lvl4pPr marL="3742068" indent="-534581" algn="l" defTabSz="2138324" rtl="0" eaLnBrk="1" latinLnBrk="0" hangingPunct="1">
         <a:lnSpc>
           <a:spcPct val="90000"/>
         </a:lnSpc>
         <a:spcBef>
-          <a:spcPts val="1655"/>
+          <a:spcPts val="1169"/>
         </a:spcBef>
         <a:buFont typeface="Arial" panose="020B0604020202020204" pitchFamily="34" charset="0"/>
         <a:buChar char="•"/>
-        <a:defRPr sz="5958" kern="1200">
+        <a:defRPr sz="4209" kern="1200">
           <a:solidFill>
             <a:schemeClr val="tx1"/>
           </a:solidFill>
@@ -3200,16 +3200,16 @@
           <a:cs typeface="+mn-cs"/>
         </a:defRPr>
       </a:lvl4pPr>
-      <a:lvl5pPr marL="6810200" indent="-756689" algn="l" defTabSz="3026755" rtl="0" eaLnBrk="1" latinLnBrk="0" hangingPunct="1">
+      <a:lvl5pPr marL="4811230" indent="-534581" algn="l" defTabSz="2138324" rtl="0" eaLnBrk="1" latinLnBrk="0" hangingPunct="1">
         <a:lnSpc>
           <a:spcPct val="90000"/>
         </a:lnSpc>
         <a:spcBef>
-          <a:spcPts val="1655"/>
+          <a:spcPts val="1169"/>
         </a:spcBef>
         <a:buFont typeface="Arial" panose="020B0604020202020204" pitchFamily="34" charset="0"/>
         <a:buChar char="•"/>
-        <a:defRPr sz="5958" kern="1200">
+        <a:defRPr sz="4209" kern="1200">
           <a:solidFill>
             <a:schemeClr val="tx1"/>
           </a:solidFill>
@@ -3218,16 +3218,16 @@
           <a:cs typeface="+mn-cs"/>
         </a:defRPr>
       </a:lvl5pPr>
-      <a:lvl6pPr marL="8323577" indent="-756689" algn="l" defTabSz="3026755" rtl="0" eaLnBrk="1" latinLnBrk="0" hangingPunct="1">
+      <a:lvl6pPr marL="5880392" indent="-534581" algn="l" defTabSz="2138324" rtl="0" eaLnBrk="1" latinLnBrk="0" hangingPunct="1">
         <a:lnSpc>
           <a:spcPct val="90000"/>
         </a:lnSpc>
         <a:spcBef>
-          <a:spcPts val="1655"/>
+          <a:spcPts val="1169"/>
         </a:spcBef>
         <a:buFont typeface="Arial" panose="020B0604020202020204" pitchFamily="34" charset="0"/>
         <a:buChar char="•"/>
-        <a:defRPr sz="5958" kern="1200">
+        <a:defRPr sz="4209" kern="1200">
           <a:solidFill>
             <a:schemeClr val="tx1"/>
           </a:solidFill>
@@ -3236,16 +3236,16 @@
           <a:cs typeface="+mn-cs"/>
         </a:defRPr>
       </a:lvl6pPr>
-      <a:lvl7pPr marL="9836955" indent="-756689" algn="l" defTabSz="3026755" rtl="0" eaLnBrk="1" latinLnBrk="0" hangingPunct="1">
+      <a:lvl7pPr marL="6949554" indent="-534581" algn="l" defTabSz="2138324" rtl="0" eaLnBrk="1" latinLnBrk="0" hangingPunct="1">
         <a:lnSpc>
           <a:spcPct val="90000"/>
         </a:lnSpc>
         <a:spcBef>
-          <a:spcPts val="1655"/>
+          <a:spcPts val="1169"/>
         </a:spcBef>
         <a:buFont typeface="Arial" panose="020B0604020202020204" pitchFamily="34" charset="0"/>
         <a:buChar char="•"/>
-        <a:defRPr sz="5958" kern="1200">
+        <a:defRPr sz="4209" kern="1200">
           <a:solidFill>
             <a:schemeClr val="tx1"/>
           </a:solidFill>
@@ -3254,16 +3254,16 @@
           <a:cs typeface="+mn-cs"/>
         </a:defRPr>
       </a:lvl7pPr>
-      <a:lvl8pPr marL="11350333" indent="-756689" algn="l" defTabSz="3026755" rtl="0" eaLnBrk="1" latinLnBrk="0" hangingPunct="1">
+      <a:lvl8pPr marL="8018717" indent="-534581" algn="l" defTabSz="2138324" rtl="0" eaLnBrk="1" latinLnBrk="0" hangingPunct="1">
         <a:lnSpc>
           <a:spcPct val="90000"/>
         </a:lnSpc>
         <a:spcBef>
-          <a:spcPts val="1655"/>
+          <a:spcPts val="1169"/>
         </a:spcBef>
         <a:buFont typeface="Arial" panose="020B0604020202020204" pitchFamily="34" charset="0"/>
         <a:buChar char="•"/>
-        <a:defRPr sz="5958" kern="1200">
+        <a:defRPr sz="4209" kern="1200">
           <a:solidFill>
             <a:schemeClr val="tx1"/>
           </a:solidFill>
@@ -3272,16 +3272,16 @@
           <a:cs typeface="+mn-cs"/>
         </a:defRPr>
       </a:lvl8pPr>
-      <a:lvl9pPr marL="12863711" indent="-756689" algn="l" defTabSz="3026755" rtl="0" eaLnBrk="1" latinLnBrk="0" hangingPunct="1">
+      <a:lvl9pPr marL="9087879" indent="-534581" algn="l" defTabSz="2138324" rtl="0" eaLnBrk="1" latinLnBrk="0" hangingPunct="1">
         <a:lnSpc>
           <a:spcPct val="90000"/>
         </a:lnSpc>
         <a:spcBef>
-          <a:spcPts val="1655"/>
+          <a:spcPts val="1169"/>
         </a:spcBef>
         <a:buFont typeface="Arial" panose="020B0604020202020204" pitchFamily="34" charset="0"/>
         <a:buChar char="•"/>
-        <a:defRPr sz="5958" kern="1200">
+        <a:defRPr sz="4209" kern="1200">
           <a:solidFill>
             <a:schemeClr val="tx1"/>
           </a:solidFill>
@@ -3295,8 +3295,8 @@
       <a:defPPr>
         <a:defRPr lang="en-US"/>
       </a:defPPr>
-      <a:lvl1pPr marL="0" algn="l" defTabSz="3026755" rtl="0" eaLnBrk="1" latinLnBrk="0" hangingPunct="1">
-        <a:defRPr sz="5958" kern="1200">
+      <a:lvl1pPr marL="0" algn="l" defTabSz="2138324" rtl="0" eaLnBrk="1" latinLnBrk="0" hangingPunct="1">
+        <a:defRPr sz="4209" kern="1200">
           <a:solidFill>
             <a:schemeClr val="tx1"/>
           </a:solidFill>
@@ -3305,8 +3305,8 @@
           <a:cs typeface="+mn-cs"/>
         </a:defRPr>
       </a:lvl1pPr>
-      <a:lvl2pPr marL="1513378" algn="l" defTabSz="3026755" rtl="0" eaLnBrk="1" latinLnBrk="0" hangingPunct="1">
-        <a:defRPr sz="5958" kern="1200">
+      <a:lvl2pPr marL="1069162" algn="l" defTabSz="2138324" rtl="0" eaLnBrk="1" latinLnBrk="0" hangingPunct="1">
+        <a:defRPr sz="4209" kern="1200">
           <a:solidFill>
             <a:schemeClr val="tx1"/>
           </a:solidFill>
@@ -3315,8 +3315,8 @@
           <a:cs typeface="+mn-cs"/>
         </a:defRPr>
       </a:lvl2pPr>
-      <a:lvl3pPr marL="3026755" algn="l" defTabSz="3026755" rtl="0" eaLnBrk="1" latinLnBrk="0" hangingPunct="1">
-        <a:defRPr sz="5958" kern="1200">
+      <a:lvl3pPr marL="2138324" algn="l" defTabSz="2138324" rtl="0" eaLnBrk="1" latinLnBrk="0" hangingPunct="1">
+        <a:defRPr sz="4209" kern="1200">
           <a:solidFill>
             <a:schemeClr val="tx1"/>
           </a:solidFill>
@@ -3325,8 +3325,8 @@
           <a:cs typeface="+mn-cs"/>
         </a:defRPr>
       </a:lvl3pPr>
-      <a:lvl4pPr marL="4540133" algn="l" defTabSz="3026755" rtl="0" eaLnBrk="1" latinLnBrk="0" hangingPunct="1">
-        <a:defRPr sz="5958" kern="1200">
+      <a:lvl4pPr marL="3207487" algn="l" defTabSz="2138324" rtl="0" eaLnBrk="1" latinLnBrk="0" hangingPunct="1">
+        <a:defRPr sz="4209" kern="1200">
           <a:solidFill>
             <a:schemeClr val="tx1"/>
           </a:solidFill>
@@ -3335,8 +3335,8 @@
           <a:cs typeface="+mn-cs"/>
         </a:defRPr>
       </a:lvl4pPr>
-      <a:lvl5pPr marL="6053511" algn="l" defTabSz="3026755" rtl="0" eaLnBrk="1" latinLnBrk="0" hangingPunct="1">
-        <a:defRPr sz="5958" kern="1200">
+      <a:lvl5pPr marL="4276649" algn="l" defTabSz="2138324" rtl="0" eaLnBrk="1" latinLnBrk="0" hangingPunct="1">
+        <a:defRPr sz="4209" kern="1200">
           <a:solidFill>
             <a:schemeClr val="tx1"/>
           </a:solidFill>
@@ -3345,8 +3345,8 @@
           <a:cs typeface="+mn-cs"/>
         </a:defRPr>
       </a:lvl5pPr>
-      <a:lvl6pPr marL="7566889" algn="l" defTabSz="3026755" rtl="0" eaLnBrk="1" latinLnBrk="0" hangingPunct="1">
-        <a:defRPr sz="5958" kern="1200">
+      <a:lvl6pPr marL="5345811" algn="l" defTabSz="2138324" rtl="0" eaLnBrk="1" latinLnBrk="0" hangingPunct="1">
+        <a:defRPr sz="4209" kern="1200">
           <a:solidFill>
             <a:schemeClr val="tx1"/>
           </a:solidFill>
@@ -3355,8 +3355,8 @@
           <a:cs typeface="+mn-cs"/>
         </a:defRPr>
       </a:lvl6pPr>
-      <a:lvl7pPr marL="9080266" algn="l" defTabSz="3026755" rtl="0" eaLnBrk="1" latinLnBrk="0" hangingPunct="1">
-        <a:defRPr sz="5958" kern="1200">
+      <a:lvl7pPr marL="6414973" algn="l" defTabSz="2138324" rtl="0" eaLnBrk="1" latinLnBrk="0" hangingPunct="1">
+        <a:defRPr sz="4209" kern="1200">
           <a:solidFill>
             <a:schemeClr val="tx1"/>
           </a:solidFill>
@@ -3365,8 +3365,8 @@
           <a:cs typeface="+mn-cs"/>
         </a:defRPr>
       </a:lvl7pPr>
-      <a:lvl8pPr marL="10593644" algn="l" defTabSz="3026755" rtl="0" eaLnBrk="1" latinLnBrk="0" hangingPunct="1">
-        <a:defRPr sz="5958" kern="1200">
+      <a:lvl8pPr marL="7484135" algn="l" defTabSz="2138324" rtl="0" eaLnBrk="1" latinLnBrk="0" hangingPunct="1">
+        <a:defRPr sz="4209" kern="1200">
           <a:solidFill>
             <a:schemeClr val="tx1"/>
           </a:solidFill>
@@ -3375,8 +3375,8 @@
           <a:cs typeface="+mn-cs"/>
         </a:defRPr>
       </a:lvl8pPr>
-      <a:lvl9pPr marL="12107022" algn="l" defTabSz="3026755" rtl="0" eaLnBrk="1" latinLnBrk="0" hangingPunct="1">
-        <a:defRPr sz="5958" kern="1200">
+      <a:lvl9pPr marL="8553298" algn="l" defTabSz="2138324" rtl="0" eaLnBrk="1" latinLnBrk="0" hangingPunct="1">
+        <a:defRPr sz="4209" kern="1200">
           <a:solidFill>
             <a:schemeClr val="tx1"/>
           </a:solidFill>
@@ -3423,8 +3423,8 @@
             </p:nvSpPr>
             <p:spPr>
               <a:xfrm>
-                <a:off x="15047818" y="20894101"/>
-                <a:ext cx="15183554" cy="3970318"/>
+                <a:off x="10631182" y="14782227"/>
+                <a:ext cx="10727078" cy="2831609"/>
               </a:xfrm>
               <a:prstGeom prst="rect">
                 <a:avLst/>
@@ -3440,13 +3440,13 @@
                   <a:defRPr/>
                 </a:pPr>
                 <a:r>
-                  <a:rPr lang="en-US" sz="3600" b="1" dirty="0">
+                  <a:rPr lang="en-US" sz="2543" b="1" dirty="0">
                     <a:latin typeface="Times" pitchFamily="2" charset="0"/>
                   </a:rPr>
                   <a:t>RLN group: </a:t>
                 </a:r>
                 <a:r>
-                  <a:rPr lang="en-US" sz="3600" dirty="0">
+                  <a:rPr lang="en-US" sz="2543" dirty="0">
                     <a:latin typeface="Times" pitchFamily="2" charset="0"/>
                   </a:rPr>
                   <a:t>Peers subscribed to the same topic.</a:t>
@@ -3457,13 +3457,13 @@
                   <a:defRPr/>
                 </a:pPr>
                 <a:r>
-                  <a:rPr lang="en-US" sz="3600" b="1" dirty="0">
+                  <a:rPr lang="en-US" sz="2543" b="1" dirty="0">
                     <a:latin typeface="Times" pitchFamily="2" charset="0"/>
                   </a:rPr>
                   <a:t>External Nullifier/Epoch: </a:t>
                 </a:r>
                 <a:r>
-                  <a:rPr lang="en-US" sz="3600" dirty="0">
+                  <a:rPr lang="en-US" sz="2543" dirty="0">
                     <a:latin typeface="Times" pitchFamily="2" charset="0"/>
                   </a:rPr>
                   <a:t> the number of </a:t>
@@ -3471,7 +3471,7 @@
                 <a14:m>
                   <m:oMath xmlns:m="http://schemas.openxmlformats.org/officeDocument/2006/math">
                     <m:r>
-                      <a:rPr lang="en-US" sz="3600" i="1" dirty="0" smtClean="0">
+                      <a:rPr lang="en-US" sz="2543" i="1" dirty="0">
                         <a:latin typeface="Cambria Math" panose="02040503050406030204" pitchFamily="18" charset="0"/>
                       </a:rPr>
                       <m:t>𝑇</m:t>
@@ -3479,7 +3479,7 @@
                   </m:oMath>
                 </a14:m>
                 <a:r>
-                  <a:rPr lang="en-US" sz="3600" dirty="0">
+                  <a:rPr lang="en-US" sz="2543" dirty="0">
                     <a:latin typeface="Times" pitchFamily="2" charset="0"/>
                   </a:rPr>
                   <a:t> seconds that elapsed since the Unix epoch event. Each peer locally keeps track of the current </a:t>
@@ -3487,7 +3487,7 @@
                 <a14:m>
                   <m:oMath xmlns:m="http://schemas.openxmlformats.org/officeDocument/2006/math">
                     <m:r>
-                      <a:rPr lang="en-US" sz="3600" i="1" dirty="0" smtClean="0">
+                      <a:rPr lang="en-US" sz="2543" i="1" dirty="0">
                         <a:latin typeface="Cambria Math" panose="02040503050406030204" pitchFamily="18" charset="0"/>
                       </a:rPr>
                       <m:t>𝐸𝑝𝑜𝑐h</m:t>
@@ -3495,7 +3495,7 @@
                   </m:oMath>
                 </a14:m>
                 <a:r>
-                  <a:rPr lang="en-US" sz="3600" dirty="0">
+                  <a:rPr lang="en-US" sz="2543" dirty="0">
                     <a:latin typeface="Times" pitchFamily="2" charset="0"/>
                   </a:rPr>
                   <a:t>.</a:t>
@@ -3506,13 +3506,13 @@
                   <a:defRPr/>
                 </a:pPr>
                 <a:r>
-                  <a:rPr lang="en-US" sz="3600" b="1" dirty="0">
+                  <a:rPr lang="en-US" sz="2543" b="1" dirty="0">
                     <a:latin typeface="Times" pitchFamily="2" charset="0"/>
                   </a:rPr>
                   <a:t>Messaging rate</a:t>
                 </a:r>
                 <a:r>
-                  <a:rPr lang="en-US" sz="3600" dirty="0">
+                  <a:rPr lang="en-US" sz="2543" dirty="0">
                     <a:latin typeface="Times" pitchFamily="2" charset="0"/>
                   </a:rPr>
                   <a:t>: 1 per </a:t>
@@ -3520,7 +3520,7 @@
                 <a14:m>
                   <m:oMath xmlns:m="http://schemas.openxmlformats.org/officeDocument/2006/math">
                     <m:r>
-                      <a:rPr lang="en-US" sz="3600" i="1" dirty="0" smtClean="0">
+                      <a:rPr lang="en-US" sz="2543" i="1" dirty="0">
                         <a:latin typeface="Cambria Math" panose="02040503050406030204" pitchFamily="18" charset="0"/>
                       </a:rPr>
                       <m:t>𝐸𝑝𝑜𝑐h</m:t>
@@ -3528,7 +3528,7 @@
                   </m:oMath>
                 </a14:m>
                 <a:r>
-                  <a:rPr lang="en-US" sz="3600" dirty="0">
+                  <a:rPr lang="en-US" sz="2543" dirty="0">
                     <a:latin typeface="Times" pitchFamily="2" charset="0"/>
                   </a:rPr>
                   <a:t>.</a:t>
@@ -3539,13 +3539,13 @@
                   <a:defRPr/>
                 </a:pPr>
                 <a:r>
-                  <a:rPr lang="en-US" sz="3600" b="1" dirty="0">
+                  <a:rPr lang="en-US" sz="2543" b="1" dirty="0">
                     <a:latin typeface="Times" pitchFamily="2" charset="0"/>
                   </a:rPr>
                   <a:t>Merkle tree: </a:t>
                 </a:r>
                 <a:r>
-                  <a:rPr lang="en-US" sz="3600" dirty="0">
+                  <a:rPr lang="en-US" sz="2543" dirty="0">
                     <a:latin typeface="Times" pitchFamily="2" charset="0"/>
                   </a:rPr>
                   <a:t>Peers construct and update the Membership Merkle tree locally using events emitted from the membership contract.</a:t>
@@ -3555,7 +3555,7 @@
                 <a:pPr>
                   <a:defRPr/>
                 </a:pPr>
-                <a:endParaRPr lang="en-US" sz="3600" dirty="0">
+                <a:endParaRPr lang="en-US" sz="2543" dirty="0">
                   <a:latin typeface="Times" pitchFamily="2" charset="0"/>
                 </a:endParaRPr>
               </a:p>
@@ -3579,8 +3579,8 @@
             </p:nvSpPr>
             <p:spPr>
               <a:xfrm>
-                <a:off x="15047818" y="20894101"/>
-                <a:ext cx="15183554" cy="3970318"/>
+                <a:off x="10631182" y="14782227"/>
+                <a:ext cx="10727078" cy="2831609"/>
               </a:xfrm>
               <a:prstGeom prst="rect">
                 <a:avLst/>
@@ -3588,7 +3588,7 @@
               <a:blipFill>
                 <a:blip r:embed="rId3"/>
                 <a:stretch>
-                  <a:fillRect l="-1170" t="-2556" r="-585"/>
+                  <a:fillRect l="-1065" t="-2242" r="-947"/>
                 </a:stretch>
               </a:blipFill>
             </p:spPr>
@@ -3621,8 +3621,8 @@
         </p:nvSpPr>
         <p:spPr>
           <a:xfrm>
-            <a:off x="-10940" y="33222596"/>
-            <a:ext cx="14890377" cy="2193345"/>
+            <a:off x="-7729" y="23492226"/>
+            <a:ext cx="10519951" cy="1549583"/>
           </a:xfrm>
           <a:prstGeom prst="rect">
             <a:avLst/>
@@ -3653,7 +3653,7 @@
           </a:fontRef>
         </p:style>
         <p:txBody>
-          <a:bodyPr lIns="104586" tIns="52293" rIns="104586" bIns="52293" rtlCol="0" anchor="ctr"/>
+          <a:bodyPr lIns="73889" tIns="36945" rIns="73889" bIns="36945" rtlCol="0" anchor="ctr"/>
           <a:lstStyle>
             <a:defPPr>
               <a:defRPr lang="en-US"/>
@@ -3752,19 +3752,19 @@
           <a:p>
             <a:pPr algn="ctr"/>
             <a:r>
-              <a:rPr lang="en-US" sz="6000" dirty="0">
+              <a:rPr lang="en-US" sz="4239" dirty="0">
                 <a:latin typeface="Times" pitchFamily="2" charset="0"/>
               </a:rPr>
               <a:t>WAKU-RLN-RELAY: </a:t>
             </a:r>
             <a:r>
-              <a:rPr lang="en-US" sz="6000" dirty="0">
+              <a:rPr lang="en-US" sz="4239" dirty="0">
                 <a:latin typeface="Times" pitchFamily="2" charset="0"/>
                 <a:cs typeface="Times New Roman" panose="02020603050405020304" pitchFamily="18" charset="0"/>
               </a:rPr>
               <a:t>Anonymous and P2P Global Spam Protection Made Possible</a:t>
             </a:r>
-            <a:endParaRPr lang="en-US" sz="6000" dirty="0">
+            <a:endParaRPr lang="en-US" sz="4239" dirty="0">
               <a:ln w="18415" cmpd="sng">
                 <a:solidFill>
                   <a:srgbClr val="FFFFFF"/>
@@ -3801,8 +3801,8 @@
         </p:nvSpPr>
         <p:spPr>
           <a:xfrm>
-            <a:off x="-23308" y="11816411"/>
-            <a:ext cx="14904720" cy="1016420"/>
+            <a:off x="-16467" y="8368901"/>
+            <a:ext cx="10530084" cy="718094"/>
           </a:xfrm>
           <a:prstGeom prst="rect">
             <a:avLst/>
@@ -3833,7 +3833,7 @@
           </a:fontRef>
         </p:style>
         <p:txBody>
-          <a:bodyPr lIns="104586" tIns="52293" rIns="104586" bIns="52293" rtlCol="0" anchor="ctr"/>
+          <a:bodyPr lIns="73889" tIns="36945" rIns="73889" bIns="36945" rtlCol="0" anchor="ctr"/>
           <a:lstStyle>
             <a:defPPr>
               <a:defRPr lang="en-US"/>
@@ -3932,7 +3932,7 @@
           <a:p>
             <a:pPr algn="ctr"/>
             <a:r>
-              <a:rPr lang="en-US" sz="6000" dirty="0">
+              <a:rPr lang="en-US" sz="4239" dirty="0">
                 <a:ln w="18415" cmpd="sng">
                   <a:solidFill>
                     <a:srgbClr val="FFFFFF"/>
@@ -3955,13 +3955,13 @@
               <a:t>Spam and </a:t>
             </a:r>
             <a:r>
-              <a:rPr lang="en-US" sz="6000" dirty="0">
+              <a:rPr lang="en-US" sz="4239" dirty="0">
                 <a:latin typeface="Times" pitchFamily="2" charset="0"/>
               </a:rPr>
               <a:t>Denial-of-Service</a:t>
             </a:r>
             <a:r>
-              <a:rPr lang="en-US" sz="6000" dirty="0">
+              <a:rPr lang="en-US" sz="4239" dirty="0">
                 <a:ln w="18415" cmpd="sng">
                   <a:solidFill>
                     <a:srgbClr val="FFFFFF"/>
@@ -3994,8 +3994,8 @@
         </p:nvSpPr>
         <p:spPr>
           <a:xfrm>
-            <a:off x="14969836" y="14472922"/>
-            <a:ext cx="14937434" cy="10729060"/>
+            <a:off x="10576088" y="10245708"/>
+            <a:ext cx="10553196" cy="7580008"/>
           </a:xfrm>
           <a:prstGeom prst="roundRect">
             <a:avLst>
@@ -4031,7 +4031,7 @@
           <a:lstStyle/>
           <a:p>
             <a:pPr algn="ctr"/>
-            <a:endParaRPr lang="en-US">
+            <a:endParaRPr lang="en-US" sz="899">
               <a:latin typeface="Times" pitchFamily="2" charset="0"/>
               <a:cs typeface="Times New Roman" panose="02020603050405020304" pitchFamily="18" charset="0"/>
             </a:endParaRPr>
@@ -4046,8 +4046,8 @@
         </p:nvSpPr>
         <p:spPr>
           <a:xfrm>
-            <a:off x="14969836" y="25133302"/>
-            <a:ext cx="14937434" cy="10729060"/>
+            <a:off x="10576088" y="17777194"/>
+            <a:ext cx="10553196" cy="7580008"/>
           </a:xfrm>
           <a:prstGeom prst="roundRect">
             <a:avLst>
@@ -4083,7 +4083,7 @@
           <a:lstStyle/>
           <a:p>
             <a:pPr algn="ctr"/>
-            <a:endParaRPr lang="en-US">
+            <a:endParaRPr lang="en-US" sz="899">
               <a:latin typeface="Times" pitchFamily="2" charset="0"/>
               <a:cs typeface="Times New Roman" panose="02020603050405020304" pitchFamily="18" charset="0"/>
             </a:endParaRPr>
@@ -4098,8 +4098,8 @@
         </p:nvSpPr>
         <p:spPr>
           <a:xfrm>
-            <a:off x="15107044" y="33375141"/>
-            <a:ext cx="15150533" cy="4278094"/>
+            <a:off x="10673025" y="23599997"/>
+            <a:ext cx="10703749" cy="3049296"/>
           </a:xfrm>
           <a:prstGeom prst="rect">
             <a:avLst/>
@@ -4112,75 +4112,75 @@
           </a:bodyPr>
           <a:lstStyle/>
           <a:p>
-            <a:pPr marL="571500" indent="-571500">
+            <a:pPr marL="403765" indent="-403765">
               <a:buFont typeface="Wingdings" pitchFamily="2" charset="2"/>
               <a:buChar char="Ø"/>
             </a:pPr>
             <a:r>
-              <a:rPr lang="en-CA" sz="4000" dirty="0">
+              <a:rPr lang="en-CA" sz="2826" dirty="0">
                 <a:latin typeface="Times" pitchFamily="2" charset="0"/>
               </a:rPr>
               <a:t>Benchmarking</a:t>
             </a:r>
           </a:p>
           <a:p>
-            <a:pPr marL="571500" indent="-571500">
+            <a:pPr marL="403765" indent="-403765">
               <a:buFont typeface="Wingdings" pitchFamily="2" charset="2"/>
               <a:buChar char="Ø"/>
             </a:pPr>
             <a:r>
-              <a:rPr lang="en-CA" sz="4000" dirty="0">
+              <a:rPr lang="en-CA" sz="2826" dirty="0">
                 <a:latin typeface="Times" pitchFamily="2" charset="0"/>
               </a:rPr>
               <a:t>Efficient Merkle tree maintenance</a:t>
             </a:r>
           </a:p>
           <a:p>
-            <a:pPr marL="1028700" lvl="1" indent="-571500">
+            <a:pPr marL="726777" lvl="1" indent="-403765">
               <a:buFont typeface="Arial" panose="020B0604020202020204" pitchFamily="34" charset="0"/>
               <a:buChar char="•"/>
             </a:pPr>
             <a:r>
-              <a:rPr lang="en-CA" sz="3600" dirty="0">
+              <a:rPr lang="en-CA" sz="2543" dirty="0">
                 <a:latin typeface="Times" pitchFamily="2" charset="0"/>
               </a:rPr>
               <a:t>P2P network of full-nodes and light-nodes</a:t>
             </a:r>
           </a:p>
           <a:p>
-            <a:pPr marL="1028700" lvl="1" indent="-571500">
+            <a:pPr marL="726777" lvl="1" indent="-403765">
               <a:buFont typeface="Arial" panose="020B0604020202020204" pitchFamily="34" charset="0"/>
               <a:buChar char="•"/>
             </a:pPr>
             <a:r>
-              <a:rPr lang="en-CA" sz="3600" dirty="0">
+              <a:rPr lang="en-CA" sz="2543" dirty="0">
                 <a:latin typeface="Times" pitchFamily="2" charset="0"/>
               </a:rPr>
               <a:t>Partial view of Merkle tree</a:t>
             </a:r>
           </a:p>
           <a:p>
-            <a:pPr marL="571500" indent="-571500">
+            <a:pPr marL="403765" indent="-403765">
               <a:buFont typeface="Wingdings" pitchFamily="2" charset="2"/>
               <a:buChar char="Ø"/>
             </a:pPr>
             <a:r>
-              <a:rPr lang="en-US" sz="4000" dirty="0">
+              <a:rPr lang="en-US" sz="2826" dirty="0">
                 <a:latin typeface="Times" pitchFamily="2" charset="0"/>
               </a:rPr>
               <a:t>Real-time removal of spammers using off-chain/p2p solutions</a:t>
             </a:r>
-            <a:endParaRPr lang="en-CA" sz="4000" dirty="0">
+            <a:endParaRPr lang="en-CA" sz="2826" dirty="0">
               <a:latin typeface="Times" pitchFamily="2" charset="0"/>
             </a:endParaRPr>
           </a:p>
           <a:p>
-            <a:pPr marL="571500" indent="-571500">
+            <a:pPr marL="403765" indent="-403765">
               <a:buFont typeface="Wingdings" pitchFamily="2" charset="2"/>
               <a:buChar char="Ø"/>
             </a:pPr>
             <a:r>
-              <a:rPr lang="en-CA" sz="4000" dirty="0">
+              <a:rPr lang="en-CA" sz="2826" dirty="0">
                 <a:latin typeface="Times" pitchFamily="2" charset="0"/>
               </a:rPr>
               <a:t>Cost-effective way of member insertion and deletion using layer 2 solutions</a:t>
@@ -4198,15 +4198,15 @@
         </p:nvSpPr>
         <p:spPr>
           <a:xfrm>
-            <a:off x="15082581" y="37784242"/>
-            <a:ext cx="15083264" cy="4072089"/>
+            <a:off x="10655741" y="26714998"/>
+            <a:ext cx="10656224" cy="2876903"/>
           </a:xfrm>
           <a:prstGeom prst="rect">
             <a:avLst/>
           </a:prstGeom>
         </p:spPr>
         <p:txBody>
-          <a:bodyPr vert="horz" lIns="91440" tIns="45720" rIns="91440" bIns="45720" rtlCol="0" anchor="ctr"/>
+          <a:bodyPr vert="horz" lIns="64602" tIns="32301" rIns="64602" bIns="32301" rtlCol="0" anchor="ctr"/>
           <a:lstStyle>
             <a:defPPr>
               <a:defRPr lang="en-US"/>
@@ -4307,7 +4307,7 @@
           <a:p>
             <a:pPr algn="l"/>
             <a:r>
-              <a:rPr lang="en-US" sz="3600" b="1" dirty="0">
+              <a:rPr lang="en-US" sz="2543" b="1" dirty="0">
                 <a:solidFill>
                   <a:schemeClr val="tx1"/>
                 </a:solidFill>
@@ -4318,12 +4318,12 @@
             </a:r>
           </a:p>
           <a:p>
-            <a:pPr marL="514350" indent="-514350" algn="l">
+            <a:pPr marL="363388" indent="-363388" algn="l">
               <a:buFont typeface="+mj-lt"/>
               <a:buAutoNum type="arabicPeriod"/>
             </a:pPr>
             <a:r>
-              <a:rPr lang="en-US" sz="2800" dirty="0">
+              <a:rPr lang="en-US" sz="1978" dirty="0">
                 <a:solidFill>
                   <a:schemeClr val="tx1"/>
                 </a:solidFill>
@@ -4333,7 +4333,7 @@
               <a:t>WAKU-RELAY specifications, </a:t>
             </a:r>
             <a:r>
-              <a:rPr lang="en-CA" sz="2800" dirty="0">
+              <a:rPr lang="en-CA" sz="1978" dirty="0">
                 <a:solidFill>
                   <a:schemeClr val="tx1"/>
                 </a:solidFill>
@@ -4342,7 +4342,7 @@
               <a:t>https://</a:t>
             </a:r>
             <a:r>
-              <a:rPr lang="en-CA" sz="2800" dirty="0" err="1">
+              <a:rPr lang="en-CA" sz="1978" dirty="0" err="1">
                 <a:solidFill>
                   <a:schemeClr val="tx1"/>
                 </a:solidFill>
@@ -4351,7 +4351,7 @@
               <a:t>rfc.vac.dev</a:t>
             </a:r>
             <a:r>
-              <a:rPr lang="en-CA" sz="2800" dirty="0">
+              <a:rPr lang="en-CA" sz="1978" dirty="0">
                 <a:solidFill>
                   <a:schemeClr val="tx1"/>
                 </a:solidFill>
@@ -4359,7 +4359,7 @@
               </a:rPr>
               <a:t>/spec/11</a:t>
             </a:r>
-            <a:endParaRPr lang="en-US" sz="2800" dirty="0">
+            <a:endParaRPr lang="en-US" sz="1978" dirty="0">
               <a:solidFill>
                 <a:schemeClr val="tx1"/>
               </a:solidFill>
@@ -4367,12 +4367,12 @@
             </a:endParaRPr>
           </a:p>
           <a:p>
-            <a:pPr marL="514350" indent="-514350" algn="l">
+            <a:pPr marL="363388" indent="-363388" algn="l">
               <a:buFont typeface="+mj-lt"/>
               <a:buAutoNum type="arabicPeriod"/>
             </a:pPr>
             <a:r>
-              <a:rPr lang="en-CA" sz="2800" dirty="0" err="1">
+              <a:rPr lang="en-CA" sz="1978" dirty="0" err="1">
                 <a:solidFill>
                   <a:schemeClr val="tx1"/>
                 </a:solidFill>
@@ -4381,7 +4381,7 @@
               <a:t>Vyzovitis</a:t>
             </a:r>
             <a:r>
-              <a:rPr lang="en-CA" sz="2800" dirty="0">
+              <a:rPr lang="en-CA" sz="1978" dirty="0">
                 <a:solidFill>
                   <a:schemeClr val="tx1"/>
                 </a:solidFill>
@@ -4390,7 +4390,7 @@
               <a:t> D, </a:t>
             </a:r>
             <a:r>
-              <a:rPr lang="en-CA" sz="2800" dirty="0" err="1">
+              <a:rPr lang="en-CA" sz="1978" dirty="0" err="1">
                 <a:solidFill>
                   <a:schemeClr val="tx1"/>
                 </a:solidFill>
@@ -4399,7 +4399,7 @@
               <a:t>Napora</a:t>
             </a:r>
             <a:r>
-              <a:rPr lang="en-CA" sz="2800" dirty="0">
+              <a:rPr lang="en-CA" sz="1978" dirty="0">
                 <a:solidFill>
                   <a:schemeClr val="tx1"/>
                 </a:solidFill>
@@ -4408,7 +4408,7 @@
               <a:t> Y, McCormick D, Dias D, </a:t>
             </a:r>
             <a:r>
-              <a:rPr lang="en-CA" sz="2800" dirty="0" err="1">
+              <a:rPr lang="en-CA" sz="1978" dirty="0" err="1">
                 <a:solidFill>
                   <a:schemeClr val="tx1"/>
                 </a:solidFill>
@@ -4417,7 +4417,7 @@
               <a:t>Psaras</a:t>
             </a:r>
             <a:r>
-              <a:rPr lang="en-CA" sz="2800" dirty="0">
+              <a:rPr lang="en-CA" sz="1978" dirty="0">
                 <a:solidFill>
                   <a:schemeClr val="tx1"/>
                 </a:solidFill>
@@ -4426,7 +4426,7 @@
               <a:t> Y. </a:t>
             </a:r>
             <a:r>
-              <a:rPr lang="en-CA" sz="2800" dirty="0" err="1">
+              <a:rPr lang="en-CA" sz="1978" dirty="0" err="1">
                 <a:solidFill>
                   <a:schemeClr val="tx1"/>
                 </a:solidFill>
@@ -4435,7 +4435,7 @@
               <a:t>GossipSub</a:t>
             </a:r>
             <a:r>
-              <a:rPr lang="en-CA" sz="2800" dirty="0">
+              <a:rPr lang="en-CA" sz="1978" dirty="0">
                 <a:solidFill>
                   <a:schemeClr val="tx1"/>
                 </a:solidFill>
@@ -4444,7 +4444,7 @@
               <a:t>: Attack-resilient message propagation in the </a:t>
             </a:r>
             <a:r>
-              <a:rPr lang="en-CA" sz="2800" dirty="0" err="1">
+              <a:rPr lang="en-CA" sz="1978" dirty="0" err="1">
                 <a:solidFill>
                   <a:schemeClr val="tx1"/>
                 </a:solidFill>
@@ -4453,7 +4453,7 @@
               <a:t>Filecoin</a:t>
             </a:r>
             <a:r>
-              <a:rPr lang="en-CA" sz="2800" dirty="0">
+              <a:rPr lang="en-CA" sz="1978" dirty="0">
                 <a:solidFill>
                   <a:schemeClr val="tx1"/>
                 </a:solidFill>
@@ -4462,7 +4462,7 @@
               <a:t> and ETH2. 0 networks. </a:t>
             </a:r>
             <a:r>
-              <a:rPr lang="en-CA" sz="2800" dirty="0" err="1">
+              <a:rPr lang="en-CA" sz="1978" dirty="0" err="1">
                 <a:solidFill>
                   <a:schemeClr val="tx1"/>
                 </a:solidFill>
@@ -4471,7 +4471,7 @@
               <a:t>arXiv</a:t>
             </a:r>
             <a:r>
-              <a:rPr lang="en-CA" sz="2800" dirty="0">
+              <a:rPr lang="en-CA" sz="1978" dirty="0">
                 <a:solidFill>
                   <a:schemeClr val="tx1"/>
                 </a:solidFill>
@@ -4481,12 +4481,12 @@
             </a:r>
           </a:p>
           <a:p>
-            <a:pPr marL="514350" indent="-514350" algn="l">
+            <a:pPr marL="363388" indent="-363388" algn="l">
               <a:buFont typeface="+mj-lt"/>
               <a:buAutoNum type="arabicPeriod"/>
             </a:pPr>
             <a:r>
-              <a:rPr lang="en-CA" sz="2800" dirty="0">
+              <a:rPr lang="en-CA" sz="1978" dirty="0">
                 <a:solidFill>
                   <a:schemeClr val="tx1"/>
                 </a:solidFill>
@@ -4495,7 +4495,7 @@
               <a:t>C. </a:t>
             </a:r>
             <a:r>
-              <a:rPr lang="en-CA" sz="2800" dirty="0" err="1">
+              <a:rPr lang="en-CA" sz="1978" dirty="0" err="1">
                 <a:solidFill>
                   <a:schemeClr val="tx1"/>
                 </a:solidFill>
@@ -4504,7 +4504,7 @@
               <a:t>Dwork</a:t>
             </a:r>
             <a:r>
-              <a:rPr lang="en-CA" sz="2800" dirty="0">
+              <a:rPr lang="en-CA" sz="1978" dirty="0">
                 <a:solidFill>
                   <a:schemeClr val="tx1"/>
                 </a:solidFill>
@@ -4513,7 +4513,7 @@
               <a:t> and M. </a:t>
             </a:r>
             <a:r>
-              <a:rPr lang="en-CA" sz="2800" dirty="0" err="1">
+              <a:rPr lang="en-CA" sz="1978" dirty="0" err="1">
                 <a:solidFill>
                   <a:schemeClr val="tx1"/>
                 </a:solidFill>
@@ -4522,7 +4522,7 @@
               <a:t>Naor</a:t>
             </a:r>
             <a:r>
-              <a:rPr lang="en-CA" sz="2800" dirty="0">
+              <a:rPr lang="en-CA" sz="1978" dirty="0">
                 <a:solidFill>
                   <a:schemeClr val="tx1"/>
                 </a:solidFill>
@@ -4532,12 +4532,12 @@
             </a:r>
           </a:p>
           <a:p>
-            <a:pPr marL="514350" indent="-514350" algn="l">
+            <a:pPr marL="363388" indent="-363388" algn="l">
               <a:buFont typeface="+mj-lt"/>
               <a:buAutoNum type="arabicPeriod"/>
             </a:pPr>
             <a:r>
-              <a:rPr lang="en-CA" sz="2800" dirty="0">
+              <a:rPr lang="en-CA" sz="1978" dirty="0">
                 <a:solidFill>
                   <a:schemeClr val="tx1"/>
                 </a:solidFill>
@@ -4546,7 +4546,7 @@
               <a:t>Whisper https://</a:t>
             </a:r>
             <a:r>
-              <a:rPr lang="en-CA" sz="2800" dirty="0" err="1">
+              <a:rPr lang="en-CA" sz="1978" dirty="0" err="1">
                 <a:solidFill>
                   <a:schemeClr val="tx1"/>
                 </a:solidFill>
@@ -4555,7 +4555,7 @@
               <a:t>eips.ethereum.org</a:t>
             </a:r>
             <a:r>
-              <a:rPr lang="en-CA" sz="2800" dirty="0">
+              <a:rPr lang="en-CA" sz="1978" dirty="0">
                 <a:solidFill>
                   <a:schemeClr val="tx1"/>
                 </a:solidFill>
@@ -4564,7 +4564,7 @@
               <a:t>/</a:t>
             </a:r>
             <a:r>
-              <a:rPr lang="en-CA" sz="2800" dirty="0" err="1">
+              <a:rPr lang="en-CA" sz="1978" dirty="0" err="1">
                 <a:solidFill>
                   <a:schemeClr val="tx1"/>
                 </a:solidFill>
@@ -4573,7 +4573,7 @@
               <a:t>eips</a:t>
             </a:r>
             <a:r>
-              <a:rPr lang="en-CA" sz="2800" dirty="0">
+              <a:rPr lang="en-CA" sz="1978" dirty="0">
                 <a:solidFill>
                   <a:schemeClr val="tx1"/>
                 </a:solidFill>
@@ -4583,12 +4583,12 @@
             </a:r>
           </a:p>
           <a:p>
-            <a:pPr marL="514350" indent="-514350" algn="l">
+            <a:pPr marL="363388" indent="-363388" algn="l">
               <a:buFont typeface="+mj-lt"/>
               <a:buAutoNum type="arabicPeriod"/>
             </a:pPr>
             <a:r>
-              <a:rPr lang="en-CA" sz="2800" dirty="0">
+              <a:rPr lang="en-CA" sz="1978" dirty="0">
                 <a:solidFill>
                   <a:schemeClr val="tx1"/>
                 </a:solidFill>
@@ -4597,7 +4597,7 @@
               <a:t>RLN specifications, https://</a:t>
             </a:r>
             <a:r>
-              <a:rPr lang="en-CA" sz="2800" dirty="0" err="1">
+              <a:rPr lang="en-CA" sz="1978" dirty="0" err="1">
                 <a:solidFill>
                   <a:schemeClr val="tx1"/>
                 </a:solidFill>
@@ -4606,7 +4606,7 @@
               <a:t>rfc.vac.dev</a:t>
             </a:r>
             <a:r>
-              <a:rPr lang="en-CA" sz="2800" dirty="0">
+              <a:rPr lang="en-CA" sz="1978" dirty="0">
                 <a:solidFill>
                   <a:schemeClr val="tx1"/>
                 </a:solidFill>
@@ -4616,12 +4616,12 @@
             </a:r>
           </a:p>
           <a:p>
-            <a:pPr marL="514350" indent="-514350" algn="l">
+            <a:pPr marL="363388" indent="-363388" algn="l">
               <a:buFont typeface="+mj-lt"/>
               <a:buAutoNum type="arabicPeriod"/>
             </a:pPr>
             <a:r>
-              <a:rPr lang="en-US" sz="2800" dirty="0">
+              <a:rPr lang="en-US" sz="1978" dirty="0">
                 <a:solidFill>
                   <a:schemeClr val="tx1"/>
                 </a:solidFill>
@@ -4630,7 +4630,7 @@
               <a:t>WAKU-RLN-RELAY</a:t>
             </a:r>
             <a:r>
-              <a:rPr lang="en-CA" sz="2800" dirty="0">
+              <a:rPr lang="en-CA" sz="1978" dirty="0">
                 <a:solidFill>
                   <a:schemeClr val="tx1"/>
                 </a:solidFill>
@@ -4639,7 +4639,7 @@
               <a:t> specifications, https://</a:t>
             </a:r>
             <a:r>
-              <a:rPr lang="en-CA" sz="2800" dirty="0" err="1">
+              <a:rPr lang="en-CA" sz="1978" dirty="0" err="1">
                 <a:solidFill>
                   <a:schemeClr val="tx1"/>
                 </a:solidFill>
@@ -4648,7 +4648,7 @@
               <a:t>rfc.vac.dev</a:t>
             </a:r>
             <a:r>
-              <a:rPr lang="en-CA" sz="2800" dirty="0">
+              <a:rPr lang="en-CA" sz="1978" dirty="0">
                 <a:solidFill>
                   <a:schemeClr val="tx1"/>
                 </a:solidFill>
@@ -4667,8 +4667,8 @@
         </p:nvSpPr>
         <p:spPr>
           <a:xfrm>
-            <a:off x="-1" y="18781236"/>
-            <a:ext cx="14904720" cy="1041602"/>
+            <a:off x="-1" y="13289502"/>
+            <a:ext cx="10530084" cy="735885"/>
           </a:xfrm>
           <a:prstGeom prst="rect">
             <a:avLst/>
@@ -4699,7 +4699,7 @@
           </a:fontRef>
         </p:style>
         <p:txBody>
-          <a:bodyPr lIns="104586" tIns="52293" rIns="104586" bIns="52293" rtlCol="0" anchor="ctr"/>
+          <a:bodyPr lIns="73889" tIns="36945" rIns="73889" bIns="36945" rtlCol="0" anchor="ctr"/>
           <a:lstStyle>
             <a:defPPr>
               <a:defRPr lang="en-US"/>
@@ -4798,7 +4798,7 @@
           <a:p>
             <a:pPr algn="ctr"/>
             <a:r>
-              <a:rPr lang="en-US" sz="6000" dirty="0">
+              <a:rPr lang="en-US" sz="4239" dirty="0">
                 <a:ln w="18415" cmpd="sng">
                   <a:solidFill>
                     <a:srgbClr val="FFFFFF"/>
@@ -4831,8 +4831,8 @@
         </p:nvSpPr>
         <p:spPr>
           <a:xfrm>
-            <a:off x="3972" y="27118617"/>
-            <a:ext cx="14890377" cy="1001545"/>
+            <a:off x="2806" y="19179806"/>
+            <a:ext cx="10519951" cy="707585"/>
           </a:xfrm>
           <a:prstGeom prst="rect">
             <a:avLst/>
@@ -4863,7 +4863,7 @@
           </a:fontRef>
         </p:style>
         <p:txBody>
-          <a:bodyPr lIns="104586" tIns="52293" rIns="104586" bIns="52293" rtlCol="0" anchor="ctr"/>
+          <a:bodyPr lIns="73889" tIns="36945" rIns="73889" bIns="36945" rtlCol="0" anchor="ctr"/>
           <a:lstStyle>
             <a:defPPr>
               <a:defRPr lang="en-US"/>
@@ -4962,7 +4962,7 @@
           <a:p>
             <a:pPr algn="ctr"/>
             <a:r>
-              <a:rPr lang="en-US" sz="6000" dirty="0">
+              <a:rPr lang="en-US" sz="4239" dirty="0">
                 <a:ln w="18415" cmpd="sng">
                   <a:solidFill>
                     <a:srgbClr val="FFFFFF"/>
@@ -4995,8 +4995,8 @@
         </p:nvSpPr>
         <p:spPr>
           <a:xfrm>
-            <a:off x="-8965" y="3587058"/>
-            <a:ext cx="14810024" cy="1984169"/>
+            <a:off x="-6334" y="2554919"/>
+            <a:ext cx="10463182" cy="1401802"/>
           </a:xfrm>
           <a:prstGeom prst="rect">
             <a:avLst/>
@@ -5027,7 +5027,7 @@
           </a:fontRef>
         </p:style>
         <p:txBody>
-          <a:bodyPr lIns="104586" tIns="52293" rIns="104586" bIns="52293" rtlCol="0" anchor="ctr"/>
+          <a:bodyPr lIns="73889" tIns="36945" rIns="73889" bIns="36945" rtlCol="0" anchor="ctr"/>
           <a:lstStyle>
             <a:defPPr>
               <a:defRPr lang="en-US"/>
@@ -5126,14 +5126,14 @@
           <a:p>
             <a:pPr algn="ctr"/>
             <a:r>
-              <a:rPr lang="en-US" sz="6000" dirty="0">
+              <a:rPr lang="en-US" sz="4239" dirty="0">
                 <a:latin typeface="Times" pitchFamily="2" charset="0"/>
                 <a:cs typeface="Times New Roman" panose="02020603050405020304" pitchFamily="18" charset="0"/>
               </a:rPr>
               <a:t>WAKU-RELAY: </a:t>
             </a:r>
             <a:r>
-              <a:rPr lang="en-US" sz="6000" dirty="0">
+              <a:rPr lang="en-US" sz="4239" dirty="0">
                 <a:ln w="18415" cmpd="sng">
                   <a:solidFill>
                     <a:srgbClr val="FFFFFF"/>
@@ -5166,8 +5166,8 @@
         </p:nvSpPr>
         <p:spPr>
           <a:xfrm>
-            <a:off x="14964644" y="3645955"/>
-            <a:ext cx="15266728" cy="1057117"/>
+            <a:off x="10572420" y="2596529"/>
+            <a:ext cx="10785840" cy="746846"/>
           </a:xfrm>
           <a:prstGeom prst="rect">
             <a:avLst/>
@@ -5198,7 +5198,7 @@
           </a:fontRef>
         </p:style>
         <p:txBody>
-          <a:bodyPr lIns="104586" tIns="52293" rIns="104586" bIns="52293" rtlCol="0" anchor="ctr"/>
+          <a:bodyPr lIns="73889" tIns="36945" rIns="73889" bIns="36945" rtlCol="0" anchor="ctr"/>
           <a:lstStyle>
             <a:defPPr>
               <a:defRPr lang="en-US"/>
@@ -5297,7 +5297,7 @@
           <a:p>
             <a:pPr algn="ctr"/>
             <a:r>
-              <a:rPr lang="en-US" sz="6000" dirty="0">
+              <a:rPr lang="en-US" sz="4239" dirty="0">
                 <a:latin typeface="Times" pitchFamily="2" charset="0"/>
                 <a:cs typeface="Times New Roman" panose="02020603050405020304" pitchFamily="18" charset="0"/>
               </a:rPr>
@@ -5314,8 +5314,8 @@
         </p:nvSpPr>
         <p:spPr>
           <a:xfrm>
-            <a:off x="14999360" y="18797822"/>
-            <a:ext cx="15266728" cy="1883188"/>
+            <a:off x="10596946" y="13301220"/>
+            <a:ext cx="10785840" cy="1330460"/>
           </a:xfrm>
           <a:prstGeom prst="rect">
             <a:avLst/>
@@ -5346,7 +5346,7 @@
           </a:fontRef>
         </p:style>
         <p:txBody>
-          <a:bodyPr lIns="104586" tIns="52293" rIns="104586" bIns="52293" rtlCol="0" anchor="ctr"/>
+          <a:bodyPr lIns="73889" tIns="36945" rIns="73889" bIns="36945" rtlCol="0" anchor="ctr"/>
           <a:lstStyle>
             <a:defPPr>
               <a:defRPr lang="en-US"/>
@@ -5445,7 +5445,7 @@
           <a:p>
             <a:pPr algn="ctr"/>
             <a:r>
-              <a:rPr lang="en-US" sz="6000" dirty="0">
+              <a:rPr lang="en-US" sz="4239" dirty="0">
                 <a:ln w="18415" cmpd="sng">
                   <a:solidFill>
                     <a:srgbClr val="FFFFFF"/>
@@ -5478,8 +5478,8 @@
         </p:nvSpPr>
         <p:spPr>
           <a:xfrm>
-            <a:off x="14990849" y="32347653"/>
-            <a:ext cx="15266728" cy="841248"/>
+            <a:off x="10590933" y="22874084"/>
+            <a:ext cx="10785840" cy="594336"/>
           </a:xfrm>
           <a:prstGeom prst="rect">
             <a:avLst/>
@@ -5510,7 +5510,7 @@
           </a:fontRef>
         </p:style>
         <p:txBody>
-          <a:bodyPr lIns="104586" tIns="52293" rIns="104586" bIns="52293" rtlCol="0" anchor="ctr"/>
+          <a:bodyPr lIns="73889" tIns="36945" rIns="73889" bIns="36945" rtlCol="0" anchor="ctr"/>
           <a:lstStyle>
             <a:defPPr>
               <a:defRPr lang="en-US"/>
@@ -5609,7 +5609,7 @@
           <a:p>
             <a:pPr algn="ctr"/>
             <a:r>
-              <a:rPr lang="en-US" sz="6000" dirty="0">
+              <a:rPr lang="en-US" sz="4239" dirty="0">
                 <a:latin typeface="Times" pitchFamily="2" charset="0"/>
                 <a:cs typeface="Times New Roman" panose="02020603050405020304" pitchFamily="18" charset="0"/>
               </a:rPr>
@@ -5626,8 +5626,8 @@
         </p:nvSpPr>
         <p:spPr>
           <a:xfrm>
-            <a:off x="14801059" y="2695144"/>
-            <a:ext cx="216000" cy="39348000"/>
+            <a:off x="10456848" y="1924787"/>
+            <a:ext cx="152603" cy="27799096"/>
           </a:xfrm>
           <a:custGeom>
             <a:avLst/>
@@ -5689,26 +5689,11 @@
           </a:ln>
         </p:spPr>
         <p:txBody>
-          <a:bodyPr vert="horz" wrap="square" lIns="90000" tIns="45000" rIns="90000" bIns="45000" anchor="t" anchorCtr="0" compatLnSpc="0"/>
+          <a:bodyPr vert="horz" wrap="square" lIns="63584" tIns="31792" rIns="63584" bIns="31792" anchor="t" anchorCtr="0" compatLnSpc="0"/>
           <a:lstStyle/>
           <a:p>
-            <a:pPr marL="0" marR="0" lvl="0" indent="0" rtl="0" hangingPunct="0">
-              <a:lnSpc>
-                <a:spcPct val="100000"/>
-              </a:lnSpc>
-              <a:spcBef>
-                <a:spcPts val="0"/>
-              </a:spcBef>
-              <a:spcAft>
-                <a:spcPts val="0"/>
-              </a:spcAft>
-              <a:buNone/>
-              <a:tabLst/>
-            </a:pPr>
-            <a:endParaRPr lang="en-US" sz="1800" b="0" i="0" u="none" strike="noStrike" kern="1200">
-              <a:ln>
-                <a:noFill/>
-              </a:ln>
+            <a:pPr hangingPunct="0"/>
+            <a:endParaRPr lang="en-US" sz="1272">
               <a:latin typeface="Times" pitchFamily="2" charset="0"/>
               <a:ea typeface="WenQuanYi Zen Hei" pitchFamily="2"/>
               <a:cs typeface="Times New Roman" panose="02020603050405020304" pitchFamily="18" charset="0"/>
@@ -5724,8 +5709,8 @@
         </p:nvSpPr>
         <p:spPr>
           <a:xfrm>
-            <a:off x="360" y="42015347"/>
-            <a:ext cx="30266915" cy="778889"/>
+            <a:off x="254" y="29704245"/>
+            <a:ext cx="21383371" cy="550280"/>
           </a:xfrm>
           <a:custGeom>
             <a:avLst/>
@@ -5787,27 +5772,12 @@
           </a:ln>
         </p:spPr>
         <p:txBody>
-          <a:bodyPr vert="horz" wrap="none" lIns="96480" tIns="48240" rIns="96480" bIns="48240" anchor="ctr" anchorCtr="0" compatLnSpc="0"/>
+          <a:bodyPr vert="horz" wrap="none" lIns="68162" tIns="34081" rIns="68162" bIns="34081" anchor="ctr" anchorCtr="0" compatLnSpc="0"/>
           <a:lstStyle/>
           <a:p>
-            <a:pPr marL="0" marR="0" lvl="0" indent="0" algn="r" rtl="0" hangingPunct="0">
-              <a:lnSpc>
-                <a:spcPct val="100000"/>
-              </a:lnSpc>
-              <a:spcBef>
-                <a:spcPts val="0"/>
-              </a:spcBef>
-              <a:spcAft>
-                <a:spcPts val="0"/>
-              </a:spcAft>
-              <a:buNone/>
-              <a:tabLst/>
-            </a:pPr>
+            <a:pPr algn="r" hangingPunct="0"/>
             <a:r>
-              <a:rPr lang="en-US" sz="1700" b="0" i="0" u="none" strike="noStrike" kern="1200" spc="0" dirty="0">
-                <a:ln>
-                  <a:noFill/>
-                </a:ln>
+              <a:rPr lang="en-US" sz="1201" dirty="0">
                 <a:solidFill>
                   <a:srgbClr val="FF0000"/>
                 </a:solidFill>
@@ -5836,8 +5806,8 @@
         </p:nvSpPr>
         <p:spPr>
           <a:xfrm>
-            <a:off x="178386" y="33845978"/>
-            <a:ext cx="14660954" cy="5998396"/>
+            <a:off x="126028" y="23932641"/>
+            <a:ext cx="10357865" cy="4237826"/>
           </a:xfrm>
           <a:prstGeom prst="rect">
             <a:avLst/>
@@ -6010,14 +5980,13 @@
             </a:lvl9pPr>
           </a:lstStyle>
           <a:p>
-            <a:pPr marL="457200" lvl="1" indent="0">
+            <a:pPr marL="323012" lvl="1" indent="0">
               <a:lnSpc>
                 <a:spcPct val="100000"/>
               </a:lnSpc>
-              <a:buFont typeface="Arial" panose="020B0604020202020204" pitchFamily="34" charset="0"/>
               <a:buNone/>
             </a:pPr>
-            <a:endParaRPr lang="en-CA" sz="3600" dirty="0">
+            <a:endParaRPr lang="en-CA" sz="2543" dirty="0">
               <a:latin typeface="Times" pitchFamily="2" charset="0"/>
               <a:cs typeface="Times New Roman" panose="02020603050405020304" pitchFamily="18" charset="0"/>
             </a:endParaRPr>
@@ -6038,8 +6007,8 @@
         </p:nvSpPr>
         <p:spPr>
           <a:xfrm>
-            <a:off x="179654" y="28589738"/>
-            <a:ext cx="16203182" cy="4524315"/>
+            <a:off x="126924" y="20219143"/>
+            <a:ext cx="11447438" cy="3222934"/>
           </a:xfrm>
           <a:prstGeom prst="rect">
             <a:avLst/>
@@ -6053,7 +6022,7 @@
           <a:lstStyle/>
           <a:p>
             <a:r>
-              <a:rPr lang="en-CA" sz="3600" dirty="0">
+              <a:rPr lang="en-CA" sz="2543" dirty="0">
                 <a:latin typeface="Times" pitchFamily="2" charset="0"/>
                 <a:cs typeface="Times New Roman" panose="02020603050405020304" pitchFamily="18" charset="0"/>
               </a:rPr>
@@ -6061,15 +6030,12 @@
             </a:r>
           </a:p>
           <a:p>
-            <a:pPr marL="571500" indent="-571500">
-              <a:lnSpc>
-                <a:spcPct val="100000"/>
-              </a:lnSpc>
+            <a:pPr marL="403765" indent="-403765">
               <a:buFont typeface="Arial" panose="020B0604020202020204" pitchFamily="34" charset="0"/>
               <a:buChar char="•"/>
             </a:pPr>
             <a:r>
-              <a:rPr lang="en-CA" sz="3600" dirty="0">
+              <a:rPr lang="en-CA" sz="2543" dirty="0">
                 <a:latin typeface="Times" pitchFamily="2" charset="0"/>
                 <a:cs typeface="Times New Roman" panose="02020603050405020304" pitchFamily="18" charset="0"/>
               </a:rPr>
@@ -6077,35 +6043,32 @@
             </a:r>
           </a:p>
           <a:p>
-            <a:pPr marL="571500" indent="-571500">
-              <a:lnSpc>
-                <a:spcPct val="100000"/>
-              </a:lnSpc>
+            <a:pPr marL="403765" indent="-403765">
               <a:buFont typeface="Arial" panose="020B0604020202020204" pitchFamily="34" charset="0"/>
               <a:buChar char="•"/>
             </a:pPr>
             <a:r>
-              <a:rPr lang="en-CA" sz="3600" dirty="0">
+              <a:rPr lang="en-CA" sz="2543" dirty="0">
                 <a:latin typeface="Times" pitchFamily="2" charset="0"/>
                 <a:cs typeface="Times New Roman" panose="02020603050405020304" pitchFamily="18" charset="0"/>
               </a:rPr>
               <a:t>Not suitable for </a:t>
             </a:r>
             <a:r>
-              <a:rPr lang="en-US" sz="3600" dirty="0">
+              <a:rPr lang="en-US" sz="2543" dirty="0">
                 <a:latin typeface="Times" pitchFamily="2" charset="0"/>
                 <a:cs typeface="Times New Roman" panose="02020603050405020304" pitchFamily="18" charset="0"/>
               </a:rPr>
               <a:t>network of heterogeneous peers with limited resources</a:t>
             </a:r>
-            <a:endParaRPr lang="en-CA" sz="3600" dirty="0">
+            <a:endParaRPr lang="en-CA" sz="2543" dirty="0">
               <a:latin typeface="Times" pitchFamily="2" charset="0"/>
               <a:cs typeface="Times New Roman" panose="02020603050405020304" pitchFamily="18" charset="0"/>
             </a:endParaRPr>
           </a:p>
           <a:p>
             <a:r>
-              <a:rPr lang="en-CA" sz="3600" dirty="0">
+              <a:rPr lang="en-CA" sz="2543" dirty="0">
                 <a:latin typeface="Times" pitchFamily="2" charset="0"/>
                 <a:cs typeface="Times New Roman" panose="02020603050405020304" pitchFamily="18" charset="0"/>
               </a:rPr>
@@ -6113,12 +6076,12 @@
             </a:r>
           </a:p>
           <a:p>
-            <a:pPr marL="571500" indent="-571500">
+            <a:pPr marL="403765" indent="-403765">
               <a:buFont typeface="Arial" panose="020B0604020202020204" pitchFamily="34" charset="0"/>
               <a:buChar char="•"/>
             </a:pPr>
             <a:r>
-              <a:rPr lang="en-CA" sz="3600" dirty="0">
+              <a:rPr lang="en-CA" sz="2543" dirty="0">
                 <a:latin typeface="Times" pitchFamily="2" charset="0"/>
                 <a:cs typeface="Times New Roman" panose="02020603050405020304" pitchFamily="18" charset="0"/>
               </a:rPr>
@@ -6126,12 +6089,12 @@
             </a:r>
           </a:p>
           <a:p>
-            <a:pPr marL="571500" indent="-571500">
+            <a:pPr marL="403765" indent="-403765">
               <a:buFont typeface="Arial" panose="020B0604020202020204" pitchFamily="34" charset="0"/>
               <a:buChar char="•"/>
             </a:pPr>
             <a:r>
-              <a:rPr lang="en-CA" sz="3600" dirty="0">
+              <a:rPr lang="en-CA" sz="2543" dirty="0">
                 <a:latin typeface="Times" pitchFamily="2" charset="0"/>
                 <a:cs typeface="Times New Roman" panose="02020603050405020304" pitchFamily="18" charset="0"/>
               </a:rPr>
@@ -6139,15 +6102,12 @@
             </a:r>
           </a:p>
           <a:p>
-            <a:pPr marL="571500" indent="-571500">
-              <a:lnSpc>
-                <a:spcPct val="100000"/>
-              </a:lnSpc>
+            <a:pPr marL="403765" indent="-403765">
               <a:buFont typeface="Arial" panose="020B0604020202020204" pitchFamily="34" charset="0"/>
               <a:buChar char="•"/>
             </a:pPr>
             <a:r>
-              <a:rPr lang="en-US" sz="3600" dirty="0">
+              <a:rPr lang="en-US" sz="2543" dirty="0">
                 <a:latin typeface="Times" pitchFamily="2" charset="0"/>
                 <a:cs typeface="Times New Roman" panose="02020603050405020304" pitchFamily="18" charset="0"/>
               </a:rPr>
@@ -6156,7 +6116,7 @@
           </a:p>
           <a:p>
             <a:pPr lvl="1"/>
-            <a:endParaRPr lang="en-CA" sz="3600" dirty="0">
+            <a:endParaRPr lang="en-CA" sz="2543" dirty="0">
               <a:latin typeface="Times" pitchFamily="2" charset="0"/>
               <a:cs typeface="Times New Roman" panose="02020603050405020304" pitchFamily="18" charset="0"/>
             </a:endParaRPr>
@@ -6177,8 +6137,8 @@
         </p:nvGrpSpPr>
         <p:grpSpPr>
           <a:xfrm>
-            <a:off x="159624" y="20405493"/>
-            <a:ext cx="15405890" cy="5865929"/>
+            <a:off x="112773" y="14437029"/>
+            <a:ext cx="10884157" cy="4144239"/>
             <a:chOff x="264128" y="20303893"/>
             <a:chExt cx="15405890" cy="5865929"/>
           </a:xfrm>
@@ -6191,8 +6151,8 @@
           </p:nvSpPr>
           <p:spPr>
             <a:xfrm>
-              <a:off x="294344" y="20303893"/>
-              <a:ext cx="15375674" cy="1754326"/>
+              <a:off x="294343" y="20303893"/>
+              <a:ext cx="15375675" cy="1792387"/>
             </a:xfrm>
             <a:prstGeom prst="rect">
               <a:avLst/>
@@ -6206,7 +6166,7 @@
             <a:lstStyle/>
             <a:p>
               <a:r>
-                <a:rPr lang="en-US" sz="3600" dirty="0">
+                <a:rPr lang="en-US" sz="2543" dirty="0">
                   <a:latin typeface="Times" pitchFamily="2" charset="0"/>
                   <a:cs typeface="Times New Roman" panose="02020603050405020304" pitchFamily="18" charset="0"/>
                 </a:rPr>
@@ -6215,7 +6175,7 @@
             </a:p>
             <a:p>
               <a:r>
-                <a:rPr lang="en-US" sz="3600" dirty="0">
+                <a:rPr lang="en-US" sz="2543" dirty="0">
                   <a:latin typeface="Times" pitchFamily="2" charset="0"/>
                   <a:cs typeface="Times New Roman" panose="02020603050405020304" pitchFamily="18" charset="0"/>
                 </a:rPr>
@@ -6239,9 +6199,9 @@
           <p:grpSpPr>
             <a:xfrm>
               <a:off x="264128" y="22044611"/>
-              <a:ext cx="14285277" cy="4125211"/>
+              <a:ext cx="14366730" cy="4125211"/>
               <a:chOff x="264128" y="22044611"/>
-              <a:chExt cx="14285277" cy="4125211"/>
+              <a:chExt cx="14366730" cy="4125211"/>
             </a:xfrm>
           </p:grpSpPr>
           <p:grpSp>
@@ -8814,21 +8774,21 @@
               <a:p>
                 <a:pPr algn="ctr"/>
                 <a:r>
-                  <a:rPr lang="en-US" sz="3200" dirty="0">
+                  <a:rPr lang="en-US" sz="2261" dirty="0">
                     <a:latin typeface="Times" pitchFamily="2" charset="0"/>
                     <a:cs typeface="Times New Roman" panose="02020603050405020304" pitchFamily="18" charset="0"/>
                   </a:rPr>
                   <a:t>Messages are anonymous and </a:t>
                 </a:r>
                 <a:r>
-                  <a:rPr lang="en-US" sz="3200" dirty="0" err="1">
+                  <a:rPr lang="en-US" sz="2261" dirty="0" err="1">
                     <a:latin typeface="Times" pitchFamily="2" charset="0"/>
                     <a:cs typeface="Times New Roman" panose="02020603050405020304" pitchFamily="18" charset="0"/>
                   </a:rPr>
                   <a:t>unlinkable</a:t>
                 </a:r>
                 <a:r>
-                  <a:rPr lang="en-US" sz="3200" dirty="0">
+                  <a:rPr lang="en-US" sz="2261" dirty="0">
                     <a:latin typeface="Times" pitchFamily="2" charset="0"/>
                     <a:cs typeface="Times New Roman" panose="02020603050405020304" pitchFamily="18" charset="0"/>
                   </a:rPr>
@@ -9412,8 +9372,8 @@
             </p:nvSpPr>
             <p:spPr>
               <a:xfrm>
-                <a:off x="3587296" y="22127229"/>
-                <a:ext cx="3955265" cy="646331"/>
+                <a:off x="3587297" y="22127229"/>
+                <a:ext cx="3955265" cy="684591"/>
               </a:xfrm>
               <a:prstGeom prst="rect">
                 <a:avLst/>
@@ -9428,7 +9388,7 @@
               <a:p>
                 <a:pPr algn="ctr"/>
                 <a:r>
-                  <a:rPr lang="en-US" sz="3600" dirty="0">
+                  <a:rPr lang="en-US" sz="2543" dirty="0">
                     <a:solidFill>
                       <a:schemeClr val="accent6"/>
                     </a:solidFill>
@@ -9454,8 +9414,8 @@
             </p:nvSpPr>
             <p:spPr>
               <a:xfrm>
-                <a:off x="264128" y="22437207"/>
-                <a:ext cx="1954381" cy="646331"/>
+                <a:off x="264128" y="22437206"/>
+                <a:ext cx="2028903" cy="684591"/>
               </a:xfrm>
               <a:prstGeom prst="rect">
                 <a:avLst/>
@@ -9469,7 +9429,7 @@
               <a:lstStyle/>
               <a:p>
                 <a:r>
-                  <a:rPr lang="en-US" sz="3600" dirty="0">
+                  <a:rPr lang="en-US" sz="2543" dirty="0">
                     <a:latin typeface="Times" pitchFamily="2" charset="0"/>
                     <a:cs typeface="Times New Roman" panose="02020603050405020304" pitchFamily="18" charset="0"/>
                   </a:rPr>
@@ -9492,8 +9452,8 @@
             </p:nvSpPr>
             <p:spPr>
               <a:xfrm>
-                <a:off x="11966647" y="24200349"/>
-                <a:ext cx="2582758" cy="646331"/>
+                <a:off x="11966647" y="24200348"/>
+                <a:ext cx="2664211" cy="684591"/>
               </a:xfrm>
               <a:prstGeom prst="rect">
                 <a:avLst/>
@@ -9507,7 +9467,7 @@
               <a:lstStyle/>
               <a:p>
                 <a:r>
-                  <a:rPr lang="en-US" sz="3600" dirty="0">
+                  <a:rPr lang="en-US" sz="2543" dirty="0">
                     <a:latin typeface="Times" pitchFamily="2" charset="0"/>
                     <a:cs typeface="Times New Roman" panose="02020603050405020304" pitchFamily="18" charset="0"/>
                   </a:rPr>
@@ -9532,8 +9492,8 @@
         </p:nvGrpSpPr>
         <p:grpSpPr>
           <a:xfrm>
-            <a:off x="169351" y="5940135"/>
-            <a:ext cx="14710086" cy="5419027"/>
+            <a:off x="119645" y="4217352"/>
+            <a:ext cx="10392576" cy="3828506"/>
             <a:chOff x="169351" y="5838535"/>
             <a:chExt cx="14710086" cy="5419027"/>
           </a:xfrm>
@@ -9547,7 +9507,7 @@
           <p:spPr>
             <a:xfrm>
               <a:off x="169351" y="5838535"/>
-              <a:ext cx="14710086" cy="2308324"/>
+              <a:ext cx="14710086" cy="2346283"/>
             </a:xfrm>
             <a:prstGeom prst="rect">
               <a:avLst/>
@@ -9561,7 +9521,7 @@
             <a:lstStyle/>
             <a:p>
               <a:r>
-                <a:rPr lang="en-US" sz="3600" dirty="0">
+                <a:rPr lang="en-US" sz="2543" dirty="0">
                   <a:latin typeface="Times" pitchFamily="2" charset="0"/>
                   <a:cs typeface="Times New Roman" panose="02020603050405020304" pitchFamily="18" charset="0"/>
                 </a:rPr>
@@ -9570,7 +9530,7 @@
             </a:p>
             <a:p>
               <a:r>
-                <a:rPr lang="en-US" sz="3600" dirty="0">
+                <a:rPr lang="en-US" sz="2543" dirty="0">
                   <a:latin typeface="Times" pitchFamily="2" charset="0"/>
                   <a:cs typeface="Times New Roman" panose="02020603050405020304" pitchFamily="18" charset="0"/>
                 </a:rPr>
@@ -11767,20 +11727,20 @@
               <a:p>
                 <a:pPr algn="ctr"/>
                 <a:r>
-                  <a:rPr lang="en-US" sz="3200" dirty="0">
+                  <a:rPr lang="en-US" sz="2261" dirty="0">
                     <a:latin typeface="Times" pitchFamily="2" charset="0"/>
                     <a:cs typeface="Times New Roman" panose="02020603050405020304" pitchFamily="18" charset="0"/>
                   </a:rPr>
                   <a:t>Anonymous  No IP, No </a:t>
                 </a:r>
                 <a:r>
-                  <a:rPr lang="en-US" sz="3200" dirty="0" err="1">
+                  <a:rPr lang="en-US" sz="2261" dirty="0" err="1">
                     <a:latin typeface="Times" pitchFamily="2" charset="0"/>
                     <a:cs typeface="Times New Roman" panose="02020603050405020304" pitchFamily="18" charset="0"/>
                   </a:rPr>
                   <a:t>PeerID</a:t>
                 </a:r>
-                <a:endParaRPr lang="en-US" sz="3200" dirty="0">
+                <a:endParaRPr lang="en-US" sz="2261" dirty="0">
                   <a:latin typeface="Times" pitchFamily="2" charset="0"/>
                   <a:cs typeface="Times New Roman" panose="02020603050405020304" pitchFamily="18" charset="0"/>
                 </a:endParaRPr>
@@ -11803,8 +11763,8 @@
         </p:nvGrpSpPr>
         <p:grpSpPr>
           <a:xfrm>
-            <a:off x="208378" y="13193417"/>
-            <a:ext cx="14000247" cy="5288244"/>
+            <a:off x="147218" y="9341746"/>
+            <a:ext cx="9891080" cy="3736109"/>
             <a:chOff x="208378" y="12736217"/>
             <a:chExt cx="14000247" cy="5288244"/>
           </a:xfrm>
@@ -11824,7 +11784,7 @@
           <p:spPr>
             <a:xfrm>
               <a:off x="208378" y="12736217"/>
-              <a:ext cx="14000247" cy="1754326"/>
+              <a:ext cx="14000247" cy="1792386"/>
             </a:xfrm>
             <a:prstGeom prst="rect">
               <a:avLst/>
@@ -11838,7 +11798,7 @@
             <a:lstStyle/>
             <a:p>
               <a:r>
-                <a:rPr lang="en-US" sz="3600" dirty="0">
+                <a:rPr lang="en-US" sz="2543" dirty="0">
                   <a:latin typeface="Times" pitchFamily="2" charset="0"/>
                 </a:rPr>
                 <a:t>We define spammers as entities that publish a large number of messages in a short amount of time, and cause Denial-of-Service.</a:t>
@@ -11846,7 +11806,7 @@
             </a:p>
             <a:p>
               <a:r>
-                <a:rPr lang="en-US" sz="3600" dirty="0">
+                <a:rPr lang="en-US" sz="2543" dirty="0">
                   <a:latin typeface="Times" pitchFamily="2" charset="0"/>
                 </a:rPr>
                 <a:t>Spam Protection = Controlled Messaging Rate</a:t>
@@ -14412,7 +14372,7 @@
             <p:spPr>
               <a:xfrm>
                 <a:off x="747984" y="14717284"/>
-                <a:ext cx="1954381" cy="646331"/>
+                <a:ext cx="2028903" cy="684591"/>
               </a:xfrm>
               <a:prstGeom prst="rect">
                 <a:avLst/>
@@ -14426,7 +14386,7 @@
               <a:lstStyle/>
               <a:p>
                 <a:r>
-                  <a:rPr lang="en-US" sz="3600" dirty="0">
+                  <a:rPr lang="en-US" sz="2543" dirty="0">
                     <a:latin typeface="Times" pitchFamily="2" charset="0"/>
                     <a:cs typeface="Times New Roman" panose="02020603050405020304" pitchFamily="18" charset="0"/>
                   </a:rPr>
@@ -14498,8 +14458,8 @@
         </p:nvSpPr>
         <p:spPr>
           <a:xfrm>
-            <a:off x="222744" y="35993898"/>
-            <a:ext cx="14396786" cy="4524315"/>
+            <a:off x="157367" y="25450132"/>
+            <a:ext cx="10171232" cy="3222934"/>
           </a:xfrm>
           <a:prstGeom prst="rect">
             <a:avLst/>
@@ -14513,81 +14473,81 @@
           <a:lstStyle/>
           <a:p>
             <a:r>
-              <a:rPr lang="en-US" sz="3600" dirty="0">
+              <a:rPr lang="en-US" sz="2543" dirty="0">
                 <a:latin typeface="Times" pitchFamily="2" charset="0"/>
               </a:rPr>
               <a:t>WAKU-RLN-RELAY [6]  features an  </a:t>
             </a:r>
             <a:r>
-              <a:rPr lang="en-US" sz="3600" b="1" dirty="0">
+              <a:rPr lang="en-US" sz="2543" b="1" dirty="0">
                 <a:latin typeface="Times" pitchFamily="2" charset="0"/>
               </a:rPr>
               <a:t>Efficient &amp; Anonymous P2P Global Spam Protection </a:t>
             </a:r>
             <a:r>
-              <a:rPr lang="en-US" sz="3600" dirty="0">
+              <a:rPr lang="en-US" sz="2543" dirty="0">
                 <a:latin typeface="Times" pitchFamily="2" charset="0"/>
               </a:rPr>
               <a:t>by integrating the novel construct of  </a:t>
             </a:r>
             <a:r>
-              <a:rPr lang="en-US" sz="3600" i="1" dirty="0">
+              <a:rPr lang="en-US" sz="2543" i="1" dirty="0">
                 <a:latin typeface="Times" pitchFamily="2" charset="0"/>
               </a:rPr>
               <a:t>Rate Limiting Nullifiers (RLN)</a:t>
             </a:r>
             <a:r>
-              <a:rPr lang="en-US" sz="3600" i="1" dirty="0">
+              <a:rPr lang="en-US" sz="2543" i="1" dirty="0">
                 <a:latin typeface="Times" pitchFamily="2" charset="0"/>
                 <a:cs typeface="Times New Roman" panose="02020603050405020304" pitchFamily="18" charset="0"/>
               </a:rPr>
               <a:t> </a:t>
             </a:r>
             <a:r>
-              <a:rPr lang="en-US" sz="3600" dirty="0">
+              <a:rPr lang="en-US" sz="2543" dirty="0">
                 <a:latin typeface="Times" pitchFamily="2" charset="0"/>
                 <a:cs typeface="Times New Roman" panose="02020603050405020304" pitchFamily="18" charset="0"/>
               </a:rPr>
               <a:t>[5] into the </a:t>
             </a:r>
             <a:r>
-              <a:rPr lang="en-US" sz="3600" dirty="0">
+              <a:rPr lang="en-US" sz="2543" dirty="0">
                 <a:latin typeface="Times" pitchFamily="2" charset="0"/>
               </a:rPr>
               <a:t>WAKU-RELAY protocol. The final result is a spam-protected gossip-based routing protocol that additionally provides:</a:t>
             </a:r>
           </a:p>
           <a:p>
-            <a:pPr marL="571500" indent="-571500">
+            <a:pPr marL="403765" indent="-403765">
               <a:buFont typeface="Arial" panose="020B0604020202020204" pitchFamily="34" charset="0"/>
               <a:buChar char="•"/>
             </a:pPr>
             <a:r>
-              <a:rPr lang="en-US" sz="3600" dirty="0">
+              <a:rPr lang="en-US" sz="2543" dirty="0">
                 <a:latin typeface="Times" pitchFamily="2" charset="0"/>
               </a:rPr>
               <a:t>A protocol-level solution</a:t>
             </a:r>
           </a:p>
           <a:p>
-            <a:pPr marL="571500" indent="-571500">
+            <a:pPr marL="403765" indent="-403765">
               <a:buFont typeface="Arial" panose="020B0604020202020204" pitchFamily="34" charset="0"/>
               <a:buChar char="•"/>
             </a:pPr>
             <a:r>
-              <a:rPr lang="en-US" sz="3600" dirty="0">
+              <a:rPr lang="en-US" sz="2543" dirty="0">
                 <a:latin typeface="Times" pitchFamily="2" charset="0"/>
               </a:rPr>
               <a:t>Sybil attack mitigation</a:t>
             </a:r>
           </a:p>
           <a:p>
-            <a:pPr marL="571500" indent="-571500">
+            <a:pPr marL="403765" indent="-403765">
               <a:buFont typeface="Arial" panose="020B0604020202020204" pitchFamily="34" charset="0"/>
               <a:buChar char="•"/>
             </a:pPr>
             <a:r>
-              <a:rPr lang="en-US" sz="3600" dirty="0">
+              <a:rPr lang="en-US" sz="2543" dirty="0">
                 <a:latin typeface="Times" pitchFamily="2" charset="0"/>
               </a:rPr>
               <a:t>Built-in economic incentives where spammers are financially punished and those who find spammers are rewarded</a:t>
@@ -14609,10 +14569,10 @@
         </p:nvGrpSpPr>
         <p:grpSpPr>
           <a:xfrm>
-            <a:off x="15182119" y="4800490"/>
-            <a:ext cx="14861987" cy="13944826"/>
+            <a:off x="10726064" y="3412200"/>
+            <a:ext cx="10528071" cy="9878956"/>
             <a:chOff x="15409872" y="11320503"/>
-            <a:chExt cx="14861987" cy="13944826"/>
+            <a:chExt cx="14901871" cy="13983086"/>
           </a:xfrm>
         </p:grpSpPr>
         <p:sp>
@@ -14629,8 +14589,8 @@
           </p:nvSpPr>
           <p:spPr>
             <a:xfrm>
-              <a:off x="15793267" y="12058172"/>
-              <a:ext cx="4942379" cy="1200329"/>
+              <a:off x="15752494" y="12058172"/>
+              <a:ext cx="5023926" cy="1238487"/>
             </a:xfrm>
             <a:prstGeom prst="rect">
               <a:avLst/>
@@ -14644,7 +14604,7 @@
             <a:p>
               <a:pPr algn="ctr"/>
               <a:r>
-                <a:rPr lang="en-US" sz="3600" dirty="0">
+                <a:rPr lang="en-US" sz="2543" dirty="0">
                   <a:latin typeface="Times" pitchFamily="2" charset="0"/>
                 </a:rPr>
                 <a:t>RLN membership group: </a:t>
@@ -14653,7 +14613,7 @@
             <a:p>
               <a:pPr algn="ctr"/>
               <a:r>
-                <a:rPr lang="en-US" sz="3600" dirty="0">
+                <a:rPr lang="en-US" sz="2543" dirty="0">
                   <a:latin typeface="Times" pitchFamily="2" charset="0"/>
                 </a:rPr>
                 <a:t> Merkle tree </a:t>
@@ -14676,9 +14636,9 @@
           <p:grpSpPr>
             <a:xfrm>
               <a:off x="15409872" y="11320503"/>
-              <a:ext cx="14861987" cy="13944826"/>
+              <a:ext cx="14901871" cy="13983086"/>
               <a:chOff x="15409872" y="11320503"/>
-              <a:chExt cx="14861987" cy="13944826"/>
+              <a:chExt cx="14901871" cy="13983086"/>
             </a:xfrm>
           </p:grpSpPr>
           <mc:AlternateContent xmlns:mc="http://schemas.openxmlformats.org/markup-compatibility/2006">
@@ -14698,7 +14658,7 @@
                 <p:spPr>
                   <a:xfrm>
                     <a:off x="25039390" y="12370435"/>
-                    <a:ext cx="4280916" cy="646331"/>
+                    <a:ext cx="4357034" cy="684591"/>
                   </a:xfrm>
                   <a:prstGeom prst="rect">
                     <a:avLst/>
@@ -14718,7 +14678,7 @@
                         </m:oMathParaPr>
                         <m:oMath xmlns:m="http://schemas.openxmlformats.org/officeDocument/2006/math">
                           <m:r>
-                            <a:rPr lang="en-US" sz="3600" i="1" dirty="0" smtClean="0">
+                            <a:rPr lang="en-US" sz="2543" i="1" dirty="0">
                               <a:latin typeface="Cambria Math" panose="02040503050406030204" pitchFamily="18" charset="0"/>
                             </a:rPr>
                             <m:t>𝑆</m:t>
@@ -14726,14 +14686,14 @@
                           <m:sSub>
                             <m:sSubPr>
                               <m:ctrlPr>
-                                <a:rPr lang="en-CA" sz="3600" b="0" i="1" dirty="0" smtClean="0">
+                                <a:rPr lang="en-CA" sz="2543" i="1" dirty="0">
                                   <a:latin typeface="Cambria Math" panose="02040503050406030204" pitchFamily="18" charset="0"/>
                                 </a:rPr>
                               </m:ctrlPr>
                             </m:sSubPr>
                             <m:e>
                               <m:r>
-                                <a:rPr lang="en-US" sz="3600" i="1" dirty="0" smtClean="0">
+                                <a:rPr lang="en-US" sz="2543" i="1" dirty="0">
                                   <a:latin typeface="Cambria Math" panose="02040503050406030204" pitchFamily="18" charset="0"/>
                                 </a:rPr>
                                 <m:t>𝐾</m:t>
@@ -14741,7 +14701,7 @@
                             </m:e>
                             <m:sub>
                               <m:r>
-                                <a:rPr lang="en-US" sz="3600" i="1" dirty="0" smtClean="0">
+                                <a:rPr lang="en-US" sz="2543" i="1" dirty="0">
                                   <a:latin typeface="Cambria Math" panose="02040503050406030204" pitchFamily="18" charset="0"/>
                                 </a:rPr>
                                 <m:t>1</m:t>
@@ -14749,13 +14709,13 @@
                             </m:sub>
                           </m:sSub>
                           <m:r>
-                            <a:rPr lang="en-US" sz="3600" i="1" dirty="0" smtClean="0">
+                            <a:rPr lang="en-US" sz="2543" i="1" dirty="0">
                               <a:latin typeface="Cambria Math" panose="02040503050406030204" pitchFamily="18" charset="0"/>
                             </a:rPr>
                             <m:t>, </m:t>
                           </m:r>
                           <m:r>
-                            <a:rPr lang="en-US" sz="3600" i="1" dirty="0" smtClean="0">
+                            <a:rPr lang="en-US" sz="2543" i="1" dirty="0">
                               <a:latin typeface="Cambria Math" panose="02040503050406030204" pitchFamily="18" charset="0"/>
                             </a:rPr>
                             <m:t>𝑃</m:t>
@@ -14763,14 +14723,14 @@
                           <m:sSub>
                             <m:sSubPr>
                               <m:ctrlPr>
-                                <a:rPr lang="en-CA" sz="3600" b="0" i="1" dirty="0" smtClean="0">
+                                <a:rPr lang="en-CA" sz="2543" i="1" dirty="0">
                                   <a:latin typeface="Cambria Math" panose="02040503050406030204" pitchFamily="18" charset="0"/>
                                 </a:rPr>
                               </m:ctrlPr>
                             </m:sSubPr>
                             <m:e>
                               <m:r>
-                                <a:rPr lang="en-US" sz="3600" i="1" dirty="0" smtClean="0">
+                                <a:rPr lang="en-US" sz="2543" i="1" dirty="0">
                                   <a:latin typeface="Cambria Math" panose="02040503050406030204" pitchFamily="18" charset="0"/>
                                 </a:rPr>
                                 <m:t>𝐾</m:t>
@@ -14778,7 +14738,7 @@
                             </m:e>
                             <m:sub>
                               <m:r>
-                                <a:rPr lang="en-US" sz="3600" i="1" dirty="0" smtClean="0">
+                                <a:rPr lang="en-US" sz="2543" i="1" dirty="0">
                                   <a:latin typeface="Cambria Math" panose="02040503050406030204" pitchFamily="18" charset="0"/>
                                 </a:rPr>
                                 <m:t>1</m:t>
@@ -14786,25 +14746,25 @@
                             </m:sub>
                           </m:sSub>
                           <m:r>
-                            <a:rPr lang="en-US" sz="3600" i="1" dirty="0" smtClean="0">
+                            <a:rPr lang="en-US" sz="2543" i="1" dirty="0">
                               <a:latin typeface="Cambria Math" panose="02040503050406030204" pitchFamily="18" charset="0"/>
                             </a:rPr>
                             <m:t> = </m:t>
                           </m:r>
                           <m:r>
-                            <a:rPr lang="en-US" sz="3600" i="1" dirty="0" smtClean="0">
+                            <a:rPr lang="en-US" sz="2543" i="1" dirty="0">
                               <a:latin typeface="Cambria Math" panose="02040503050406030204" pitchFamily="18" charset="0"/>
                             </a:rPr>
                             <m:t>𝐻</m:t>
                           </m:r>
                           <m:r>
-                            <a:rPr lang="en-US" sz="3600" i="1" dirty="0" smtClean="0">
+                            <a:rPr lang="en-US" sz="2543" i="1" dirty="0">
                               <a:latin typeface="Cambria Math" panose="02040503050406030204" pitchFamily="18" charset="0"/>
                             </a:rPr>
                             <m:t>(</m:t>
                           </m:r>
                           <m:r>
-                            <a:rPr lang="en-US" sz="3600" i="1" dirty="0" smtClean="0">
+                            <a:rPr lang="en-US" sz="2543" i="1" dirty="0">
                               <a:latin typeface="Cambria Math" panose="02040503050406030204" pitchFamily="18" charset="0"/>
                             </a:rPr>
                             <m:t>𝑆</m:t>
@@ -14812,14 +14772,14 @@
                           <m:sSub>
                             <m:sSubPr>
                               <m:ctrlPr>
-                                <a:rPr lang="en-CA" sz="3600" b="0" i="1" dirty="0" smtClean="0">
+                                <a:rPr lang="en-CA" sz="2543" i="1" dirty="0">
                                   <a:latin typeface="Cambria Math" panose="02040503050406030204" pitchFamily="18" charset="0"/>
                                 </a:rPr>
                               </m:ctrlPr>
                             </m:sSubPr>
                             <m:e>
                               <m:r>
-                                <a:rPr lang="en-US" sz="3600" i="1" dirty="0" smtClean="0">
+                                <a:rPr lang="en-US" sz="2543" i="1" dirty="0">
                                   <a:latin typeface="Cambria Math" panose="02040503050406030204" pitchFamily="18" charset="0"/>
                                 </a:rPr>
                                 <m:t>𝐾</m:t>
@@ -14827,7 +14787,7 @@
                             </m:e>
                             <m:sub>
                               <m:r>
-                                <a:rPr lang="en-US" sz="3600" i="1" dirty="0" smtClean="0">
+                                <a:rPr lang="en-US" sz="2543" i="1" dirty="0">
                                   <a:latin typeface="Cambria Math" panose="02040503050406030204" pitchFamily="18" charset="0"/>
                                 </a:rPr>
                                 <m:t>1</m:t>
@@ -14835,7 +14795,7 @@
                             </m:sub>
                           </m:sSub>
                           <m:r>
-                            <a:rPr lang="en-US" sz="3600" i="1" dirty="0" smtClean="0">
+                            <a:rPr lang="en-US" sz="2543" i="1" dirty="0">
                               <a:latin typeface="Cambria Math" panose="02040503050406030204" pitchFamily="18" charset="0"/>
                             </a:rPr>
                             <m:t>)</m:t>
@@ -14843,7 +14803,7 @@
                         </m:oMath>
                       </m:oMathPara>
                     </a14:m>
-                    <a:endParaRPr lang="en-US" sz="3600" dirty="0">
+                    <a:endParaRPr lang="en-US" sz="2543" dirty="0">
                       <a:latin typeface="Times" pitchFamily="2" charset="0"/>
                     </a:endParaRPr>
                   </a:p>
@@ -14868,7 +14828,7 @@
                 <p:spPr>
                   <a:xfrm>
                     <a:off x="25039390" y="12370435"/>
-                    <a:ext cx="4280916" cy="646331"/>
+                    <a:ext cx="4357034" cy="684591"/>
                   </a:xfrm>
                   <a:prstGeom prst="rect">
                     <a:avLst/>
@@ -14876,7 +14836,7 @@
                   <a:blipFill>
                     <a:blip r:embed="rId8"/>
                     <a:stretch>
-                      <a:fillRect t="-1923" r="-888" b="-23077"/>
+                      <a:fillRect r="-412" b="-15000"/>
                     </a:stretch>
                   </a:blipFill>
                 </p:spPr>
@@ -14959,7 +14919,7 @@
                 <p:spPr>
                   <a:xfrm>
                     <a:off x="15409872" y="15843752"/>
-                    <a:ext cx="1087542" cy="646331"/>
+                    <a:ext cx="1162976" cy="684591"/>
                   </a:xfrm>
                   <a:prstGeom prst="rect">
                     <a:avLst/>
@@ -14978,7 +14938,7 @@
                         </m:oMathParaPr>
                         <m:oMath xmlns:m="http://schemas.openxmlformats.org/officeDocument/2006/math">
                           <m:r>
-                            <a:rPr lang="en-US" sz="3600" i="1" dirty="0" smtClean="0">
+                            <a:rPr lang="en-US" sz="2543" i="1" dirty="0">
                               <a:latin typeface="Cambria Math" panose="02040503050406030204" pitchFamily="18" charset="0"/>
                             </a:rPr>
                             <m:t>𝑃</m:t>
@@ -14986,14 +14946,14 @@
                           <m:sSub>
                             <m:sSubPr>
                               <m:ctrlPr>
-                                <a:rPr lang="en-CA" sz="3600" b="0" i="1" dirty="0" smtClean="0">
+                                <a:rPr lang="en-CA" sz="2543" i="1" dirty="0">
                                   <a:latin typeface="Cambria Math" panose="02040503050406030204" pitchFamily="18" charset="0"/>
                                 </a:rPr>
                               </m:ctrlPr>
                             </m:sSubPr>
                             <m:e>
                               <m:r>
-                                <a:rPr lang="en-US" sz="3600" i="1" dirty="0" smtClean="0">
+                                <a:rPr lang="en-US" sz="2543" i="1" dirty="0">
                                   <a:latin typeface="Cambria Math" panose="02040503050406030204" pitchFamily="18" charset="0"/>
                                 </a:rPr>
                                 <m:t>𝐾</m:t>
@@ -15001,7 +14961,7 @@
                             </m:e>
                             <m:sub>
                               <m:r>
-                                <a:rPr lang="en-US" sz="3600" i="1" dirty="0" smtClean="0">
+                                <a:rPr lang="en-US" sz="2543" i="1" dirty="0">
                                   <a:latin typeface="Cambria Math" panose="02040503050406030204" pitchFamily="18" charset="0"/>
                                 </a:rPr>
                                 <m:t>1</m:t>
@@ -15011,7 +14971,7 @@
                         </m:oMath>
                       </m:oMathPara>
                     </a14:m>
-                    <a:endParaRPr lang="en-US" sz="3600" dirty="0">
+                    <a:endParaRPr lang="en-US" sz="2543" dirty="0">
                       <a:latin typeface="Times" pitchFamily="2" charset="0"/>
                     </a:endParaRPr>
                   </a:p>
@@ -15036,7 +14996,7 @@
                 <p:spPr>
                   <a:xfrm>
                     <a:off x="15409872" y="15843752"/>
-                    <a:ext cx="1087542" cy="646331"/>
+                    <a:ext cx="1162976" cy="684591"/>
                   </a:xfrm>
                   <a:prstGeom prst="rect">
                     <a:avLst/>
@@ -15044,7 +15004,7 @@
                   <a:blipFill>
                     <a:blip r:embed="rId10"/>
                     <a:stretch>
-                      <a:fillRect b="-1887"/>
+                      <a:fillRect/>
                     </a:stretch>
                   </a:blipFill>
                 </p:spPr>
@@ -15079,8 +15039,8 @@
                 </p:nvSpPr>
                 <p:spPr>
                   <a:xfrm>
-                    <a:off x="19849376" y="15809838"/>
-                    <a:ext cx="1283108" cy="646331"/>
+                    <a:off x="19849377" y="15809838"/>
+                    <a:ext cx="1358106" cy="684591"/>
                   </a:xfrm>
                   <a:prstGeom prst="rect">
                     <a:avLst/>
@@ -15099,7 +15059,7 @@
                         </m:oMathParaPr>
                         <m:oMath xmlns:m="http://schemas.openxmlformats.org/officeDocument/2006/math">
                           <m:r>
-                            <a:rPr lang="en-US" sz="3600" i="1" dirty="0" smtClean="0">
+                            <a:rPr lang="en-US" sz="2543" i="1" dirty="0">
                               <a:latin typeface="Cambria Math" panose="02040503050406030204" pitchFamily="18" charset="0"/>
                             </a:rPr>
                             <m:t>𝑃</m:t>
@@ -15107,14 +15067,14 @@
                           <m:sSub>
                             <m:sSubPr>
                               <m:ctrlPr>
-                                <a:rPr lang="en-CA" sz="3600" b="0" i="1" dirty="0" smtClean="0">
+                                <a:rPr lang="en-CA" sz="2543" i="1" dirty="0">
                                   <a:latin typeface="Cambria Math" panose="02040503050406030204" pitchFamily="18" charset="0"/>
                                 </a:rPr>
                               </m:ctrlPr>
                             </m:sSubPr>
                             <m:e>
                               <m:r>
-                                <a:rPr lang="en-US" sz="3600" i="1" dirty="0" smtClean="0">
+                                <a:rPr lang="en-US" sz="2543" i="1" dirty="0">
                                   <a:latin typeface="Cambria Math" panose="02040503050406030204" pitchFamily="18" charset="0"/>
                                 </a:rPr>
                                 <m:t>𝐾</m:t>
@@ -15122,7 +15082,7 @@
                             </m:e>
                             <m:sub>
                               <m:r>
-                                <a:rPr lang="en-US" sz="3600" i="1" dirty="0" smtClean="0">
+                                <a:rPr lang="en-US" sz="2543" i="1" dirty="0">
                                   <a:latin typeface="Cambria Math" panose="02040503050406030204" pitchFamily="18" charset="0"/>
                                 </a:rPr>
                                 <m:t>16</m:t>
@@ -15132,7 +15092,7 @@
                         </m:oMath>
                       </m:oMathPara>
                     </a14:m>
-                    <a:endParaRPr lang="en-US" sz="3600" dirty="0">
+                    <a:endParaRPr lang="en-US" sz="2543" dirty="0">
                       <a:latin typeface="Times" pitchFamily="2" charset="0"/>
                     </a:endParaRPr>
                   </a:p>
@@ -15156,8 +15116,8 @@
                 </p:nvSpPr>
                 <p:spPr>
                   <a:xfrm>
-                    <a:off x="19849376" y="15809838"/>
-                    <a:ext cx="1283108" cy="646331"/>
+                    <a:off x="19849377" y="15809838"/>
+                    <a:ext cx="1358106" cy="684591"/>
                   </a:xfrm>
                   <a:prstGeom prst="rect">
                     <a:avLst/>
@@ -15165,7 +15125,7 @@
                   <a:blipFill>
                     <a:blip r:embed="rId11"/>
                     <a:stretch>
-                      <a:fillRect b="-3846"/>
+                      <a:fillRect/>
                     </a:stretch>
                   </a:blipFill>
                 </p:spPr>
@@ -15281,7 +15241,7 @@
               <a:p>
                 <a:pPr algn="ctr"/>
                 <a:r>
-                  <a:rPr lang="en-US" sz="3600" dirty="0">
+                  <a:rPr lang="en-US" sz="2543" dirty="0">
                     <a:latin typeface="Times" pitchFamily="2" charset="0"/>
                   </a:rPr>
                   <a:t>Shamir Secret Sharing</a:t>
@@ -15306,7 +15266,7 @@
                 <p:spPr>
                   <a:xfrm>
                     <a:off x="22850225" y="15931514"/>
-                    <a:ext cx="3657299" cy="1200329"/>
+                    <a:ext cx="3657299" cy="1238487"/>
                   </a:xfrm>
                   <a:prstGeom prst="rect">
                     <a:avLst/>
@@ -15327,7 +15287,7 @@
                           <m:sSub>
                             <m:sSubPr>
                               <m:ctrlPr>
-                                <a:rPr lang="en-CA" sz="3600" b="0" i="1" dirty="0" smtClean="0">
+                                <a:rPr lang="en-CA" sz="2543" i="1" dirty="0">
                                   <a:latin typeface="Cambria Math" panose="02040503050406030204" pitchFamily="18" charset="0"/>
                                 </a:rPr>
                               </m:ctrlPr>
@@ -15338,14 +15298,14 @@
                                   <m:begChr m:val="["/>
                                   <m:endChr m:val="]"/>
                                   <m:ctrlPr>
-                                    <a:rPr lang="en-US" sz="3600" i="1" dirty="0" smtClean="0">
+                                    <a:rPr lang="en-US" sz="2543" i="1" dirty="0">
                                       <a:latin typeface="Cambria Math" panose="02040503050406030204" pitchFamily="18" charset="0"/>
                                     </a:rPr>
                                   </m:ctrlPr>
                                 </m:dPr>
                                 <m:e>
                                   <m:r>
-                                    <a:rPr lang="en-US" sz="3600" i="1" dirty="0" smtClean="0">
+                                    <a:rPr lang="en-US" sz="2543" i="1" dirty="0">
                                       <a:latin typeface="Cambria Math" panose="02040503050406030204" pitchFamily="18" charset="0"/>
                                     </a:rPr>
                                     <m:t>𝑆</m:t>
@@ -15353,14 +15313,14 @@
                                   <m:sSub>
                                     <m:sSubPr>
                                       <m:ctrlPr>
-                                        <a:rPr lang="en-CA" sz="3600" b="0" i="1" dirty="0" smtClean="0">
+                                        <a:rPr lang="en-CA" sz="2543" i="1" dirty="0">
                                           <a:latin typeface="Cambria Math" panose="02040503050406030204" pitchFamily="18" charset="0"/>
                                         </a:rPr>
                                       </m:ctrlPr>
                                     </m:sSubPr>
                                     <m:e>
                                       <m:r>
-                                        <a:rPr lang="en-US" sz="3600" i="1" dirty="0" smtClean="0">
+                                        <a:rPr lang="en-US" sz="2543" i="1" dirty="0">
                                           <a:latin typeface="Cambria Math" panose="02040503050406030204" pitchFamily="18" charset="0"/>
                                         </a:rPr>
                                         <m:t>𝐾</m:t>
@@ -15368,7 +15328,7 @@
                                     </m:e>
                                     <m:sub>
                                       <m:r>
-                                        <a:rPr lang="en-CA" sz="3600" b="0" i="1" dirty="0" smtClean="0">
+                                        <a:rPr lang="en-CA" sz="2543" i="1" dirty="0">
                                           <a:latin typeface="Cambria Math" panose="02040503050406030204" pitchFamily="18" charset="0"/>
                                         </a:rPr>
                                         <m:t>1</m:t>
@@ -15380,7 +15340,7 @@
                             </m:e>
                             <m:sub>
                               <m:r>
-                                <a:rPr lang="en-CA" sz="3600" b="0" i="1" dirty="0" smtClean="0">
+                                <a:rPr lang="en-CA" sz="2543" i="1" dirty="0">
                                   <a:latin typeface="Cambria Math" panose="02040503050406030204" pitchFamily="18" charset="0"/>
                                 </a:rPr>
                                 <m:t>1</m:t>
@@ -15388,7 +15348,7 @@
                             </m:sub>
                           </m:sSub>
                           <m:r>
-                            <a:rPr lang="en-US" sz="3600" i="1" dirty="0" smtClean="0">
+                            <a:rPr lang="en-US" sz="2543" i="1" dirty="0">
                               <a:latin typeface="Cambria Math" panose="02040503050406030204" pitchFamily="18" charset="0"/>
                             </a:rPr>
                             <m:t>: </m:t>
@@ -15396,13 +15356,13 @@
                         </m:oMath>
                       </m:oMathPara>
                     </a14:m>
-                    <a:endParaRPr lang="en-US" sz="3600" dirty="0">
+                    <a:endParaRPr lang="en-US" sz="2543" dirty="0">
                       <a:latin typeface="Times" pitchFamily="2" charset="0"/>
                     </a:endParaRPr>
                   </a:p>
                   <a:p>
                     <a:r>
-                      <a:rPr lang="en-US" sz="3600" dirty="0">
+                      <a:rPr lang="en-US" sz="2543" dirty="0">
                         <a:latin typeface="Times" pitchFamily="2" charset="0"/>
                       </a:rPr>
                       <a:t>One share of </a:t>
@@ -15410,7 +15370,7 @@
                     <a14:m>
                       <m:oMath xmlns:m="http://schemas.openxmlformats.org/officeDocument/2006/math">
                         <m:r>
-                          <a:rPr lang="en-US" sz="3600" i="1" dirty="0" smtClean="0">
+                          <a:rPr lang="en-US" sz="2543" i="1" dirty="0">
                             <a:latin typeface="Cambria Math" panose="02040503050406030204" pitchFamily="18" charset="0"/>
                           </a:rPr>
                           <m:t>𝑆</m:t>
@@ -15418,14 +15378,14 @@
                         <m:sSub>
                           <m:sSubPr>
                             <m:ctrlPr>
-                              <a:rPr lang="en-CA" sz="3600" b="0" i="1" dirty="0" smtClean="0">
+                              <a:rPr lang="en-CA" sz="2543" i="1" dirty="0">
                                 <a:latin typeface="Cambria Math" panose="02040503050406030204" pitchFamily="18" charset="0"/>
                               </a:rPr>
                             </m:ctrlPr>
                           </m:sSubPr>
                           <m:e>
                             <m:r>
-                              <a:rPr lang="en-US" sz="3600" i="1" dirty="0" smtClean="0">
+                              <a:rPr lang="en-US" sz="2543" i="1" dirty="0">
                                 <a:latin typeface="Cambria Math" panose="02040503050406030204" pitchFamily="18" charset="0"/>
                               </a:rPr>
                               <m:t>𝐾</m:t>
@@ -15433,7 +15393,7 @@
                           </m:e>
                           <m:sub>
                             <m:r>
-                              <a:rPr lang="en-US" sz="3600" i="1" dirty="0" smtClean="0">
+                              <a:rPr lang="en-US" sz="2543" i="1" dirty="0">
                                 <a:latin typeface="Cambria Math" panose="02040503050406030204" pitchFamily="18" charset="0"/>
                               </a:rPr>
                               <m:t>1</m:t>
@@ -15442,7 +15402,7 @@
                         </m:sSub>
                       </m:oMath>
                     </a14:m>
-                    <a:endParaRPr lang="en-US" sz="3600" dirty="0">
+                    <a:endParaRPr lang="en-US" sz="2543" dirty="0">
                       <a:latin typeface="Times" pitchFamily="2" charset="0"/>
                     </a:endParaRPr>
                   </a:p>
@@ -15467,7 +15427,7 @@
                 <p:spPr>
                   <a:xfrm>
                     <a:off x="22850225" y="15931514"/>
-                    <a:ext cx="3657299" cy="1200329"/>
+                    <a:ext cx="3657299" cy="1238487"/>
                   </a:xfrm>
                   <a:prstGeom prst="rect">
                     <a:avLst/>
@@ -15475,7 +15435,7 @@
                   <a:blipFill>
                     <a:blip r:embed="rId12"/>
                     <a:stretch>
-                      <a:fillRect l="-5190" t="-1053" b="-18947"/>
+                      <a:fillRect l="-4390" b="-17143"/>
                     </a:stretch>
                   </a:blipFill>
                 </p:spPr>
@@ -15553,8 +15513,8 @@
                 </p:nvSpPr>
                 <p:spPr>
                   <a:xfrm>
-                    <a:off x="17900795" y="17123211"/>
-                    <a:ext cx="8096640" cy="2308324"/>
+                    <a:off x="17842846" y="17123211"/>
+                    <a:ext cx="8212537" cy="2346283"/>
                   </a:xfrm>
                   <a:prstGeom prst="rect">
                     <a:avLst/>
@@ -15570,7 +15530,7 @@
                     <a14:m>
                       <m:oMath xmlns:m="http://schemas.openxmlformats.org/officeDocument/2006/math">
                         <m:r>
-                          <a:rPr lang="en-US" sz="3600" i="1" dirty="0" smtClean="0">
+                          <a:rPr lang="en-US" sz="2543" i="1" dirty="0">
                             <a:latin typeface="Cambria Math" panose="02040503050406030204" pitchFamily="18" charset="0"/>
                           </a:rPr>
                           <m:t>𝑀</m:t>
@@ -15578,7 +15538,7 @@
                       </m:oMath>
                     </a14:m>
                     <a:r>
-                      <a:rPr lang="en-US" sz="3600" dirty="0">
+                      <a:rPr lang="en-US" sz="2543" dirty="0">
                         <a:latin typeface="Times" pitchFamily="2" charset="0"/>
                       </a:rPr>
                       <a:t>: Message</a:t>
@@ -15589,7 +15549,7 @@
                     <a14:m>
                       <m:oMath xmlns:m="http://schemas.openxmlformats.org/officeDocument/2006/math">
                         <m:r>
-                          <a:rPr lang="en-US" sz="3600" i="1" dirty="0" smtClean="0">
+                          <a:rPr lang="en-US" sz="2543" i="1" dirty="0">
                             <a:latin typeface="Cambria Math" panose="02040503050406030204" pitchFamily="18" charset="0"/>
                           </a:rPr>
                           <m:t>𝐸𝑁</m:t>
@@ -15597,7 +15557,7 @@
                       </m:oMath>
                     </a14:m>
                     <a:r>
-                      <a:rPr lang="en-US" sz="3600" dirty="0">
+                      <a:rPr lang="en-US" sz="2543" dirty="0">
                         <a:latin typeface="Times" pitchFamily="2" charset="0"/>
                       </a:rPr>
                       <a:t>: External Nullifier</a:t>
@@ -15608,7 +15568,7 @@
                     <a14:m>
                       <m:oMath xmlns:m="http://schemas.openxmlformats.org/officeDocument/2006/math">
                         <m:r>
-                          <a:rPr lang="en-US" sz="3600" i="1" dirty="0" smtClean="0">
+                          <a:rPr lang="en-US" sz="2543" i="1" dirty="0">
                             <a:latin typeface="Cambria Math" panose="02040503050406030204" pitchFamily="18" charset="0"/>
                           </a:rPr>
                           <m:t>𝐼𝑁</m:t>
@@ -15616,7 +15576,7 @@
                       </m:oMath>
                     </a14:m>
                     <a:r>
-                      <a:rPr lang="en-US" sz="3600" dirty="0">
+                      <a:rPr lang="en-US" sz="2543" dirty="0">
                         <a:latin typeface="Times" pitchFamily="2" charset="0"/>
                       </a:rPr>
                       <a:t>: Internal Nullifier = </a:t>
@@ -15624,25 +15584,25 @@
                     <a14:m>
                       <m:oMath xmlns:m="http://schemas.openxmlformats.org/officeDocument/2006/math">
                         <m:r>
-                          <a:rPr lang="en-US" sz="3600" i="1" dirty="0" smtClean="0">
+                          <a:rPr lang="en-US" sz="2543" i="1" dirty="0">
                             <a:latin typeface="Cambria Math" panose="02040503050406030204" pitchFamily="18" charset="0"/>
                           </a:rPr>
                           <m:t>𝐻</m:t>
                         </m:r>
                         <m:r>
-                          <a:rPr lang="en-US" sz="3600" i="1" dirty="0" smtClean="0">
+                          <a:rPr lang="en-US" sz="2543" i="1" dirty="0">
                             <a:latin typeface="Cambria Math" panose="02040503050406030204" pitchFamily="18" charset="0"/>
                           </a:rPr>
                           <m:t>(</m:t>
                         </m:r>
                         <m:r>
-                          <a:rPr lang="en-US" sz="3600" i="1" dirty="0" smtClean="0">
+                          <a:rPr lang="en-US" sz="2543" i="1" dirty="0">
                             <a:latin typeface="Cambria Math" panose="02040503050406030204" pitchFamily="18" charset="0"/>
                           </a:rPr>
                           <m:t>𝐻</m:t>
                         </m:r>
                         <m:r>
-                          <a:rPr lang="en-US" sz="3600" i="1" dirty="0" smtClean="0">
+                          <a:rPr lang="en-US" sz="2543" i="1" dirty="0">
                             <a:latin typeface="Cambria Math" panose="02040503050406030204" pitchFamily="18" charset="0"/>
                           </a:rPr>
                           <m:t>(</m:t>
@@ -15650,7 +15610,7 @@
                         <m:sSub>
                           <m:sSubPr>
                             <m:ctrlPr>
-                              <a:rPr lang="en-CA" sz="3600" i="1" dirty="0">
+                              <a:rPr lang="en-CA" sz="2543" i="1" dirty="0">
                                 <a:latin typeface="Cambria Math" panose="02040503050406030204" pitchFamily="18" charset="0"/>
                               </a:rPr>
                             </m:ctrlPr>
@@ -15661,14 +15621,14 @@
                                 <m:begChr m:val="["/>
                                 <m:endChr m:val="]"/>
                                 <m:ctrlPr>
-                                  <a:rPr lang="en-US" sz="3600" i="1" dirty="0">
+                                  <a:rPr lang="en-US" sz="2543" i="1" dirty="0">
                                     <a:latin typeface="Cambria Math" panose="02040503050406030204" pitchFamily="18" charset="0"/>
                                   </a:rPr>
                                 </m:ctrlPr>
                               </m:dPr>
                               <m:e>
                                 <m:r>
-                                  <a:rPr lang="en-US" sz="3600" i="1" dirty="0">
+                                  <a:rPr lang="en-US" sz="2543" i="1" dirty="0">
                                     <a:latin typeface="Cambria Math" panose="02040503050406030204" pitchFamily="18" charset="0"/>
                                   </a:rPr>
                                   <m:t>𝑆</m:t>
@@ -15676,14 +15636,14 @@
                                 <m:sSub>
                                   <m:sSubPr>
                                     <m:ctrlPr>
-                                      <a:rPr lang="en-CA" sz="3600" i="1" dirty="0">
+                                      <a:rPr lang="en-CA" sz="2543" i="1" dirty="0">
                                         <a:latin typeface="Cambria Math" panose="02040503050406030204" pitchFamily="18" charset="0"/>
                                       </a:rPr>
                                     </m:ctrlPr>
                                   </m:sSubPr>
                                   <m:e>
                                     <m:r>
-                                      <a:rPr lang="en-US" sz="3600" i="1" dirty="0">
+                                      <a:rPr lang="en-US" sz="2543" i="1" dirty="0">
                                         <a:latin typeface="Cambria Math" panose="02040503050406030204" pitchFamily="18" charset="0"/>
                                       </a:rPr>
                                       <m:t>𝐾</m:t>
@@ -15691,7 +15651,7 @@
                                   </m:e>
                                   <m:sub>
                                     <m:r>
-                                      <a:rPr lang="en-CA" sz="3600" i="1" dirty="0">
+                                      <a:rPr lang="en-CA" sz="2543" i="1" dirty="0">
                                         <a:latin typeface="Cambria Math" panose="02040503050406030204" pitchFamily="18" charset="0"/>
                                       </a:rPr>
                                       <m:t>1</m:t>
@@ -15703,7 +15663,7 @@
                           </m:e>
                           <m:sub>
                             <m:r>
-                              <a:rPr lang="en-CA" sz="3600" i="1" dirty="0">
+                              <a:rPr lang="en-CA" sz="2543" i="1" dirty="0">
                                 <a:latin typeface="Cambria Math" panose="02040503050406030204" pitchFamily="18" charset="0"/>
                               </a:rPr>
                               <m:t>1</m:t>
@@ -15711,32 +15671,32 @@
                           </m:sub>
                         </m:sSub>
                         <m:r>
-                          <a:rPr lang="en-US" sz="3600" i="1" dirty="0" smtClean="0">
+                          <a:rPr lang="en-US" sz="2543" i="1" dirty="0">
                             <a:latin typeface="Cambria Math" panose="02040503050406030204" pitchFamily="18" charset="0"/>
                           </a:rPr>
                           <m:t>,</m:t>
                         </m:r>
                         <m:r>
-                          <a:rPr lang="en-US" sz="3600" i="1" dirty="0" smtClean="0">
+                          <a:rPr lang="en-US" sz="2543" i="1" dirty="0">
                             <a:latin typeface="Cambria Math" panose="02040503050406030204" pitchFamily="18" charset="0"/>
                           </a:rPr>
                           <m:t>𝐸𝑁</m:t>
                         </m:r>
                         <m:r>
-                          <a:rPr lang="en-US" sz="3600" i="1" dirty="0" smtClean="0">
+                          <a:rPr lang="en-US" sz="2543" i="1" dirty="0">
                             <a:latin typeface="Cambria Math" panose="02040503050406030204" pitchFamily="18" charset="0"/>
                           </a:rPr>
                           <m:t>))</m:t>
                         </m:r>
                       </m:oMath>
                     </a14:m>
-                    <a:endParaRPr lang="en-US" sz="3600" dirty="0">
+                    <a:endParaRPr lang="en-US" sz="2543" dirty="0">
                       <a:latin typeface="Times" pitchFamily="2" charset="0"/>
                     </a:endParaRPr>
                   </a:p>
                   <a:p>
                     <a:pPr algn="ctr"/>
-                    <a:endParaRPr lang="en-US" sz="3600" dirty="0">
+                    <a:endParaRPr lang="en-US" sz="2543" dirty="0">
                       <a:latin typeface="Times" pitchFamily="2" charset="0"/>
                     </a:endParaRPr>
                   </a:p>
@@ -15760,8 +15720,8 @@
                 </p:nvSpPr>
                 <p:spPr>
                   <a:xfrm>
-                    <a:off x="17900795" y="17123211"/>
-                    <a:ext cx="8096640" cy="2308324"/>
+                    <a:off x="17842846" y="17123211"/>
+                    <a:ext cx="8212537" cy="2346283"/>
                   </a:xfrm>
                   <a:prstGeom prst="rect">
                     <a:avLst/>
@@ -15769,7 +15729,7 @@
                   <a:blipFill>
                     <a:blip r:embed="rId13"/>
                     <a:stretch>
-                      <a:fillRect l="-470" t="-3279" r="-1411"/>
+                      <a:fillRect t="-3053" r="-655"/>
                     </a:stretch>
                   </a:blipFill>
                 </p:spPr>
@@ -15831,12 +15791,12 @@
               <a:p>
                 <a:pPr algn="ctr"/>
                 <a:r>
-                  <a:rPr lang="en-US" sz="3600" dirty="0" err="1">
+                  <a:rPr lang="en-US" sz="2543" dirty="0" err="1">
                     <a:latin typeface="Times" pitchFamily="2" charset="0"/>
                   </a:rPr>
                   <a:t>zkSNARKs</a:t>
                 </a:r>
-                <a:endParaRPr lang="en-US" sz="3600" dirty="0">
+                <a:endParaRPr lang="en-US" sz="2543" dirty="0">
                   <a:latin typeface="Times" pitchFamily="2" charset="0"/>
                 </a:endParaRPr>
               </a:p>
@@ -15858,8 +15818,8 @@
                 </p:nvSpPr>
                 <p:spPr>
                   <a:xfrm>
-                    <a:off x="25752993" y="15922747"/>
-                    <a:ext cx="4518866" cy="2308324"/>
+                    <a:off x="25713110" y="15922746"/>
+                    <a:ext cx="4598633" cy="2346283"/>
                   </a:xfrm>
                   <a:prstGeom prst="rect">
                     <a:avLst/>
@@ -15876,13 +15836,13 @@
                     <a14:m>
                       <m:oMath xmlns:m="http://schemas.openxmlformats.org/officeDocument/2006/math">
                         <m:r>
-                          <a:rPr lang="en-CA" sz="3600" b="0" i="1" smtClean="0">
+                          <a:rPr lang="en-CA" sz="2543" i="1">
                             <a:latin typeface="Cambria Math" panose="02040503050406030204" pitchFamily="18" charset="0"/>
                           </a:rPr>
                           <m:t>𝜋</m:t>
                         </m:r>
                         <m:r>
-                          <a:rPr lang="en-CA" sz="3600" b="0" i="1" smtClean="0">
+                          <a:rPr lang="en-CA" sz="2543" i="1">
                             <a:latin typeface="Cambria Math" panose="02040503050406030204" pitchFamily="18" charset="0"/>
                           </a:rPr>
                           <m:t>: </m:t>
@@ -15890,7 +15850,7 @@
                       </m:oMath>
                     </a14:m>
                     <a:r>
-                      <a:rPr lang="en-US" sz="3600" dirty="0">
+                      <a:rPr lang="en-US" sz="2543" dirty="0">
                         <a:latin typeface="Times" pitchFamily="2" charset="0"/>
                       </a:rPr>
                       <a:t>ZK Proof for </a:t>
@@ -15899,7 +15859,7 @@
                   <a:p>
                     <a:pPr algn="ctr"/>
                     <a:r>
-                      <a:rPr lang="en-US" sz="3600" dirty="0">
+                      <a:rPr lang="en-US" sz="2543" dirty="0">
                         <a:latin typeface="Times" pitchFamily="2" charset="0"/>
                       </a:rPr>
                       <a:t> - Membership</a:t>
@@ -15908,7 +15868,7 @@
                   <a:p>
                     <a:pPr algn="ctr"/>
                     <a:r>
-                      <a:rPr lang="en-US" sz="3600" dirty="0">
+                      <a:rPr lang="en-US" sz="2543" dirty="0">
                         <a:latin typeface="Times" pitchFamily="2" charset="0"/>
                       </a:rPr>
                       <a:t>- Correctness of </a:t>
@@ -15918,7 +15878,7 @@
                         <m:sSub>
                           <m:sSubPr>
                             <m:ctrlPr>
-                              <a:rPr lang="en-CA" sz="3600" i="1" dirty="0">
+                              <a:rPr lang="en-CA" sz="2543" i="1" dirty="0">
                                 <a:latin typeface="Cambria Math" panose="02040503050406030204" pitchFamily="18" charset="0"/>
                               </a:rPr>
                             </m:ctrlPr>
@@ -15929,14 +15889,14 @@
                                 <m:begChr m:val="["/>
                                 <m:endChr m:val="]"/>
                                 <m:ctrlPr>
-                                  <a:rPr lang="en-US" sz="3600" i="1" dirty="0">
+                                  <a:rPr lang="en-US" sz="2543" i="1" dirty="0">
                                     <a:latin typeface="Cambria Math" panose="02040503050406030204" pitchFamily="18" charset="0"/>
                                   </a:rPr>
                                 </m:ctrlPr>
                               </m:dPr>
                               <m:e>
                                 <m:r>
-                                  <a:rPr lang="en-US" sz="3600" i="1" dirty="0">
+                                  <a:rPr lang="en-US" sz="2543" i="1" dirty="0">
                                     <a:latin typeface="Cambria Math" panose="02040503050406030204" pitchFamily="18" charset="0"/>
                                   </a:rPr>
                                   <m:t>𝑆</m:t>
@@ -15944,14 +15904,14 @@
                                 <m:sSub>
                                   <m:sSubPr>
                                     <m:ctrlPr>
-                                      <a:rPr lang="en-CA" sz="3600" i="1" dirty="0">
+                                      <a:rPr lang="en-CA" sz="2543" i="1" dirty="0">
                                         <a:latin typeface="Cambria Math" panose="02040503050406030204" pitchFamily="18" charset="0"/>
                                       </a:rPr>
                                     </m:ctrlPr>
                                   </m:sSubPr>
                                   <m:e>
                                     <m:r>
-                                      <a:rPr lang="en-US" sz="3600" i="1" dirty="0">
+                                      <a:rPr lang="en-US" sz="2543" i="1" dirty="0">
                                         <a:latin typeface="Cambria Math" panose="02040503050406030204" pitchFamily="18" charset="0"/>
                                       </a:rPr>
                                       <m:t>𝐾</m:t>
@@ -15959,7 +15919,7 @@
                                   </m:e>
                                   <m:sub>
                                     <m:r>
-                                      <a:rPr lang="en-CA" sz="3600" i="1" dirty="0">
+                                      <a:rPr lang="en-CA" sz="2543" i="1" dirty="0">
                                         <a:latin typeface="Cambria Math" panose="02040503050406030204" pitchFamily="18" charset="0"/>
                                       </a:rPr>
                                       <m:t>1</m:t>
@@ -15971,7 +15931,7 @@
                           </m:e>
                           <m:sub>
                             <m:r>
-                              <a:rPr lang="en-CA" sz="3600" i="1" dirty="0">
+                              <a:rPr lang="en-CA" sz="2543" i="1" dirty="0">
                                 <a:latin typeface="Cambria Math" panose="02040503050406030204" pitchFamily="18" charset="0"/>
                               </a:rPr>
                               <m:t>1</m:t>
@@ -15980,14 +15940,14 @@
                         </m:sSub>
                       </m:oMath>
                     </a14:m>
-                    <a:endParaRPr lang="en-US" sz="3600" dirty="0">
+                    <a:endParaRPr lang="en-US" sz="2543" dirty="0">
                       <a:latin typeface="Times" pitchFamily="2" charset="0"/>
                     </a:endParaRPr>
                   </a:p>
                   <a:p>
                     <a:pPr algn="ctr"/>
                     <a:r>
-                      <a:rPr lang="en-US" sz="3600" dirty="0">
+                      <a:rPr lang="en-US" sz="2543" dirty="0">
                         <a:latin typeface="Times" pitchFamily="2" charset="0"/>
                       </a:rPr>
                       <a:t>- Correctness of IN</a:t>
@@ -16013,8 +15973,8 @@
                 </p:nvSpPr>
                 <p:spPr>
                   <a:xfrm>
-                    <a:off x="25752993" y="15922747"/>
-                    <a:ext cx="4518866" cy="2308324"/>
+                    <a:off x="25713110" y="15922746"/>
+                    <a:ext cx="4598633" cy="2346283"/>
                   </a:xfrm>
                   <a:prstGeom prst="rect">
                     <a:avLst/>
@@ -16022,7 +15982,7 @@
                   <a:blipFill>
                     <a:blip r:embed="rId14"/>
                     <a:stretch>
-                      <a:fillRect l="-3361" t="-3825" b="-8743"/>
+                      <a:fillRect l="-2724" t="-3030" b="-8333"/>
                     </a:stretch>
                   </a:blipFill>
                 </p:spPr>
@@ -16193,8 +16153,8 @@
                 </p:nvSpPr>
                 <p:spPr>
                   <a:xfrm>
-                    <a:off x="25481053" y="20252545"/>
-                    <a:ext cx="4280916" cy="646331"/>
+                    <a:off x="25481053" y="20252546"/>
+                    <a:ext cx="4357034" cy="684591"/>
                   </a:xfrm>
                   <a:prstGeom prst="rect">
                     <a:avLst/>
@@ -16215,7 +16175,7 @@
                         </m:oMathParaPr>
                         <m:oMath xmlns:m="http://schemas.openxmlformats.org/officeDocument/2006/math">
                           <m:r>
-                            <a:rPr lang="en-US" sz="3600" i="1" dirty="0">
+                            <a:rPr lang="en-US" sz="2543" i="1" dirty="0">
                               <a:latin typeface="Cambria Math" panose="02040503050406030204" pitchFamily="18" charset="0"/>
                             </a:rPr>
                             <m:t>𝑆</m:t>
@@ -16223,14 +16183,14 @@
                           <m:sSub>
                             <m:sSubPr>
                               <m:ctrlPr>
-                                <a:rPr lang="en-CA" sz="3600" i="1" dirty="0">
+                                <a:rPr lang="en-CA" sz="2543" i="1" dirty="0">
                                   <a:latin typeface="Cambria Math" panose="02040503050406030204" pitchFamily="18" charset="0"/>
                                 </a:rPr>
                               </m:ctrlPr>
                             </m:sSubPr>
                             <m:e>
                               <m:r>
-                                <a:rPr lang="en-US" sz="3600" i="1" dirty="0">
+                                <a:rPr lang="en-US" sz="2543" i="1" dirty="0">
                                   <a:latin typeface="Cambria Math" panose="02040503050406030204" pitchFamily="18" charset="0"/>
                                 </a:rPr>
                                 <m:t>𝐾</m:t>
@@ -16238,7 +16198,7 @@
                             </m:e>
                             <m:sub>
                               <m:r>
-                                <a:rPr lang="en-US" sz="3600" i="1" dirty="0">
+                                <a:rPr lang="en-US" sz="2543" i="1" dirty="0">
                                   <a:latin typeface="Cambria Math" panose="02040503050406030204" pitchFamily="18" charset="0"/>
                                 </a:rPr>
                                 <m:t>1</m:t>
@@ -16246,13 +16206,13 @@
                             </m:sub>
                           </m:sSub>
                           <m:r>
-                            <a:rPr lang="en-US" sz="3600" i="1" dirty="0">
+                            <a:rPr lang="en-US" sz="2543" i="1" dirty="0">
                               <a:latin typeface="Cambria Math" panose="02040503050406030204" pitchFamily="18" charset="0"/>
                             </a:rPr>
                             <m:t>, </m:t>
                           </m:r>
                           <m:r>
-                            <a:rPr lang="en-US" sz="3600" i="1" dirty="0">
+                            <a:rPr lang="en-US" sz="2543" i="1" dirty="0">
                               <a:latin typeface="Cambria Math" panose="02040503050406030204" pitchFamily="18" charset="0"/>
                             </a:rPr>
                             <m:t>𝑃</m:t>
@@ -16260,14 +16220,14 @@
                           <m:sSub>
                             <m:sSubPr>
                               <m:ctrlPr>
-                                <a:rPr lang="en-CA" sz="3600" i="1" dirty="0">
+                                <a:rPr lang="en-CA" sz="2543" i="1" dirty="0">
                                   <a:latin typeface="Cambria Math" panose="02040503050406030204" pitchFamily="18" charset="0"/>
                                 </a:rPr>
                               </m:ctrlPr>
                             </m:sSubPr>
                             <m:e>
                               <m:r>
-                                <a:rPr lang="en-US" sz="3600" i="1" dirty="0">
+                                <a:rPr lang="en-US" sz="2543" i="1" dirty="0">
                                   <a:latin typeface="Cambria Math" panose="02040503050406030204" pitchFamily="18" charset="0"/>
                                 </a:rPr>
                                 <m:t>𝐾</m:t>
@@ -16275,7 +16235,7 @@
                             </m:e>
                             <m:sub>
                               <m:r>
-                                <a:rPr lang="en-US" sz="3600" i="1" dirty="0">
+                                <a:rPr lang="en-US" sz="2543" i="1" dirty="0">
                                   <a:latin typeface="Cambria Math" panose="02040503050406030204" pitchFamily="18" charset="0"/>
                                 </a:rPr>
                                 <m:t>1</m:t>
@@ -16283,25 +16243,25 @@
                             </m:sub>
                           </m:sSub>
                           <m:r>
-                            <a:rPr lang="en-US" sz="3600" i="1" dirty="0">
+                            <a:rPr lang="en-US" sz="2543" i="1" dirty="0">
                               <a:latin typeface="Cambria Math" panose="02040503050406030204" pitchFamily="18" charset="0"/>
                             </a:rPr>
                             <m:t> = </m:t>
                           </m:r>
                           <m:r>
-                            <a:rPr lang="en-US" sz="3600" i="1" dirty="0">
+                            <a:rPr lang="en-US" sz="2543" i="1" dirty="0">
                               <a:latin typeface="Cambria Math" panose="02040503050406030204" pitchFamily="18" charset="0"/>
                             </a:rPr>
                             <m:t>𝐻</m:t>
                           </m:r>
                           <m:r>
-                            <a:rPr lang="en-US" sz="3600" i="1" dirty="0">
+                            <a:rPr lang="en-US" sz="2543" i="1" dirty="0">
                               <a:latin typeface="Cambria Math" panose="02040503050406030204" pitchFamily="18" charset="0"/>
                             </a:rPr>
                             <m:t>(</m:t>
                           </m:r>
                           <m:r>
-                            <a:rPr lang="en-US" sz="3600" i="1" dirty="0">
+                            <a:rPr lang="en-US" sz="2543" i="1" dirty="0">
                               <a:latin typeface="Cambria Math" panose="02040503050406030204" pitchFamily="18" charset="0"/>
                             </a:rPr>
                             <m:t>𝑆</m:t>
@@ -16309,14 +16269,14 @@
                           <m:sSub>
                             <m:sSubPr>
                               <m:ctrlPr>
-                                <a:rPr lang="en-CA" sz="3600" i="1" dirty="0">
+                                <a:rPr lang="en-CA" sz="2543" i="1" dirty="0">
                                   <a:latin typeface="Cambria Math" panose="02040503050406030204" pitchFamily="18" charset="0"/>
                                 </a:rPr>
                               </m:ctrlPr>
                             </m:sSubPr>
                             <m:e>
                               <m:r>
-                                <a:rPr lang="en-US" sz="3600" i="1" dirty="0">
+                                <a:rPr lang="en-US" sz="2543" i="1" dirty="0">
                                   <a:latin typeface="Cambria Math" panose="02040503050406030204" pitchFamily="18" charset="0"/>
                                 </a:rPr>
                                 <m:t>𝐾</m:t>
@@ -16324,7 +16284,7 @@
                             </m:e>
                             <m:sub>
                               <m:r>
-                                <a:rPr lang="en-US" sz="3600" i="1" dirty="0">
+                                <a:rPr lang="en-US" sz="2543" i="1" dirty="0">
                                   <a:latin typeface="Cambria Math" panose="02040503050406030204" pitchFamily="18" charset="0"/>
                                 </a:rPr>
                                 <m:t>1</m:t>
@@ -16332,7 +16292,7 @@
                             </m:sub>
                           </m:sSub>
                           <m:r>
-                            <a:rPr lang="en-US" sz="3600" i="1" dirty="0">
+                            <a:rPr lang="en-US" sz="2543" i="1" dirty="0">
                               <a:latin typeface="Cambria Math" panose="02040503050406030204" pitchFamily="18" charset="0"/>
                             </a:rPr>
                             <m:t>)</m:t>
@@ -16340,7 +16300,7 @@
                         </m:oMath>
                       </m:oMathPara>
                     </a14:m>
-                    <a:endParaRPr lang="en-US" sz="3600" dirty="0">
+                    <a:endParaRPr lang="en-US" sz="2543" dirty="0">
                       <a:latin typeface="Times" pitchFamily="2" charset="0"/>
                     </a:endParaRPr>
                   </a:p>
@@ -16364,8 +16324,8 @@
                 </p:nvSpPr>
                 <p:spPr>
                   <a:xfrm>
-                    <a:off x="25481053" y="20252545"/>
-                    <a:ext cx="4280916" cy="646331"/>
+                    <a:off x="25481053" y="20252546"/>
+                    <a:ext cx="4357034" cy="684591"/>
                   </a:xfrm>
                   <a:prstGeom prst="rect">
                     <a:avLst/>
@@ -16373,7 +16333,7 @@
                   <a:blipFill>
                     <a:blip r:embed="rId16"/>
                     <a:stretch>
-                      <a:fillRect t="-1923" r="-888" b="-23077"/>
+                      <a:fillRect b="-17949"/>
                     </a:stretch>
                   </a:blipFill>
                 </p:spPr>
@@ -16408,8 +16368,8 @@
                 </p:nvSpPr>
                 <p:spPr>
                   <a:xfrm>
-                    <a:off x="15561918" y="23270738"/>
-                    <a:ext cx="1087542" cy="646331"/>
+                    <a:off x="15561917" y="23270739"/>
+                    <a:ext cx="1162976" cy="684591"/>
                   </a:xfrm>
                   <a:prstGeom prst="rect">
                     <a:avLst/>
@@ -16429,7 +16389,7 @@
                         </m:oMathParaPr>
                         <m:oMath xmlns:m="http://schemas.openxmlformats.org/officeDocument/2006/math">
                           <m:r>
-                            <a:rPr lang="en-US" sz="3600" i="1" dirty="0">
+                            <a:rPr lang="en-US" sz="2543" i="1" dirty="0">
                               <a:latin typeface="Cambria Math" panose="02040503050406030204" pitchFamily="18" charset="0"/>
                             </a:rPr>
                             <m:t>𝑃</m:t>
@@ -16437,14 +16397,14 @@
                           <m:sSub>
                             <m:sSubPr>
                               <m:ctrlPr>
-                                <a:rPr lang="en-CA" sz="3600" i="1" dirty="0">
+                                <a:rPr lang="en-CA" sz="2543" i="1" dirty="0">
                                   <a:latin typeface="Cambria Math" panose="02040503050406030204" pitchFamily="18" charset="0"/>
                                 </a:rPr>
                               </m:ctrlPr>
                             </m:sSubPr>
                             <m:e>
                               <m:r>
-                                <a:rPr lang="en-US" sz="3600" i="1" dirty="0">
+                                <a:rPr lang="en-US" sz="2543" i="1" dirty="0">
                                   <a:latin typeface="Cambria Math" panose="02040503050406030204" pitchFamily="18" charset="0"/>
                                 </a:rPr>
                                 <m:t>𝐾</m:t>
@@ -16452,7 +16412,7 @@
                             </m:e>
                             <m:sub>
                               <m:r>
-                                <a:rPr lang="en-US" sz="3600" i="1" dirty="0">
+                                <a:rPr lang="en-US" sz="2543" i="1" dirty="0">
                                   <a:latin typeface="Cambria Math" panose="02040503050406030204" pitchFamily="18" charset="0"/>
                                 </a:rPr>
                                 <m:t>1</m:t>
@@ -16462,7 +16422,7 @@
                         </m:oMath>
                       </m:oMathPara>
                     </a14:m>
-                    <a:endParaRPr lang="en-US" sz="3600" dirty="0">
+                    <a:endParaRPr lang="en-US" sz="2543" dirty="0">
                       <a:latin typeface="Times" pitchFamily="2" charset="0"/>
                     </a:endParaRPr>
                   </a:p>
@@ -16486,8 +16446,8 @@
                 </p:nvSpPr>
                 <p:spPr>
                   <a:xfrm>
-                    <a:off x="15561918" y="23270738"/>
-                    <a:ext cx="1087542" cy="646331"/>
+                    <a:off x="15561917" y="23270739"/>
+                    <a:ext cx="1162976" cy="684591"/>
                   </a:xfrm>
                   <a:prstGeom prst="rect">
                     <a:avLst/>
@@ -16495,7 +16455,7 @@
                   <a:blipFill>
                     <a:blip r:embed="rId17"/>
                     <a:stretch>
-                      <a:fillRect b="-3922"/>
+                      <a:fillRect/>
                     </a:stretch>
                   </a:blipFill>
                 </p:spPr>
@@ -16531,7 +16491,7 @@
                 <p:spPr>
                   <a:xfrm>
                     <a:off x="20130788" y="23242205"/>
-                    <a:ext cx="1283108" cy="646331"/>
+                    <a:ext cx="1358106" cy="684591"/>
                   </a:xfrm>
                   <a:prstGeom prst="rect">
                     <a:avLst/>
@@ -16551,7 +16511,7 @@
                         </m:oMathParaPr>
                         <m:oMath xmlns:m="http://schemas.openxmlformats.org/officeDocument/2006/math">
                           <m:r>
-                            <a:rPr lang="en-US" sz="3600" i="1" dirty="0">
+                            <a:rPr lang="en-US" sz="2543" i="1" dirty="0">
                               <a:latin typeface="Cambria Math" panose="02040503050406030204" pitchFamily="18" charset="0"/>
                             </a:rPr>
                             <m:t>𝑃</m:t>
@@ -16559,14 +16519,14 @@
                           <m:sSub>
                             <m:sSubPr>
                               <m:ctrlPr>
-                                <a:rPr lang="en-CA" sz="3600" i="1" dirty="0">
+                                <a:rPr lang="en-CA" sz="2543" i="1" dirty="0">
                                   <a:latin typeface="Cambria Math" panose="02040503050406030204" pitchFamily="18" charset="0"/>
                                 </a:rPr>
                               </m:ctrlPr>
                             </m:sSubPr>
                             <m:e>
                               <m:r>
-                                <a:rPr lang="en-US" sz="3600" i="1" dirty="0">
+                                <a:rPr lang="en-US" sz="2543" i="1" dirty="0">
                                   <a:latin typeface="Cambria Math" panose="02040503050406030204" pitchFamily="18" charset="0"/>
                                 </a:rPr>
                                 <m:t>𝐾</m:t>
@@ -16574,7 +16534,7 @@
                             </m:e>
                             <m:sub>
                               <m:r>
-                                <a:rPr lang="en-US" sz="3600" i="1" dirty="0">
+                                <a:rPr lang="en-US" sz="2543" i="1" dirty="0">
                                   <a:latin typeface="Cambria Math" panose="02040503050406030204" pitchFamily="18" charset="0"/>
                                 </a:rPr>
                                 <m:t>16</m:t>
@@ -16584,7 +16544,7 @@
                         </m:oMath>
                       </m:oMathPara>
                     </a14:m>
-                    <a:endParaRPr lang="en-US" sz="3600" dirty="0">
+                    <a:endParaRPr lang="en-US" sz="2543" dirty="0">
                       <a:latin typeface="Times" pitchFamily="2" charset="0"/>
                     </a:endParaRPr>
                   </a:p>
@@ -16609,7 +16569,7 @@
                 <p:spPr>
                   <a:xfrm>
                     <a:off x="20130788" y="23242205"/>
-                    <a:ext cx="1283108" cy="646331"/>
+                    <a:ext cx="1358106" cy="684591"/>
                   </a:xfrm>
                   <a:prstGeom prst="rect">
                     <a:avLst/>
@@ -16617,7 +16577,7 @@
                   <a:blipFill>
                     <a:blip r:embed="rId18"/>
                     <a:stretch>
-                      <a:fillRect b="-3846"/>
+                      <a:fillRect/>
                     </a:stretch>
                   </a:blipFill>
                 </p:spPr>
@@ -16653,8 +16613,8 @@
             </p:nvCxnSpPr>
             <p:spPr>
               <a:xfrm flipH="1">
-                <a:off x="22554378" y="21042934"/>
-                <a:ext cx="2544189" cy="688817"/>
+                <a:off x="22559857" y="21042934"/>
+                <a:ext cx="2538709" cy="688818"/>
               </a:xfrm>
               <a:prstGeom prst="straightConnector1">
                 <a:avLst/>
@@ -16695,8 +16655,8 @@
             </p:nvCxnSpPr>
             <p:spPr>
               <a:xfrm>
-                <a:off x="25098567" y="21042934"/>
-                <a:ext cx="2279207" cy="683281"/>
+                <a:off x="25098566" y="21042934"/>
+                <a:ext cx="2319666" cy="683280"/>
               </a:xfrm>
               <a:prstGeom prst="straightConnector1">
                 <a:avLst/>
@@ -16785,8 +16745,8 @@
             </p:nvCxnSpPr>
             <p:spPr>
               <a:xfrm>
-                <a:off x="22554378" y="22378082"/>
-                <a:ext cx="2792203" cy="699759"/>
+                <a:off x="22559857" y="22416343"/>
+                <a:ext cx="2786725" cy="661498"/>
               </a:xfrm>
               <a:prstGeom prst="straightConnector1">
                 <a:avLst/>
@@ -16828,8 +16788,8 @@
             </p:nvCxnSpPr>
             <p:spPr>
               <a:xfrm flipH="1">
-                <a:off x="25346581" y="22372546"/>
-                <a:ext cx="2031193" cy="705295"/>
+                <a:off x="25346581" y="22410806"/>
+                <a:ext cx="2071650" cy="667035"/>
               </a:xfrm>
               <a:prstGeom prst="straightConnector1">
                 <a:avLst/>
@@ -16911,7 +16871,7 @@
                 <p:spPr>
                   <a:xfrm>
                     <a:off x="24977358" y="24618998"/>
-                    <a:ext cx="1042016" cy="646331"/>
+                    <a:ext cx="1119868" cy="684591"/>
                   </a:xfrm>
                   <a:prstGeom prst="rect">
                     <a:avLst/>
@@ -16930,7 +16890,7 @@
                         </m:oMathParaPr>
                         <m:oMath xmlns:m="http://schemas.openxmlformats.org/officeDocument/2006/math">
                           <m:r>
-                            <a:rPr lang="en-US" sz="3600" i="1" dirty="0">
+                            <a:rPr lang="en-US" sz="2543" i="1" dirty="0">
                               <a:latin typeface="Cambria Math" panose="02040503050406030204" pitchFamily="18" charset="0"/>
                             </a:rPr>
                             <m:t>𝑆</m:t>
@@ -16938,14 +16898,14 @@
                           <m:sSub>
                             <m:sSubPr>
                               <m:ctrlPr>
-                                <a:rPr lang="en-CA" sz="3600" i="1" dirty="0">
+                                <a:rPr lang="en-CA" sz="2543" i="1" dirty="0">
                                   <a:latin typeface="Cambria Math" panose="02040503050406030204" pitchFamily="18" charset="0"/>
                                 </a:rPr>
                               </m:ctrlPr>
                             </m:sSubPr>
                             <m:e>
                               <m:r>
-                                <a:rPr lang="en-US" sz="3600" i="1" dirty="0">
+                                <a:rPr lang="en-US" sz="2543" i="1" dirty="0">
                                   <a:latin typeface="Cambria Math" panose="02040503050406030204" pitchFamily="18" charset="0"/>
                                 </a:rPr>
                                 <m:t>𝐾</m:t>
@@ -16953,7 +16913,7 @@
                             </m:e>
                             <m:sub>
                               <m:r>
-                                <a:rPr lang="en-US" sz="3600" i="1" dirty="0">
+                                <a:rPr lang="en-US" sz="2543" i="1" dirty="0">
                                   <a:latin typeface="Cambria Math" panose="02040503050406030204" pitchFamily="18" charset="0"/>
                                 </a:rPr>
                                 <m:t>1</m:t>
@@ -16963,7 +16923,7 @@
                         </m:oMath>
                       </m:oMathPara>
                     </a14:m>
-                    <a:endParaRPr lang="en-US" sz="3600" dirty="0">
+                    <a:endParaRPr lang="en-US" sz="2543" dirty="0">
                       <a:latin typeface="Times" pitchFamily="2" charset="0"/>
                     </a:endParaRPr>
                   </a:p>
@@ -16988,7 +16948,7 @@
                 <p:spPr>
                   <a:xfrm>
                     <a:off x="24977358" y="24618998"/>
-                    <a:ext cx="1042016" cy="646331"/>
+                    <a:ext cx="1119868" cy="684591"/>
                   </a:xfrm>
                   <a:prstGeom prst="rect">
                     <a:avLst/>
@@ -16996,7 +16956,7 @@
                   <a:blipFill>
                     <a:blip r:embed="rId20"/>
                     <a:stretch>
-                      <a:fillRect b="-3922"/>
+                      <a:fillRect/>
                     </a:stretch>
                   </a:blipFill>
                 </p:spPr>
@@ -17058,7 +17018,7 @@
               <a:p>
                 <a:pPr algn="ctr"/>
                 <a:r>
-                  <a:rPr lang="en-US" sz="3600" dirty="0">
+                  <a:rPr lang="en-US" sz="2543" dirty="0">
                     <a:latin typeface="Times" pitchFamily="2" charset="0"/>
                   </a:rPr>
                   <a:t>Secret Construct</a:t>
@@ -17082,8 +17042,8 @@
                 </p:nvSpPr>
                 <p:spPr>
                   <a:xfrm>
-                    <a:off x="20467107" y="21731751"/>
-                    <a:ext cx="4174541" cy="646331"/>
+                    <a:off x="20467107" y="21731752"/>
+                    <a:ext cx="4185501" cy="684591"/>
                   </a:xfrm>
                   <a:prstGeom prst="rect">
                     <a:avLst/>
@@ -17102,19 +17062,19 @@
                         </m:oMathParaPr>
                         <m:oMath xmlns:m="http://schemas.openxmlformats.org/officeDocument/2006/math">
                           <m:r>
-                            <a:rPr lang="en-US" sz="3600" i="1" dirty="0" smtClean="0">
+                            <a:rPr lang="en-US" sz="2543" i="1" dirty="0">
                               <a:latin typeface="Cambria Math" panose="02040503050406030204" pitchFamily="18" charset="0"/>
                             </a:rPr>
                             <m:t>𝑀</m:t>
                           </m:r>
                           <m:r>
-                            <a:rPr lang="en-US" sz="3600" i="1" dirty="0" smtClean="0">
+                            <a:rPr lang="en-US" sz="2543" i="1" dirty="0">
                               <a:latin typeface="Cambria Math" panose="02040503050406030204" pitchFamily="18" charset="0"/>
                             </a:rPr>
                             <m:t>, </m:t>
                           </m:r>
                           <m:r>
-                            <a:rPr lang="en-US" sz="3600" i="1" dirty="0">
+                            <a:rPr lang="en-US" sz="2543" i="1" dirty="0">
                               <a:solidFill>
                                 <a:schemeClr val="accent6"/>
                               </a:solidFill>
@@ -17123,13 +17083,13 @@
                             <m:t>𝐸𝑁</m:t>
                           </m:r>
                           <m:r>
-                            <a:rPr lang="en-US" sz="3600" i="1" dirty="0">
+                            <a:rPr lang="en-US" sz="2543" i="1" dirty="0">
                               <a:latin typeface="Cambria Math" panose="02040503050406030204" pitchFamily="18" charset="0"/>
                             </a:rPr>
                             <m:t>, </m:t>
                           </m:r>
                           <m:r>
-                            <a:rPr lang="en-US" sz="3600" i="1" dirty="0">
+                            <a:rPr lang="en-US" sz="2543" i="1" dirty="0">
                               <a:solidFill>
                                 <a:schemeClr val="accent6"/>
                               </a:solidFill>
@@ -17138,7 +17098,7 @@
                             <m:t>𝐼𝑁</m:t>
                           </m:r>
                           <m:r>
-                            <a:rPr lang="en-US" sz="3600" i="1" dirty="0">
+                            <a:rPr lang="en-US" sz="2543" i="1" dirty="0">
                               <a:latin typeface="Cambria Math" panose="02040503050406030204" pitchFamily="18" charset="0"/>
                             </a:rPr>
                             <m:t>, </m:t>
@@ -17146,7 +17106,7 @@
                           <m:sSub>
                             <m:sSubPr>
                               <m:ctrlPr>
-                                <a:rPr lang="en-CA" sz="3600" i="1" dirty="0" smtClean="0">
+                                <a:rPr lang="en-CA" sz="2543" i="1" dirty="0">
                                   <a:solidFill>
                                     <a:srgbClr val="FF0000"/>
                                   </a:solidFill>
@@ -17160,7 +17120,7 @@
                                   <m:begChr m:val="["/>
                                   <m:endChr m:val="]"/>
                                   <m:ctrlPr>
-                                    <a:rPr lang="en-US" sz="3600" i="1" dirty="0">
+                                    <a:rPr lang="en-US" sz="2543" i="1" dirty="0">
                                       <a:solidFill>
                                         <a:srgbClr val="FF0000"/>
                                       </a:solidFill>
@@ -17170,7 +17130,7 @@
                                 </m:dPr>
                                 <m:e>
                                   <m:r>
-                                    <a:rPr lang="en-US" sz="3600" i="1" dirty="0">
+                                    <a:rPr lang="en-US" sz="2543" i="1" dirty="0">
                                       <a:solidFill>
                                         <a:srgbClr val="FF0000"/>
                                       </a:solidFill>
@@ -17181,7 +17141,7 @@
                                   <m:sSub>
                                     <m:sSubPr>
                                       <m:ctrlPr>
-                                        <a:rPr lang="en-CA" sz="3600" i="1" dirty="0">
+                                        <a:rPr lang="en-CA" sz="2543" i="1" dirty="0">
                                           <a:solidFill>
                                             <a:srgbClr val="FF0000"/>
                                           </a:solidFill>
@@ -17191,7 +17151,7 @@
                                     </m:sSubPr>
                                     <m:e>
                                       <m:r>
-                                        <a:rPr lang="en-US" sz="3600" i="1" dirty="0">
+                                        <a:rPr lang="en-US" sz="2543" i="1" dirty="0">
                                           <a:solidFill>
                                             <a:srgbClr val="FF0000"/>
                                           </a:solidFill>
@@ -17202,7 +17162,7 @@
                                     </m:e>
                                     <m:sub>
                                       <m:r>
-                                        <a:rPr lang="en-CA" sz="3600" i="1" dirty="0">
+                                        <a:rPr lang="en-CA" sz="2543" i="1" dirty="0">
                                           <a:solidFill>
                                             <a:srgbClr val="FF0000"/>
                                           </a:solidFill>
@@ -17217,7 +17177,7 @@
                             </m:e>
                             <m:sub>
                               <m:r>
-                                <a:rPr lang="en-CA" sz="3600" i="1" dirty="0">
+                                <a:rPr lang="en-CA" sz="2543" i="1" dirty="0">
                                   <a:solidFill>
                                     <a:srgbClr val="FF0000"/>
                                   </a:solidFill>
@@ -17228,13 +17188,13 @@
                             </m:sub>
                           </m:sSub>
                           <m:r>
-                            <a:rPr lang="en-US" sz="3600" i="1" dirty="0" smtClean="0">
+                            <a:rPr lang="en-US" sz="2543" i="1" dirty="0">
                               <a:latin typeface="Cambria Math" panose="02040503050406030204" pitchFamily="18" charset="0"/>
                             </a:rPr>
                             <m:t>, </m:t>
                           </m:r>
                           <m:r>
-                            <a:rPr lang="en-CA" sz="3600" i="1">
+                            <a:rPr lang="en-CA" sz="2543" i="1">
                               <a:latin typeface="Cambria Math" panose="02040503050406030204" pitchFamily="18" charset="0"/>
                             </a:rPr>
                             <m:t>𝜋</m:t>
@@ -17242,7 +17202,7 @@
                         </m:oMath>
                       </m:oMathPara>
                     </a14:m>
-                    <a:endParaRPr lang="en-US" sz="3600" dirty="0">
+                    <a:endParaRPr lang="en-US" sz="2543" dirty="0">
                       <a:latin typeface="Times" pitchFamily="2" charset="0"/>
                     </a:endParaRPr>
                   </a:p>
@@ -17266,8 +17226,8 @@
                 </p:nvSpPr>
                 <p:spPr>
                   <a:xfrm>
-                    <a:off x="20467107" y="21731751"/>
-                    <a:ext cx="4174541" cy="646331"/>
+                    <a:off x="20467107" y="21731752"/>
+                    <a:ext cx="4185501" cy="684591"/>
                   </a:xfrm>
                   <a:prstGeom prst="rect">
                     <a:avLst/>
@@ -17275,7 +17235,7 @@
                   <a:blipFill>
                     <a:blip r:embed="rId21"/>
                     <a:stretch>
-                      <a:fillRect b="-3846"/>
+                      <a:fillRect/>
                     </a:stretch>
                   </a:blipFill>
                 </p:spPr>
@@ -17310,8 +17270,8 @@
                 </p:nvSpPr>
                 <p:spPr>
                   <a:xfrm>
-                    <a:off x="25219522" y="21726215"/>
-                    <a:ext cx="4316503" cy="646331"/>
+                    <a:off x="25219522" y="21726214"/>
+                    <a:ext cx="4397421" cy="684591"/>
                   </a:xfrm>
                   <a:prstGeom prst="rect">
                     <a:avLst/>
@@ -17330,19 +17290,19 @@
                         </m:oMathParaPr>
                         <m:oMath xmlns:m="http://schemas.openxmlformats.org/officeDocument/2006/math">
                           <m:r>
-                            <a:rPr lang="en-US" sz="3600" i="1" dirty="0" smtClean="0">
+                            <a:rPr lang="en-US" sz="2543" i="1" dirty="0">
                               <a:latin typeface="Cambria Math" panose="02040503050406030204" pitchFamily="18" charset="0"/>
                             </a:rPr>
                             <m:t>𝑀</m:t>
                           </m:r>
                           <m:r>
-                            <a:rPr lang="en-US" sz="3600" i="1" dirty="0" smtClean="0">
+                            <a:rPr lang="en-US" sz="2543" i="1" dirty="0">
                               <a:latin typeface="Cambria Math" panose="02040503050406030204" pitchFamily="18" charset="0"/>
                             </a:rPr>
                             <m:t>’, </m:t>
                           </m:r>
                           <m:r>
-                            <a:rPr lang="en-US" sz="3600" i="1" dirty="0">
+                            <a:rPr lang="en-US" sz="2543" i="1" dirty="0">
                               <a:solidFill>
                                 <a:schemeClr val="accent6"/>
                               </a:solidFill>
@@ -17351,13 +17311,13 @@
                             <m:t>𝐸𝑁</m:t>
                           </m:r>
                           <m:r>
-                            <a:rPr lang="en-US" sz="3600" i="1" dirty="0">
+                            <a:rPr lang="en-US" sz="2543" i="1" dirty="0">
                               <a:latin typeface="Cambria Math" panose="02040503050406030204" pitchFamily="18" charset="0"/>
                             </a:rPr>
                             <m:t>, </m:t>
                           </m:r>
                           <m:r>
-                            <a:rPr lang="en-US" sz="3600" i="1" dirty="0">
+                            <a:rPr lang="en-US" sz="2543" i="1" dirty="0">
                               <a:solidFill>
                                 <a:schemeClr val="accent6"/>
                               </a:solidFill>
@@ -17366,7 +17326,7 @@
                             <m:t>𝐼𝑁</m:t>
                           </m:r>
                           <m:r>
-                            <a:rPr lang="en-US" sz="3600" i="1" dirty="0">
+                            <a:rPr lang="en-US" sz="2543" i="1" dirty="0">
                               <a:latin typeface="Cambria Math" panose="02040503050406030204" pitchFamily="18" charset="0"/>
                             </a:rPr>
                             <m:t>, </m:t>
@@ -17374,7 +17334,7 @@
                           <m:sSub>
                             <m:sSubPr>
                               <m:ctrlPr>
-                                <a:rPr lang="en-CA" sz="3600" i="1" dirty="0" smtClean="0">
+                                <a:rPr lang="en-CA" sz="2543" i="1" dirty="0">
                                   <a:solidFill>
                                     <a:srgbClr val="FF0000"/>
                                   </a:solidFill>
@@ -17388,7 +17348,7 @@
                                   <m:begChr m:val="["/>
                                   <m:endChr m:val="]"/>
                                   <m:ctrlPr>
-                                    <a:rPr lang="en-US" sz="3600" i="1" dirty="0">
+                                    <a:rPr lang="en-US" sz="2543" i="1" dirty="0">
                                       <a:solidFill>
                                         <a:srgbClr val="FF0000"/>
                                       </a:solidFill>
@@ -17398,7 +17358,7 @@
                                 </m:dPr>
                                 <m:e>
                                   <m:r>
-                                    <a:rPr lang="en-US" sz="3600" i="1" dirty="0">
+                                    <a:rPr lang="en-US" sz="2543" i="1" dirty="0">
                                       <a:solidFill>
                                         <a:srgbClr val="FF0000"/>
                                       </a:solidFill>
@@ -17409,7 +17369,7 @@
                                   <m:sSub>
                                     <m:sSubPr>
                                       <m:ctrlPr>
-                                        <a:rPr lang="en-CA" sz="3600" i="1" dirty="0">
+                                        <a:rPr lang="en-CA" sz="2543" i="1" dirty="0">
                                           <a:solidFill>
                                             <a:srgbClr val="FF0000"/>
                                           </a:solidFill>
@@ -17419,7 +17379,7 @@
                                     </m:sSubPr>
                                     <m:e>
                                       <m:r>
-                                        <a:rPr lang="en-US" sz="3600" i="1" dirty="0">
+                                        <a:rPr lang="en-US" sz="2543" i="1" dirty="0">
                                           <a:solidFill>
                                             <a:srgbClr val="FF0000"/>
                                           </a:solidFill>
@@ -17430,7 +17390,7 @@
                                     </m:e>
                                     <m:sub>
                                       <m:r>
-                                        <a:rPr lang="en-CA" sz="3600" i="1" dirty="0">
+                                        <a:rPr lang="en-CA" sz="2543" i="1" dirty="0">
                                           <a:solidFill>
                                             <a:srgbClr val="FF0000"/>
                                           </a:solidFill>
@@ -17445,7 +17405,7 @@
                             </m:e>
                             <m:sub>
                               <m:r>
-                                <a:rPr lang="en-CA" sz="3600" b="0" i="1" dirty="0" smtClean="0">
+                                <a:rPr lang="en-CA" sz="2543" i="1" dirty="0">
                                   <a:solidFill>
                                     <a:srgbClr val="FF0000"/>
                                   </a:solidFill>
@@ -17456,19 +17416,19 @@
                             </m:sub>
                           </m:sSub>
                           <m:r>
-                            <a:rPr lang="en-US" sz="3600" i="1" dirty="0" smtClean="0">
+                            <a:rPr lang="en-US" sz="2543" i="1" dirty="0">
                               <a:latin typeface="Cambria Math" panose="02040503050406030204" pitchFamily="18" charset="0"/>
                             </a:rPr>
                             <m:t>, </m:t>
                           </m:r>
                           <m:r>
-                            <a:rPr lang="en-CA" sz="3600" i="1">
+                            <a:rPr lang="en-CA" sz="2543" i="1">
                               <a:latin typeface="Cambria Math" panose="02040503050406030204" pitchFamily="18" charset="0"/>
                             </a:rPr>
                             <m:t>𝜋</m:t>
                           </m:r>
                           <m:r>
-                            <a:rPr lang="en-CA" sz="3600" b="0" i="1" smtClean="0">
+                            <a:rPr lang="en-CA" sz="2543" i="1">
                               <a:latin typeface="Cambria Math" panose="02040503050406030204" pitchFamily="18" charset="0"/>
                             </a:rPr>
                             <m:t>′</m:t>
@@ -17476,7 +17436,7 @@
                         </m:oMath>
                       </m:oMathPara>
                     </a14:m>
-                    <a:endParaRPr lang="en-US" sz="3600" dirty="0">
+                    <a:endParaRPr lang="en-US" sz="2543" dirty="0">
                       <a:latin typeface="Times" pitchFamily="2" charset="0"/>
                     </a:endParaRPr>
                   </a:p>
@@ -17500,8 +17460,8 @@
                 </p:nvSpPr>
                 <p:spPr>
                   <a:xfrm>
-                    <a:off x="25219522" y="21726215"/>
-                    <a:ext cx="4316503" cy="646331"/>
+                    <a:off x="25219522" y="21726214"/>
+                    <a:ext cx="4397421" cy="684591"/>
                   </a:xfrm>
                   <a:prstGeom prst="rect">
                     <a:avLst/>
@@ -17509,7 +17469,7 @@
                   <a:blipFill>
                     <a:blip r:embed="rId22"/>
                     <a:stretch>
-                      <a:fillRect r="-294" b="-3922"/>
+                      <a:fillRect/>
                     </a:stretch>
                   </a:blipFill>
                 </p:spPr>
@@ -17586,7 +17546,7 @@
                 <p:spPr>
                   <a:xfrm>
                     <a:off x="19923842" y="24289952"/>
-                    <a:ext cx="3367460" cy="646331"/>
+                    <a:ext cx="3442009" cy="684591"/>
                   </a:xfrm>
                   <a:prstGeom prst="rect">
                     <a:avLst/>
@@ -17606,7 +17566,7 @@
                         </m:oMathParaPr>
                         <m:oMath xmlns:m="http://schemas.openxmlformats.org/officeDocument/2006/math">
                           <m:r>
-                            <a:rPr lang="en-US" sz="3600" i="1" dirty="0">
+                            <a:rPr lang="en-US" sz="2543" i="1" dirty="0">
                               <a:latin typeface="Cambria Math" panose="02040503050406030204" pitchFamily="18" charset="0"/>
                             </a:rPr>
                             <m:t>𝑃</m:t>
@@ -17614,14 +17574,14 @@
                           <m:sSub>
                             <m:sSubPr>
                               <m:ctrlPr>
-                                <a:rPr lang="en-CA" sz="3600" i="1" dirty="0">
+                                <a:rPr lang="en-CA" sz="2543" i="1" dirty="0">
                                   <a:latin typeface="Cambria Math" panose="02040503050406030204" pitchFamily="18" charset="0"/>
                                 </a:rPr>
                               </m:ctrlPr>
                             </m:sSubPr>
                             <m:e>
                               <m:r>
-                                <a:rPr lang="en-US" sz="3600" i="1" dirty="0">
+                                <a:rPr lang="en-US" sz="2543" i="1" dirty="0">
                                   <a:latin typeface="Cambria Math" panose="02040503050406030204" pitchFamily="18" charset="0"/>
                                 </a:rPr>
                                 <m:t>𝐾</m:t>
@@ -17629,7 +17589,7 @@
                             </m:e>
                             <m:sub>
                               <m:r>
-                                <a:rPr lang="en-US" sz="3600" i="1" dirty="0">
+                                <a:rPr lang="en-US" sz="2543" i="1" dirty="0">
                                   <a:latin typeface="Cambria Math" panose="02040503050406030204" pitchFamily="18" charset="0"/>
                                 </a:rPr>
                                 <m:t>1</m:t>
@@ -17637,25 +17597,25 @@
                             </m:sub>
                           </m:sSub>
                           <m:r>
-                            <a:rPr lang="en-US" sz="3600" i="1" dirty="0">
+                            <a:rPr lang="en-US" sz="2543" i="1" dirty="0">
                               <a:latin typeface="Cambria Math" panose="02040503050406030204" pitchFamily="18" charset="0"/>
                             </a:rPr>
                             <m:t> = </m:t>
                           </m:r>
                           <m:r>
-                            <a:rPr lang="en-US" sz="3600" i="1" dirty="0">
+                            <a:rPr lang="en-US" sz="2543" i="1" dirty="0">
                               <a:latin typeface="Cambria Math" panose="02040503050406030204" pitchFamily="18" charset="0"/>
                             </a:rPr>
                             <m:t>𝐻</m:t>
                           </m:r>
                           <m:r>
-                            <a:rPr lang="en-US" sz="3600" i="1" dirty="0">
+                            <a:rPr lang="en-US" sz="2543" i="1" dirty="0">
                               <a:latin typeface="Cambria Math" panose="02040503050406030204" pitchFamily="18" charset="0"/>
                             </a:rPr>
                             <m:t>(</m:t>
                           </m:r>
                           <m:r>
-                            <a:rPr lang="en-US" sz="3600" i="1" dirty="0">
+                            <a:rPr lang="en-US" sz="2543" i="1" dirty="0">
                               <a:latin typeface="Cambria Math" panose="02040503050406030204" pitchFamily="18" charset="0"/>
                             </a:rPr>
                             <m:t>𝑆</m:t>
@@ -17663,14 +17623,14 @@
                           <m:sSub>
                             <m:sSubPr>
                               <m:ctrlPr>
-                                <a:rPr lang="en-CA" sz="3600" i="1" dirty="0">
+                                <a:rPr lang="en-CA" sz="2543" i="1" dirty="0">
                                   <a:latin typeface="Cambria Math" panose="02040503050406030204" pitchFamily="18" charset="0"/>
                                 </a:rPr>
                               </m:ctrlPr>
                             </m:sSubPr>
                             <m:e>
                               <m:r>
-                                <a:rPr lang="en-US" sz="3600" i="1" dirty="0">
+                                <a:rPr lang="en-US" sz="2543" i="1" dirty="0">
                                   <a:latin typeface="Cambria Math" panose="02040503050406030204" pitchFamily="18" charset="0"/>
                                 </a:rPr>
                                 <m:t>𝐾</m:t>
@@ -17678,7 +17638,7 @@
                             </m:e>
                             <m:sub>
                               <m:r>
-                                <a:rPr lang="en-US" sz="3600" i="1" dirty="0">
+                                <a:rPr lang="en-US" sz="2543" i="1" dirty="0">
                                   <a:latin typeface="Cambria Math" panose="02040503050406030204" pitchFamily="18" charset="0"/>
                                 </a:rPr>
                                 <m:t>1</m:t>
@@ -17686,7 +17646,7 @@
                             </m:sub>
                           </m:sSub>
                           <m:r>
-                            <a:rPr lang="en-US" sz="3600" i="1" dirty="0">
+                            <a:rPr lang="en-US" sz="2543" i="1" dirty="0">
                               <a:latin typeface="Cambria Math" panose="02040503050406030204" pitchFamily="18" charset="0"/>
                             </a:rPr>
                             <m:t>)</m:t>
@@ -17694,7 +17654,7 @@
                         </m:oMath>
                       </m:oMathPara>
                     </a14:m>
-                    <a:endParaRPr lang="en-US" sz="3600" dirty="0">
+                    <a:endParaRPr lang="en-US" sz="2543" dirty="0">
                       <a:latin typeface="Times" pitchFamily="2" charset="0"/>
                     </a:endParaRPr>
                   </a:p>
@@ -17719,7 +17679,7 @@
                 <p:spPr>
                   <a:xfrm>
                     <a:off x="19923842" y="24289952"/>
-                    <a:ext cx="3367460" cy="646331"/>
+                    <a:ext cx="3442009" cy="684591"/>
                   </a:xfrm>
                   <a:prstGeom prst="rect">
                     <a:avLst/>
@@ -17727,7 +17687,7 @@
                   <a:blipFill>
                     <a:blip r:embed="rId23"/>
                     <a:stretch>
-                      <a:fillRect t="-1923" r="-1504" b="-23077"/>
+                      <a:fillRect b="-15385"/>
                     </a:stretch>
                   </a:blipFill>
                 </p:spPr>
@@ -17808,7 +17768,7 @@
             <p:spPr>
               <a:xfrm>
                 <a:off x="15696771" y="19283363"/>
-                <a:ext cx="14000247" cy="769441"/>
+                <a:ext cx="14000247" cy="807930"/>
               </a:xfrm>
               <a:prstGeom prst="rect">
                 <a:avLst/>
@@ -17823,7 +17783,7 @@
               <a:p>
                 <a:pPr algn="ctr"/>
                 <a:r>
-                  <a:rPr lang="en-US" sz="4400" b="1" dirty="0">
+                  <a:rPr lang="en-US" sz="3109" b="1" dirty="0">
                     <a:latin typeface="Times" pitchFamily="2" charset="0"/>
                   </a:rPr>
                   <a:t>Double Signaling and Slashing</a:t>
@@ -17846,7 +17806,7 @@
             <p:spPr>
               <a:xfrm>
                 <a:off x="15647281" y="11320503"/>
-                <a:ext cx="14000247" cy="769441"/>
+                <a:ext cx="14000247" cy="807930"/>
               </a:xfrm>
               <a:prstGeom prst="rect">
                 <a:avLst/>
@@ -17861,7 +17821,7 @@
               <a:p>
                 <a:pPr algn="ctr"/>
                 <a:r>
-                  <a:rPr lang="en-US" sz="4400" b="1" dirty="0">
+                  <a:rPr lang="en-US" sz="3109" b="1" dirty="0">
                     <a:latin typeface="Times" pitchFamily="2" charset="0"/>
                   </a:rPr>
                   <a:t>Anonymous Signaling</a:t>
@@ -17885,10 +17845,10 @@
         </p:nvGrpSpPr>
         <p:grpSpPr>
           <a:xfrm>
-            <a:off x="15182119" y="24584446"/>
-            <a:ext cx="15603702" cy="7607685"/>
+            <a:off x="10726064" y="17389431"/>
+            <a:ext cx="11023910" cy="5401715"/>
             <a:chOff x="15056359" y="23254188"/>
-            <a:chExt cx="15603702" cy="7607685"/>
+            <a:chExt cx="15603702" cy="7645813"/>
           </a:xfrm>
         </p:grpSpPr>
         <p:pic>
@@ -18278,7 +18238,7 @@
               <p:spPr>
                 <a:xfrm>
                   <a:off x="21620449" y="24433534"/>
-                  <a:ext cx="9039612" cy="584775"/>
+                  <a:ext cx="9039612" cy="623147"/>
                 </a:xfrm>
                 <a:prstGeom prst="rect">
                   <a:avLst/>
@@ -18292,7 +18252,7 @@
                 <a:lstStyle/>
                 <a:p>
                   <a:r>
-                    <a:rPr lang="en-US" sz="3200" dirty="0">
+                    <a:rPr lang="en-US" sz="2261" dirty="0">
                       <a:latin typeface="Times" pitchFamily="2" charset="0"/>
                     </a:rPr>
                     <a:t>Membership Contract </a:t>
@@ -18300,7 +18260,7 @@
                   <a14:m>
                     <m:oMath xmlns:m="http://schemas.openxmlformats.org/officeDocument/2006/math">
                       <m:r>
-                        <a:rPr lang="en-US" sz="3200" i="1" dirty="0">
+                        <a:rPr lang="en-US" sz="2261" i="1" dirty="0">
                           <a:latin typeface="Cambria Math" panose="02040503050406030204" pitchFamily="18" charset="0"/>
                         </a:rPr>
                         <m:t>𝑃</m:t>
@@ -18308,14 +18268,14 @@
                       <m:sSub>
                         <m:sSubPr>
                           <m:ctrlPr>
-                            <a:rPr lang="en-CA" sz="3200" i="1" dirty="0">
+                            <a:rPr lang="en-CA" sz="2261" i="1" dirty="0">
                               <a:latin typeface="Cambria Math" panose="02040503050406030204" pitchFamily="18" charset="0"/>
                             </a:rPr>
                           </m:ctrlPr>
                         </m:sSubPr>
                         <m:e>
                           <m:r>
-                            <a:rPr lang="en-US" sz="3200" i="1" dirty="0">
+                            <a:rPr lang="en-US" sz="2261" i="1" dirty="0">
                               <a:latin typeface="Cambria Math" panose="02040503050406030204" pitchFamily="18" charset="0"/>
                             </a:rPr>
                             <m:t>𝐾</m:t>
@@ -18323,7 +18283,7 @@
                         </m:e>
                         <m:sub>
                           <m:r>
-                            <a:rPr lang="en-US" sz="3200" i="1" dirty="0">
+                            <a:rPr lang="en-US" sz="2261" i="1" dirty="0">
                               <a:latin typeface="Cambria Math" panose="02040503050406030204" pitchFamily="18" charset="0"/>
                             </a:rPr>
                             <m:t>1</m:t>
@@ -18331,7 +18291,7 @@
                         </m:sub>
                       </m:sSub>
                       <m:r>
-                        <a:rPr lang="en-US" sz="3200" i="1" dirty="0">
+                        <a:rPr lang="en-US" sz="2261" i="1" dirty="0">
                           <a:latin typeface="Cambria Math" panose="02040503050406030204" pitchFamily="18" charset="0"/>
                         </a:rPr>
                         <m:t> </m:t>
@@ -18339,19 +18299,19 @@
                     </m:oMath>
                   </a14:m>
                   <a:r>
-                    <a:rPr lang="en-US" sz="3200" dirty="0">
+                    <a:rPr lang="en-US" sz="2261" dirty="0">
                       <a:latin typeface="Times" pitchFamily="2" charset="0"/>
                     </a:rPr>
                     <a:t>,…,</a:t>
                   </a:r>
                   <a:r>
-                    <a:rPr lang="en-US" sz="3200" dirty="0"/>
+                    <a:rPr lang="en-US" sz="2261" dirty="0"/>
                     <a:t> </a:t>
                   </a:r>
                   <a14:m>
                     <m:oMath xmlns:m="http://schemas.openxmlformats.org/officeDocument/2006/math">
                       <m:r>
-                        <a:rPr lang="en-US" sz="3200" i="1" dirty="0">
+                        <a:rPr lang="en-US" sz="2261" i="1" dirty="0">
                           <a:latin typeface="Cambria Math" panose="02040503050406030204" pitchFamily="18" charset="0"/>
                         </a:rPr>
                         <m:t>𝑃</m:t>
@@ -18359,14 +18319,14 @@
                       <m:sSub>
                         <m:sSubPr>
                           <m:ctrlPr>
-                            <a:rPr lang="en-CA" sz="3200" i="1" dirty="0">
+                            <a:rPr lang="en-CA" sz="2261" i="1" dirty="0">
                               <a:latin typeface="Cambria Math" panose="02040503050406030204" pitchFamily="18" charset="0"/>
                             </a:rPr>
                           </m:ctrlPr>
                         </m:sSubPr>
                         <m:e>
                           <m:r>
-                            <a:rPr lang="en-US" sz="3200" i="1" dirty="0">
+                            <a:rPr lang="en-US" sz="2261" i="1" dirty="0">
                               <a:latin typeface="Cambria Math" panose="02040503050406030204" pitchFamily="18" charset="0"/>
                             </a:rPr>
                             <m:t>𝐾</m:t>
@@ -18374,7 +18334,7 @@
                         </m:e>
                         <m:sub>
                           <m:r>
-                            <a:rPr lang="en-CA" sz="3200" b="0" i="1" dirty="0" smtClean="0">
+                            <a:rPr lang="en-CA" sz="2261" i="1" dirty="0">
                               <a:latin typeface="Cambria Math" panose="02040503050406030204" pitchFamily="18" charset="0"/>
                             </a:rPr>
                             <m:t>𝑛</m:t>
@@ -18382,14 +18342,14 @@
                         </m:sub>
                       </m:sSub>
                       <m:r>
-                        <a:rPr lang="en-US" sz="3200" i="1" dirty="0">
+                        <a:rPr lang="en-US" sz="2261" i="1" dirty="0">
                           <a:latin typeface="Cambria Math" panose="02040503050406030204" pitchFamily="18" charset="0"/>
                         </a:rPr>
                         <m:t> </m:t>
                       </m:r>
                     </m:oMath>
                   </a14:m>
-                  <a:endParaRPr lang="en-US" sz="3200" dirty="0">
+                  <a:endParaRPr lang="en-US" sz="2261" dirty="0">
                     <a:latin typeface="Times" pitchFamily="2" charset="0"/>
                   </a:endParaRPr>
                 </a:p>
@@ -18414,7 +18374,7 @@
               <p:spPr>
                 <a:xfrm>
                   <a:off x="21620449" y="24433534"/>
-                  <a:ext cx="9039612" cy="584775"/>
+                  <a:ext cx="9039612" cy="623147"/>
                 </a:xfrm>
                 <a:prstGeom prst="rect">
                   <a:avLst/>
@@ -18422,7 +18382,7 @@
                 <a:blipFill>
                   <a:blip r:embed="rId26"/>
                   <a:stretch>
-                    <a:fillRect l="-1685" t="-12766" b="-34043"/>
+                    <a:fillRect l="-1190" t="-5556" b="-30556"/>
                   </a:stretch>
                 </a:blipFill>
               </p:spPr>
@@ -18497,9 +18457,9 @@
           <p:grpSpPr>
             <a:xfrm>
               <a:off x="19300749" y="25305513"/>
-              <a:ext cx="1490362" cy="618178"/>
+              <a:ext cx="1490362" cy="625603"/>
               <a:chOff x="20064241" y="22989520"/>
-              <a:chExt cx="1542757" cy="618178"/>
+              <a:chExt cx="1542757" cy="625603"/>
             </a:xfrm>
           </p:grpSpPr>
           <mc:AlternateContent xmlns:mc="http://schemas.openxmlformats.org/markup-compatibility/2006">
@@ -18519,7 +18479,7 @@
                 <p:spPr>
                   <a:xfrm>
                     <a:off x="20064241" y="22991977"/>
-                    <a:ext cx="1080308" cy="584775"/>
+                    <a:ext cx="1080308" cy="623146"/>
                   </a:xfrm>
                   <a:prstGeom prst="rect">
                     <a:avLst/>
@@ -18533,8 +18493,7 @@
                   <a:p>
                     <a:pPr algn="ctr"/>
                     <a:r>
-                      <a:rPr lang="en-CA" sz="3200" dirty="0">
-                        <a:effectLst/>
+                      <a:rPr lang="en-CA" sz="2261" dirty="0">
                         <a:latin typeface="Times" pitchFamily="2" charset="0"/>
                       </a:rPr>
                       <a:t> </a:t>
@@ -18542,8 +18501,7 @@
                     <a14:m>
                       <m:oMath xmlns:m="http://schemas.openxmlformats.org/officeDocument/2006/math">
                         <m:r>
-                          <a:rPr lang="en-CA" sz="3200" i="1" dirty="0" smtClean="0">
-                            <a:effectLst/>
+                          <a:rPr lang="en-CA" sz="2261" i="1" dirty="0">
                             <a:latin typeface="Cambria Math" panose="02040503050406030204" pitchFamily="18" charset="0"/>
                           </a:rPr>
                           <m:t>𝑃𝐾</m:t>
@@ -18551,8 +18509,7 @@
                       </m:oMath>
                     </a14:m>
                     <a:r>
-                      <a:rPr lang="en-CA" sz="3200" dirty="0">
-                        <a:effectLst/>
+                      <a:rPr lang="en-CA" sz="2261" dirty="0">
                         <a:latin typeface="Times" pitchFamily="2" charset="0"/>
                       </a:rPr>
                       <a:t>, </a:t>
@@ -18579,7 +18536,7 @@
                 <p:spPr>
                   <a:xfrm>
                     <a:off x="20064241" y="22991977"/>
-                    <a:ext cx="1080308" cy="584775"/>
+                    <a:ext cx="1080308" cy="623146"/>
                   </a:xfrm>
                   <a:prstGeom prst="rect">
                     <a:avLst/>
@@ -18587,7 +18544,7 @@
                   <a:blipFill>
                     <a:blip r:embed="rId27"/>
                     <a:stretch>
-                      <a:fillRect t="-12766" r="-19277" b="-34043"/>
+                      <a:fillRect t="-5556" r="-20339" b="-27778"/>
                     </a:stretch>
                   </a:blipFill>
                 </p:spPr>
@@ -18652,7 +18609,7 @@
           <p:spPr>
             <a:xfrm>
               <a:off x="15150983" y="24412972"/>
-              <a:ext cx="4737605" cy="1384995"/>
+              <a:ext cx="4737605" cy="1423181"/>
             </a:xfrm>
             <a:prstGeom prst="rect">
               <a:avLst/>
@@ -18666,15 +18623,11 @@
             <a:p>
               <a:pPr algn="ctr"/>
               <a:r>
-                <a:rPr lang="en-CA" sz="2800" dirty="0">
+                <a:rPr lang="en-CA" sz="1978" dirty="0">
                   <a:latin typeface="Times" pitchFamily="2" charset="0"/>
                 </a:rPr>
                 <a:t>(1) A publishing peer registers to the group and locks some funds        </a:t>
               </a:r>
-              <a:endParaRPr lang="en-CA" sz="2800" dirty="0">
-                <a:effectLst/>
-                <a:latin typeface="Times" pitchFamily="2" charset="0"/>
-              </a:endParaRPr>
             </a:p>
           </p:txBody>
         </p:sp>
@@ -18755,7 +18708,7 @@
               <p:spPr>
                 <a:xfrm>
                   <a:off x="15149488" y="28568785"/>
-                  <a:ext cx="3825685" cy="1384995"/>
+                  <a:ext cx="3825686" cy="1423181"/>
                 </a:xfrm>
                 <a:prstGeom prst="rect">
                   <a:avLst/>
@@ -18769,30 +18722,22 @@
                 <a:p>
                   <a:pPr algn="ctr"/>
                   <a:r>
-                    <a:rPr lang="en-CA" sz="2800" dirty="0">
-                      <a:effectLst/>
+                    <a:rPr lang="en-CA" sz="1978" dirty="0">
                       <a:latin typeface="Times" pitchFamily="2" charset="0"/>
                     </a:rPr>
-                    <a:t>(4) A spammer publishes messages A</a:t>
-                  </a:r>
-                  <a:r>
-                    <a:rPr lang="en-CA" sz="2800" dirty="0">
-                      <a:latin typeface="Times" pitchFamily="2" charset="0"/>
-                    </a:rPr>
-                    <a:t> and B in the same </a:t>
+                    <a:t>(4) A spammer publishes messages A and B in the same </a:t>
                   </a:r>
                   <a14:m>
                     <m:oMath xmlns:m="http://schemas.openxmlformats.org/officeDocument/2006/math">
                       <m:r>
-                        <a:rPr lang="en-CA" sz="2800" i="1" dirty="0" smtClean="0">
+                        <a:rPr lang="en-CA" sz="1978" i="1" dirty="0">
                           <a:latin typeface="Cambria Math" panose="02040503050406030204" pitchFamily="18" charset="0"/>
                         </a:rPr>
                         <m:t>𝐸𝑝𝑜𝑐h</m:t>
                       </m:r>
                     </m:oMath>
                   </a14:m>
-                  <a:endParaRPr lang="en-CA" sz="2800" dirty="0">
-                    <a:effectLst/>
+                  <a:endParaRPr lang="en-CA" sz="1978" dirty="0">
                     <a:latin typeface="Times" pitchFamily="2" charset="0"/>
                   </a:endParaRPr>
                 </a:p>
@@ -18817,7 +18762,7 @@
               <p:spPr>
                 <a:xfrm>
                   <a:off x="15149488" y="28568785"/>
-                  <a:ext cx="3825685" cy="1384995"/>
+                  <a:ext cx="3825686" cy="1423181"/>
                 </a:xfrm>
                 <a:prstGeom prst="rect">
                   <a:avLst/>
@@ -18825,7 +18770,7 @@
                 <a:blipFill>
                   <a:blip r:embed="rId30"/>
                   <a:stretch>
-                    <a:fillRect l="-1987" t="-4545" r="-4636" b="-11818"/>
+                    <a:fillRect l="-1869" t="-3797" r="-4673" b="-11392"/>
                   </a:stretch>
                 </a:blipFill>
               </p:spPr>
@@ -18858,8 +18803,8 @@
           </p:nvSpPr>
           <p:spPr>
             <a:xfrm>
-              <a:off x="19863751" y="29045991"/>
-              <a:ext cx="3444403" cy="1815882"/>
+              <a:off x="19863751" y="29045990"/>
+              <a:ext cx="3444402" cy="1854011"/>
             </a:xfrm>
             <a:prstGeom prst="rect">
               <a:avLst/>
@@ -18873,20 +18818,13 @@
             <a:p>
               <a:pPr algn="ctr"/>
               <a:r>
-                <a:rPr lang="en-CA" sz="2800" dirty="0">
-                  <a:effectLst/>
+                <a:rPr lang="en-CA" sz="1978" dirty="0">
                   <a:latin typeface="Times" pitchFamily="2" charset="0"/>
                 </a:rPr>
-                <a:t>(5) The routing peer </a:t>
+                <a:t>(5) The routing peer identifies message B as a spam and does not relay. </a:t>
               </a:r>
               <a:r>
-                <a:rPr lang="en-CA" sz="2800" dirty="0">
-                  <a:latin typeface="Times" pitchFamily="2" charset="0"/>
-                </a:rPr>
-                <a:t>identifies message B as a spam and does not relay. </a:t>
-              </a:r>
-              <a:r>
-                <a:rPr lang="en-CA" sz="2800" dirty="0">
+                <a:rPr lang="en-CA" sz="1978" dirty="0">
                   <a:solidFill>
                     <a:srgbClr val="C00000"/>
                   </a:solidFill>
@@ -18894,8 +18832,7 @@
                 </a:rPr>
                 <a:t> </a:t>
               </a:r>
-              <a:endParaRPr lang="en-CA" sz="2800" dirty="0">
-                <a:effectLst/>
+              <a:endParaRPr lang="en-CA" sz="1978" dirty="0">
                 <a:latin typeface="Times" pitchFamily="2" charset="0"/>
               </a:endParaRPr>
             </a:p>
@@ -18916,7 +18853,7 @@
           <p:spPr>
             <a:xfrm>
               <a:off x="26829261" y="26535431"/>
-              <a:ext cx="426020" cy="707886"/>
+              <a:ext cx="426020" cy="746215"/>
             </a:xfrm>
             <a:prstGeom prst="rect">
               <a:avLst/>
@@ -18930,7 +18867,7 @@
             <a:lstStyle/>
             <a:p>
               <a:r>
-                <a:rPr lang="en-US" sz="4000" dirty="0">
+                <a:rPr lang="en-US" sz="2826" dirty="0">
                   <a:latin typeface="Times" pitchFamily="2" charset="0"/>
                 </a:rPr>
                 <a:t>…</a:t>
@@ -19021,7 +18958,7 @@
           <p:spPr>
             <a:xfrm>
               <a:off x="19306848" y="27569459"/>
-              <a:ext cx="1333735" cy="646331"/>
+              <a:ext cx="1333735" cy="684591"/>
             </a:xfrm>
             <a:prstGeom prst="rect">
               <a:avLst/>
@@ -19035,8 +18972,7 @@
             <a:p>
               <a:pPr algn="ctr"/>
               <a:r>
-                <a:rPr lang="en-CA" sz="3600" dirty="0">
-                  <a:effectLst/>
+                <a:rPr lang="en-CA" sz="2543" dirty="0">
                   <a:latin typeface="Times" pitchFamily="2" charset="0"/>
                 </a:rPr>
                 <a:t>A</a:t>
@@ -19059,7 +18995,7 @@
           <p:spPr>
             <a:xfrm>
               <a:off x="19196503" y="28584996"/>
-              <a:ext cx="1333735" cy="646331"/>
+              <a:ext cx="1333735" cy="684591"/>
             </a:xfrm>
             <a:prstGeom prst="rect">
               <a:avLst/>
@@ -19073,7 +19009,7 @@
             <a:p>
               <a:pPr algn="ctr"/>
               <a:r>
-                <a:rPr lang="en-CA" sz="3600" dirty="0">
+                <a:rPr lang="en-CA" sz="2543" dirty="0">
                   <a:solidFill>
                     <a:schemeClr val="accent2"/>
                   </a:solidFill>
@@ -19081,13 +19017,6 @@
                 </a:rPr>
                 <a:t>B</a:t>
               </a:r>
-              <a:endParaRPr lang="en-CA" sz="3600" dirty="0">
-                <a:solidFill>
-                  <a:schemeClr val="accent2"/>
-                </a:solidFill>
-                <a:effectLst/>
-                <a:latin typeface="Times" pitchFamily="2" charset="0"/>
-              </a:endParaRPr>
             </a:p>
           </p:txBody>
         </p:sp>
@@ -19135,8 +19064,8 @@
           </p:nvSpPr>
           <p:spPr>
             <a:xfrm>
-              <a:off x="22458663" y="27701208"/>
-              <a:ext cx="1333735" cy="646331"/>
+              <a:off x="22458663" y="27701207"/>
+              <a:ext cx="1333735" cy="684591"/>
             </a:xfrm>
             <a:prstGeom prst="rect">
               <a:avLst/>
@@ -19150,8 +19079,7 @@
             <a:p>
               <a:pPr algn="ctr"/>
               <a:r>
-                <a:rPr lang="en-CA" sz="3600" dirty="0">
-                  <a:effectLst/>
+                <a:rPr lang="en-CA" sz="2543" dirty="0">
                   <a:latin typeface="Times" pitchFamily="2" charset="0"/>
                 </a:rPr>
                 <a:t>A</a:t>
@@ -19292,7 +19220,7 @@
               <p:spPr>
                 <a:xfrm>
                   <a:off x="15056359" y="26405387"/>
-                  <a:ext cx="5224507" cy="954107"/>
+                  <a:ext cx="5314352" cy="992351"/>
                 </a:xfrm>
                 <a:prstGeom prst="rect">
                   <a:avLst/>
@@ -19308,7 +19236,7 @@
                     <a:defRPr/>
                   </a:pPr>
                   <a:r>
-                    <a:rPr lang="en-US" sz="2800" dirty="0">
+                    <a:rPr lang="en-US" sz="1978" dirty="0">
                       <a:latin typeface="Times" pitchFamily="2" charset="0"/>
                     </a:rPr>
                     <a:t>(2) Each message is an RLN signal</a:t>
@@ -19323,37 +19251,37 @@
                       </m:oMathParaPr>
                       <m:oMath xmlns:m="http://schemas.openxmlformats.org/officeDocument/2006/math">
                         <m:r>
-                          <a:rPr lang="en-US" sz="2800" i="1" dirty="0">
+                          <a:rPr lang="en-US" sz="1978" i="1" dirty="0">
                             <a:latin typeface="Cambria Math" panose="02040503050406030204" pitchFamily="18" charset="0"/>
                           </a:rPr>
                           <m:t>𝑀</m:t>
                         </m:r>
                         <m:r>
-                          <a:rPr lang="en-US" sz="2800" i="1" dirty="0">
+                          <a:rPr lang="en-US" sz="1978" i="1" dirty="0">
                             <a:latin typeface="Cambria Math" panose="02040503050406030204" pitchFamily="18" charset="0"/>
                           </a:rPr>
                           <m:t>, </m:t>
                         </m:r>
                         <m:r>
-                          <a:rPr lang="en-CA" sz="2800" b="0" i="1" dirty="0" smtClean="0">
+                          <a:rPr lang="en-CA" sz="1978" i="1" dirty="0">
                             <a:latin typeface="Cambria Math" panose="02040503050406030204" pitchFamily="18" charset="0"/>
                           </a:rPr>
                           <m:t>𝐸𝑝𝑜𝑐h</m:t>
                         </m:r>
                         <m:r>
-                          <a:rPr lang="en-US" sz="2800" i="1" dirty="0">
+                          <a:rPr lang="en-US" sz="1978" i="1" dirty="0">
                             <a:latin typeface="Cambria Math" panose="02040503050406030204" pitchFamily="18" charset="0"/>
                           </a:rPr>
                           <m:t>, </m:t>
                         </m:r>
                         <m:r>
-                          <a:rPr lang="en-US" sz="2800" i="1" dirty="0">
+                          <a:rPr lang="en-US" sz="1978" i="1" dirty="0">
                             <a:latin typeface="Cambria Math" panose="02040503050406030204" pitchFamily="18" charset="0"/>
                           </a:rPr>
                           <m:t>𝐼𝑁</m:t>
                         </m:r>
                         <m:r>
-                          <a:rPr lang="en-US" sz="2800" i="1" dirty="0">
+                          <a:rPr lang="en-US" sz="1978" i="1" dirty="0">
                             <a:latin typeface="Cambria Math" panose="02040503050406030204" pitchFamily="18" charset="0"/>
                           </a:rPr>
                           <m:t>, </m:t>
@@ -19361,7 +19289,7 @@
                         <m:sSub>
                           <m:sSubPr>
                             <m:ctrlPr>
-                              <a:rPr lang="en-CA" sz="2800" i="1" dirty="0">
+                              <a:rPr lang="en-CA" sz="1978" i="1" dirty="0">
                                 <a:latin typeface="Cambria Math" panose="02040503050406030204" pitchFamily="18" charset="0"/>
                               </a:rPr>
                             </m:ctrlPr>
@@ -19372,20 +19300,20 @@
                                 <m:begChr m:val="["/>
                                 <m:endChr m:val="]"/>
                                 <m:ctrlPr>
-                                  <a:rPr lang="en-US" sz="2800" i="1" dirty="0">
+                                  <a:rPr lang="en-US" sz="1978" i="1" dirty="0">
                                     <a:latin typeface="Cambria Math" panose="02040503050406030204" pitchFamily="18" charset="0"/>
                                   </a:rPr>
                                 </m:ctrlPr>
                               </m:dPr>
                               <m:e>
                                 <m:r>
-                                  <a:rPr lang="en-US" sz="2800" i="1" dirty="0">
+                                  <a:rPr lang="en-US" sz="1978" i="1" dirty="0">
                                     <a:latin typeface="Cambria Math" panose="02040503050406030204" pitchFamily="18" charset="0"/>
                                   </a:rPr>
                                   <m:t>𝑆</m:t>
                                 </m:r>
                                 <m:r>
-                                  <a:rPr lang="en-CA" sz="2800" b="0" i="1" dirty="0" smtClean="0">
+                                  <a:rPr lang="en-CA" sz="1978" i="1" dirty="0">
                                     <a:latin typeface="Cambria Math" panose="02040503050406030204" pitchFamily="18" charset="0"/>
                                   </a:rPr>
                                   <m:t>𝐾</m:t>
@@ -19395,7 +19323,7 @@
                           </m:e>
                           <m:sub>
                             <m:r>
-                              <a:rPr lang="en-CA" sz="2800" i="1" dirty="0">
+                              <a:rPr lang="en-CA" sz="1978" i="1" dirty="0">
                                 <a:latin typeface="Cambria Math" panose="02040503050406030204" pitchFamily="18" charset="0"/>
                               </a:rPr>
                               <m:t>1</m:t>
@@ -19403,13 +19331,13 @@
                           </m:sub>
                         </m:sSub>
                         <m:r>
-                          <a:rPr lang="en-US" sz="2800" i="1" dirty="0">
+                          <a:rPr lang="en-US" sz="1978" i="1" dirty="0">
                             <a:latin typeface="Cambria Math" panose="02040503050406030204" pitchFamily="18" charset="0"/>
                           </a:rPr>
                           <m:t>, </m:t>
                         </m:r>
                         <m:r>
-                          <a:rPr lang="en-CA" sz="2800" i="1">
+                          <a:rPr lang="en-CA" sz="1978" i="1">
                             <a:latin typeface="Cambria Math" panose="02040503050406030204" pitchFamily="18" charset="0"/>
                           </a:rPr>
                           <m:t>𝜋</m:t>
@@ -19417,7 +19345,7 @@
                       </m:oMath>
                     </m:oMathPara>
                   </a14:m>
-                  <a:endParaRPr lang="en-US" sz="2800" dirty="0">
+                  <a:endParaRPr lang="en-US" sz="1978" dirty="0">
                     <a:latin typeface="Times" pitchFamily="2" charset="0"/>
                   </a:endParaRPr>
                 </a:p>
@@ -19442,7 +19370,7 @@
               <p:spPr>
                 <a:xfrm>
                   <a:off x="15056359" y="26405387"/>
-                  <a:ext cx="5224507" cy="954107"/>
+                  <a:ext cx="5314352" cy="992351"/>
                 </a:xfrm>
                 <a:prstGeom prst="rect">
                   <a:avLst/>
@@ -19450,7 +19378,7 @@
                 <a:blipFill>
                   <a:blip r:embed="rId31"/>
                   <a:stretch>
-                    <a:fillRect l="-2421" t="-8000" r="-1211" b="-9333"/>
+                    <a:fillRect l="-1689" t="-5357" r="-1014" b="-7143"/>
                   </a:stretch>
                 </a:blipFill>
               </p:spPr>
@@ -19648,7 +19576,7 @@
           <p:spPr>
             <a:xfrm>
               <a:off x="21730361" y="25179643"/>
-              <a:ext cx="6119254" cy="1384995"/>
+              <a:ext cx="6119255" cy="1423181"/>
             </a:xfrm>
             <a:prstGeom prst="rect">
               <a:avLst/>
@@ -19662,7 +19590,7 @@
             <a:p>
               <a:pPr algn="ctr"/>
               <a:r>
-                <a:rPr lang="en-CA" sz="2800" dirty="0">
+                <a:rPr lang="en-CA" sz="1978" dirty="0">
                   <a:solidFill>
                     <a:srgbClr val="C00000"/>
                   </a:solidFill>
@@ -19670,8 +19598,7 @@
                 </a:rPr>
                 <a:t> (6) The routing peer recovers  the spammer’s secret key, withdraws its funds and removes it from the group</a:t>
               </a:r>
-              <a:endParaRPr lang="en-CA" sz="2800" dirty="0">
-                <a:effectLst/>
+              <a:endParaRPr lang="en-CA" sz="1978" dirty="0">
                 <a:latin typeface="Times" pitchFamily="2" charset="0"/>
               </a:endParaRPr>
             </a:p>
@@ -19693,8 +19620,8 @@
               </p:nvSpPr>
               <p:spPr>
                 <a:xfrm>
-                  <a:off x="23831034" y="28177985"/>
-                  <a:ext cx="6119254" cy="2677656"/>
+                  <a:off x="23831035" y="28177985"/>
+                  <a:ext cx="6119255" cy="2715669"/>
                 </a:xfrm>
                 <a:prstGeom prst="rect">
                   <a:avLst/>
@@ -19710,7 +19637,7 @@
                     <a:defRPr/>
                   </a:pPr>
                   <a:r>
-                    <a:rPr lang="en-CA" sz="2800" dirty="0">
+                    <a:rPr lang="en-CA" sz="1978" dirty="0">
                       <a:latin typeface="Times" pitchFamily="2" charset="0"/>
                     </a:rPr>
                     <a:t>(3) Each routing peer verifies the proof before relaying:</a:t>
@@ -19721,13 +19648,13 @@
                     <a:defRPr/>
                   </a:pPr>
                   <a:r>
-                    <a:rPr lang="en-US" sz="2800" dirty="0">
+                    <a:rPr lang="en-US" sz="1978" dirty="0">
                       <a:latin typeface="Times" pitchFamily="2" charset="0"/>
                     </a:rPr>
                     <a:t>Checks</a:t>
                   </a:r>
                   <a:r>
-                    <a:rPr lang="en-CA" sz="2800" dirty="0">
+                    <a:rPr lang="en-CA" sz="1978" dirty="0">
                       <a:latin typeface="Times" pitchFamily="2" charset="0"/>
                     </a:rPr>
                     <a:t> </a:t>
@@ -19735,7 +19662,7 @@
                   <a14:m>
                     <m:oMath xmlns:m="http://schemas.openxmlformats.org/officeDocument/2006/math">
                       <m:r>
-                        <a:rPr lang="en-CA" sz="2800" b="1" i="1" dirty="0" smtClean="0">
+                        <a:rPr lang="en-CA" sz="1978" b="1" i="1" dirty="0">
                           <a:latin typeface="Cambria Math" panose="02040503050406030204" pitchFamily="18" charset="0"/>
                         </a:rPr>
                         <m:t>𝑬𝒑𝒐𝒄𝒉</m:t>
@@ -19743,7 +19670,7 @@
                     </m:oMath>
                   </a14:m>
                   <a:r>
-                    <a:rPr lang="en-CA" sz="2800" dirty="0">
+                    <a:rPr lang="en-CA" sz="1978" dirty="0">
                       <a:latin typeface="Times" pitchFamily="2" charset="0"/>
                     </a:rPr>
                     <a:t> against the local </a:t>
@@ -19751,14 +19678,14 @@
                   <a14:m>
                     <m:oMath xmlns:m="http://schemas.openxmlformats.org/officeDocument/2006/math">
                       <m:r>
-                        <a:rPr lang="en-CA" sz="2800" i="1" dirty="0" smtClean="0">
+                        <a:rPr lang="en-CA" sz="1978" i="1" dirty="0">
                           <a:latin typeface="Cambria Math" panose="02040503050406030204" pitchFamily="18" charset="0"/>
                         </a:rPr>
                         <m:t>𝐸𝑝𝑜𝑐h</m:t>
                       </m:r>
                     </m:oMath>
                   </a14:m>
-                  <a:endParaRPr lang="en-CA" sz="2800" dirty="0">
+                  <a:endParaRPr lang="en-CA" sz="1978" dirty="0">
                     <a:latin typeface="Times" pitchFamily="2" charset="0"/>
                   </a:endParaRPr>
                 </a:p>
@@ -19767,7 +19694,7 @@
                     <a:defRPr/>
                   </a:pPr>
                   <a:r>
-                    <a:rPr lang="en-CA" sz="2800" dirty="0">
+                    <a:rPr lang="en-CA" sz="1978" dirty="0">
                       <a:latin typeface="Times" pitchFamily="2" charset="0"/>
                     </a:rPr>
                     <a:t>Checks </a:t>
@@ -19775,7 +19702,7 @@
                   <a14:m>
                     <m:oMath xmlns:m="http://schemas.openxmlformats.org/officeDocument/2006/math">
                       <m:r>
-                        <a:rPr lang="en-CA" sz="2800" b="1" i="1" dirty="0" smtClean="0">
+                        <a:rPr lang="en-CA" sz="1978" b="1" i="1" dirty="0">
                           <a:latin typeface="Cambria Math" panose="02040503050406030204" pitchFamily="18" charset="0"/>
                         </a:rPr>
                         <m:t>𝑰𝑵</m:t>
@@ -19783,7 +19710,7 @@
                     </m:oMath>
                   </a14:m>
                   <a:r>
-                    <a:rPr lang="en-CA" sz="2800" dirty="0">
+                    <a:rPr lang="en-CA" sz="1978" dirty="0">
                       <a:latin typeface="Times" pitchFamily="2" charset="0"/>
                     </a:rPr>
                     <a:t> for double signaling </a:t>
@@ -19794,7 +19721,7 @@
                     <a:defRPr/>
                   </a:pPr>
                   <a:r>
-                    <a:rPr lang="en-CA" sz="2800" dirty="0">
+                    <a:rPr lang="en-CA" sz="1978" dirty="0">
                       <a:latin typeface="Times" pitchFamily="2" charset="0"/>
                     </a:rPr>
                     <a:t>Verifies the RLN proof </a:t>
@@ -19802,21 +19729,20 @@
                   <a14:m>
                     <m:oMath xmlns:m="http://schemas.openxmlformats.org/officeDocument/2006/math">
                       <m:r>
-                        <a:rPr lang="en-CA" sz="2800" b="1" i="1">
+                        <a:rPr lang="en-CA" sz="1978" b="1" i="1">
                           <a:latin typeface="Cambria Math" panose="02040503050406030204" pitchFamily="18" charset="0"/>
                         </a:rPr>
                         <m:t>𝝅</m:t>
                       </m:r>
                     </m:oMath>
                   </a14:m>
-                  <a:endParaRPr lang="en-CA" sz="2800" b="1" dirty="0">
+                  <a:endParaRPr lang="en-CA" sz="1978" b="1" dirty="0">
                     <a:latin typeface="Times" pitchFamily="2" charset="0"/>
                   </a:endParaRPr>
                 </a:p>
                 <a:p>
                   <a:pPr algn="ctr"/>
-                  <a:endParaRPr lang="en-CA" sz="2800" dirty="0">
-                    <a:effectLst/>
+                  <a:endParaRPr lang="en-CA" sz="1978" dirty="0">
                     <a:latin typeface="Times" pitchFamily="2" charset="0"/>
                   </a:endParaRPr>
                 </a:p>
@@ -19840,8 +19766,8 @@
               </p:nvSpPr>
               <p:spPr>
                 <a:xfrm>
-                  <a:off x="23831034" y="28177985"/>
-                  <a:ext cx="6119254" cy="2677656"/>
+                  <a:off x="23831035" y="28177985"/>
+                  <a:ext cx="6119255" cy="2715669"/>
                 </a:xfrm>
                 <a:prstGeom prst="rect">
                   <a:avLst/>
@@ -19849,7 +19775,7 @@
                 <a:blipFill>
                   <a:blip r:embed="rId32"/>
                   <a:stretch>
-                    <a:fillRect l="-2070" t="-2358"/>
+                    <a:fillRect l="-1462" t="-1974"/>
                   </a:stretch>
                 </a:blipFill>
               </p:spPr>
@@ -19967,8 +19893,8 @@
         </p:nvSpPr>
         <p:spPr>
           <a:xfrm>
-            <a:off x="-1" y="0"/>
-            <a:ext cx="30267275" cy="3652647"/>
+            <a:off x="-1" y="20687"/>
+            <a:ext cx="21383625" cy="2580570"/>
           </a:xfrm>
           <a:custGeom>
             <a:avLst/>
@@ -20030,14 +19956,11 @@
           </a:ln>
         </p:spPr>
         <p:txBody>
-          <a:bodyPr vert="horz" wrap="square" lIns="90000" tIns="45000" rIns="90000" bIns="45000" anchor="t" anchorCtr="0" compatLnSpc="0"/>
+          <a:bodyPr vert="horz" wrap="square" lIns="63584" tIns="31792" rIns="63584" bIns="31792" anchor="t" anchorCtr="0" compatLnSpc="0"/>
           <a:lstStyle/>
           <a:p>
             <a:pPr lvl="0" hangingPunct="0"/>
-            <a:endParaRPr lang="en-US" sz="1800" b="0" i="0" u="none" strike="noStrike" kern="1200" dirty="0">
-              <a:ln>
-                <a:noFill/>
-              </a:ln>
+            <a:endParaRPr lang="en-US" sz="1272" dirty="0">
               <a:latin typeface="Times" pitchFamily="2" charset="0"/>
               <a:ea typeface="WenQuanYi Zen Hei" pitchFamily="2"/>
               <a:cs typeface="Times New Roman" panose="02020603050405020304" pitchFamily="18" charset="0"/>
@@ -20053,8 +19976,8 @@
         </p:nvSpPr>
         <p:spPr>
           <a:xfrm>
-            <a:off x="0" y="202436"/>
-            <a:ext cx="30276238" cy="1446550"/>
+            <a:off x="0" y="163706"/>
+            <a:ext cx="21389957" cy="1049070"/>
           </a:xfrm>
           <a:prstGeom prst="rect">
             <a:avLst/>
@@ -20069,7 +19992,7 @@
           <a:p>
             <a:pPr algn="ctr"/>
             <a:r>
-              <a:rPr lang="en-US" sz="8800" b="1" dirty="0">
+              <a:rPr lang="en-US" sz="6217" b="1" dirty="0">
                 <a:latin typeface="Times" pitchFamily="2" charset="0"/>
                 <a:cs typeface="Times New Roman" panose="02020603050405020304" pitchFamily="18" charset="0"/>
               </a:rPr>
@@ -20086,8 +20009,8 @@
         </p:nvSpPr>
         <p:spPr>
           <a:xfrm>
-            <a:off x="10735319" y="1834892"/>
-            <a:ext cx="4788490" cy="1692771"/>
+            <a:off x="7556567" y="1317025"/>
+            <a:ext cx="3438763" cy="1222899"/>
           </a:xfrm>
           <a:prstGeom prst="rect">
             <a:avLst/>
@@ -20101,7 +20024,7 @@
           <a:p>
             <a:pPr algn="ctr"/>
             <a:r>
-              <a:rPr lang="en-US" sz="4800" dirty="0">
+              <a:rPr lang="en-US" sz="3391" dirty="0">
                 <a:latin typeface="Times" pitchFamily="2" charset="0"/>
                 <a:cs typeface="Times New Roman" panose="02020603050405020304" pitchFamily="18" charset="0"/>
               </a:rPr>
@@ -20111,7 +20034,7 @@
           <a:p>
             <a:pPr algn="ctr"/>
             <a:r>
-              <a:rPr lang="en-US" sz="2800" dirty="0">
+              <a:rPr lang="en-US" sz="1978" dirty="0">
                 <a:latin typeface="Times" pitchFamily="2" charset="0"/>
                 <a:cs typeface="Times New Roman" panose="02020603050405020304" pitchFamily="18" charset="0"/>
               </a:rPr>
@@ -20121,12 +20044,12 @@
           <a:p>
             <a:pPr algn="ctr"/>
             <a:r>
-              <a:rPr lang="en-CA" sz="2800" dirty="0" err="1">
+              <a:rPr lang="en-CA" sz="1978" dirty="0" err="1">
                 <a:latin typeface="Times" pitchFamily="2" charset="0"/>
               </a:rPr>
               <a:t>barrywhitehat@protonmail.com</a:t>
             </a:r>
-            <a:endParaRPr lang="en-US" sz="2800" dirty="0">
+            <a:endParaRPr lang="en-US" sz="1978" dirty="0">
               <a:latin typeface="Times" pitchFamily="2" charset="0"/>
               <a:cs typeface="Times New Roman" panose="02020603050405020304" pitchFamily="18" charset="0"/>
             </a:endParaRPr>
@@ -20141,8 +20064,8 @@
         </p:nvSpPr>
         <p:spPr>
           <a:xfrm>
-            <a:off x="88847" y="1819508"/>
-            <a:ext cx="4753481" cy="1692771"/>
+            <a:off x="34178" y="1306157"/>
+            <a:ext cx="3415487" cy="1222899"/>
           </a:xfrm>
           <a:prstGeom prst="rect">
             <a:avLst/>
@@ -20156,14 +20079,14 @@
           <a:p>
             <a:pPr algn="ctr"/>
             <a:r>
-              <a:rPr lang="en-US" sz="4800" dirty="0" err="1">
+              <a:rPr lang="en-US" sz="3391" dirty="0" err="1">
                 <a:latin typeface="Times" pitchFamily="2" charset="0"/>
                 <a:cs typeface="Times New Roman" panose="02020603050405020304" pitchFamily="18" charset="0"/>
               </a:rPr>
               <a:t>Sanaz</a:t>
             </a:r>
             <a:r>
-              <a:rPr lang="en-US" sz="4800" dirty="0">
+              <a:rPr lang="en-US" sz="3391" dirty="0">
                 <a:latin typeface="Times" pitchFamily="2" charset="0"/>
                 <a:cs typeface="Times New Roman" panose="02020603050405020304" pitchFamily="18" charset="0"/>
               </a:rPr>
@@ -20173,12 +20096,12 @@
           <a:p>
             <a:pPr algn="ctr"/>
             <a:r>
-              <a:rPr lang="en-CA" sz="2800" dirty="0">
+              <a:rPr lang="en-CA" sz="1978" dirty="0">
                 <a:latin typeface="Times" pitchFamily="2" charset="0"/>
               </a:rPr>
               <a:t>Vac Research and Development</a:t>
             </a:r>
-            <a:endParaRPr lang="en-US" sz="2800" dirty="0">
+            <a:endParaRPr lang="en-US" sz="1978" dirty="0">
               <a:latin typeface="Times" pitchFamily="2" charset="0"/>
               <a:cs typeface="Times New Roman" panose="02020603050405020304" pitchFamily="18" charset="0"/>
             </a:endParaRPr>
@@ -20186,13 +20109,13 @@
           <a:p>
             <a:pPr algn="ctr"/>
             <a:r>
-              <a:rPr lang="en-US" sz="2800" dirty="0" err="1">
+              <a:rPr lang="en-US" sz="1978" dirty="0" err="1">
                 <a:latin typeface="Times" pitchFamily="2" charset="0"/>
                 <a:cs typeface="Times New Roman" panose="02020603050405020304" pitchFamily="18" charset="0"/>
               </a:rPr>
               <a:t>sanaz@status.im</a:t>
             </a:r>
-            <a:endParaRPr lang="en-US" sz="2800" dirty="0">
+            <a:endParaRPr lang="en-US" sz="1978" dirty="0">
               <a:latin typeface="Times" pitchFamily="2" charset="0"/>
               <a:cs typeface="Times New Roman" panose="02020603050405020304" pitchFamily="18" charset="0"/>
             </a:endParaRPr>
@@ -20213,8 +20136,8 @@
         </p:nvSpPr>
         <p:spPr>
           <a:xfrm>
-            <a:off x="5298289" y="1833610"/>
-            <a:ext cx="4753481" cy="1754326"/>
+            <a:off x="3714614" y="1316120"/>
+            <a:ext cx="3415487" cy="1222899"/>
           </a:xfrm>
           <a:prstGeom prst="rect">
             <a:avLst/>
@@ -20228,20 +20151,20 @@
           <a:p>
             <a:pPr algn="ctr"/>
             <a:r>
-              <a:rPr lang="en-US" sz="4800" dirty="0">
+              <a:rPr lang="en-US" sz="3391" dirty="0">
                 <a:latin typeface="Times" pitchFamily="2" charset="0"/>
                 <a:cs typeface="Times New Roman" panose="02020603050405020304" pitchFamily="18" charset="0"/>
               </a:rPr>
               <a:t>Oskar </a:t>
             </a:r>
             <a:r>
-              <a:rPr lang="en-US" sz="4800" dirty="0" err="1">
+              <a:rPr lang="en-US" sz="3391" dirty="0" err="1">
                 <a:latin typeface="Times" pitchFamily="2" charset="0"/>
                 <a:cs typeface="Times New Roman" panose="02020603050405020304" pitchFamily="18" charset="0"/>
               </a:rPr>
               <a:t>Thoren</a:t>
             </a:r>
-            <a:endParaRPr lang="en-US" sz="4800" dirty="0">
+            <a:endParaRPr lang="en-US" sz="3391" dirty="0">
               <a:latin typeface="Times" pitchFamily="2" charset="0"/>
               <a:cs typeface="Times New Roman" panose="02020603050405020304" pitchFamily="18" charset="0"/>
             </a:endParaRPr>
@@ -20249,12 +20172,12 @@
           <a:p>
             <a:pPr algn="ctr"/>
             <a:r>
-              <a:rPr lang="en-CA" sz="2800" dirty="0">
+              <a:rPr lang="en-CA" sz="1978" dirty="0">
                 <a:latin typeface="Times" pitchFamily="2" charset="0"/>
               </a:rPr>
               <a:t>Vac Research and Development</a:t>
             </a:r>
-            <a:endParaRPr lang="en-US" sz="2800" dirty="0">
+            <a:endParaRPr lang="en-US" sz="1978" dirty="0">
               <a:latin typeface="Times" pitchFamily="2" charset="0"/>
               <a:cs typeface="Times New Roman" panose="02020603050405020304" pitchFamily="18" charset="0"/>
             </a:endParaRPr>
@@ -20262,13 +20185,13 @@
           <a:p>
             <a:pPr algn="ctr"/>
             <a:r>
-              <a:rPr lang="en-US" sz="2800" dirty="0" err="1">
+              <a:rPr lang="en-US" sz="1978" dirty="0" err="1">
                 <a:latin typeface="Times" pitchFamily="2" charset="0"/>
                 <a:cs typeface="Times New Roman" panose="02020603050405020304" pitchFamily="18" charset="0"/>
               </a:rPr>
               <a:t>oskar@status.im</a:t>
             </a:r>
-            <a:endParaRPr lang="en-US" sz="2800" dirty="0">
+            <a:endParaRPr lang="en-US" sz="1978" dirty="0">
               <a:latin typeface="Times" pitchFamily="2" charset="0"/>
               <a:cs typeface="Times New Roman" panose="02020603050405020304" pitchFamily="18" charset="0"/>
             </a:endParaRPr>
@@ -20289,8 +20212,8 @@
         </p:nvSpPr>
         <p:spPr>
           <a:xfrm>
-            <a:off x="16201906" y="1828261"/>
-            <a:ext cx="3669594" cy="1692771"/>
+            <a:off x="11418567" y="1312341"/>
+            <a:ext cx="2648482" cy="1222899"/>
           </a:xfrm>
           <a:prstGeom prst="rect">
             <a:avLst/>
@@ -20304,19 +20227,19 @@
           <a:p>
             <a:pPr algn="ctr"/>
             <a:r>
-              <a:rPr lang="en-CA" sz="4800" dirty="0">
+              <a:rPr lang="en-CA" sz="3391" dirty="0">
                 <a:latin typeface="Times" pitchFamily="2" charset="0"/>
               </a:rPr>
               <a:t>Wei </a:t>
             </a:r>
             <a:r>
-              <a:rPr lang="en-CA" sz="4800" dirty="0" err="1">
+              <a:rPr lang="en-CA" sz="3391" dirty="0" err="1">
                 <a:latin typeface="Times" pitchFamily="2" charset="0"/>
               </a:rPr>
               <a:t>Jie</a:t>
             </a:r>
             <a:r>
-              <a:rPr lang="en-CA" sz="4800" dirty="0">
+              <a:rPr lang="en-CA" sz="3391" dirty="0">
                 <a:latin typeface="Times" pitchFamily="2" charset="0"/>
               </a:rPr>
               <a:t> Koh</a:t>
@@ -20325,25 +20248,25 @@
           <a:p>
             <a:pPr algn="ctr"/>
             <a:r>
-              <a:rPr lang="en-US" sz="2800" dirty="0">
+              <a:rPr lang="en-US" sz="1978" dirty="0">
                 <a:latin typeface="Times" pitchFamily="2" charset="0"/>
                 <a:cs typeface="Times New Roman" panose="02020603050405020304" pitchFamily="18" charset="0"/>
               </a:rPr>
               <a:t>Independent</a:t>
             </a:r>
-            <a:endParaRPr lang="en-CA" sz="2800" dirty="0">
+            <a:endParaRPr lang="en-CA" sz="1978" dirty="0">
               <a:latin typeface="Times" pitchFamily="2" charset="0"/>
             </a:endParaRPr>
           </a:p>
           <a:p>
             <a:pPr algn="ctr"/>
             <a:r>
-              <a:rPr lang="en-CA" sz="2800" dirty="0" err="1">
+              <a:rPr lang="en-CA" sz="1978" dirty="0" err="1">
                 <a:latin typeface="Times" pitchFamily="2" charset="0"/>
               </a:rPr>
               <a:t>contact@kohweijie.com</a:t>
             </a:r>
-            <a:endParaRPr lang="en-US" sz="2800" dirty="0">
+            <a:endParaRPr lang="en-US" sz="1978" dirty="0">
               <a:latin typeface="Times" pitchFamily="2" charset="0"/>
               <a:cs typeface="Times New Roman" panose="02020603050405020304" pitchFamily="18" charset="0"/>
             </a:endParaRPr>
@@ -20364,8 +20287,8 @@
         </p:nvSpPr>
         <p:spPr>
           <a:xfrm>
-            <a:off x="20984943" y="1823680"/>
-            <a:ext cx="4091185" cy="1692771"/>
+            <a:off x="14797598" y="1309104"/>
+            <a:ext cx="2946640" cy="1222899"/>
           </a:xfrm>
           <a:prstGeom prst="rect">
             <a:avLst/>
@@ -20379,47 +20302,47 @@
           <a:p>
             <a:pPr algn="ctr"/>
             <a:r>
-              <a:rPr lang="en-CA" sz="4800" dirty="0" err="1">
+              <a:rPr lang="en-CA" sz="3391" dirty="0" err="1">
                 <a:latin typeface="Times" pitchFamily="2" charset="0"/>
               </a:rPr>
               <a:t>Onur</a:t>
             </a:r>
             <a:r>
-              <a:rPr lang="en-CA" sz="4800" dirty="0">
+              <a:rPr lang="en-CA" sz="3391" dirty="0">
                 <a:latin typeface="Times" pitchFamily="2" charset="0"/>
               </a:rPr>
               <a:t> </a:t>
             </a:r>
             <a:r>
-              <a:rPr lang="en-CA" sz="4800" dirty="0" err="1">
+              <a:rPr lang="en-CA" sz="3391" dirty="0" err="1">
                 <a:latin typeface="Times" pitchFamily="2" charset="0"/>
               </a:rPr>
               <a:t>Kilic</a:t>
             </a:r>
-            <a:endParaRPr lang="en-CA" sz="4800" dirty="0">
+            <a:endParaRPr lang="en-CA" sz="3391" dirty="0">
               <a:latin typeface="Times" pitchFamily="2" charset="0"/>
             </a:endParaRPr>
           </a:p>
           <a:p>
             <a:pPr algn="ctr"/>
             <a:r>
-              <a:rPr lang="en-CA" sz="2800" dirty="0">
+              <a:rPr lang="en-CA" sz="1978" dirty="0">
                 <a:latin typeface="Times" pitchFamily="2" charset="0"/>
               </a:rPr>
               <a:t>Unaffiliated</a:t>
             </a:r>
             <a:br>
-              <a:rPr lang="en-CA" sz="4800" dirty="0">
+              <a:rPr lang="en-CA" sz="3391" dirty="0">
                 <a:latin typeface="Times" pitchFamily="2" charset="0"/>
               </a:rPr>
             </a:br>
             <a:r>
-              <a:rPr lang="en-CA" sz="2800" dirty="0" err="1">
+              <a:rPr lang="en-CA" sz="1978" dirty="0" err="1">
                 <a:latin typeface="Times" pitchFamily="2" charset="0"/>
               </a:rPr>
               <a:t>onurkilic@protonmail.com</a:t>
             </a:r>
-            <a:endParaRPr lang="en-US" sz="2800" dirty="0">
+            <a:endParaRPr lang="en-US" sz="1978" dirty="0">
               <a:latin typeface="Times" pitchFamily="2" charset="0"/>
               <a:cs typeface="Times New Roman" panose="02020603050405020304" pitchFamily="18" charset="0"/>
             </a:endParaRPr>
@@ -20440,8 +20363,8 @@
         </p:nvSpPr>
         <p:spPr>
           <a:xfrm>
-            <a:off x="25964342" y="1882844"/>
-            <a:ext cx="3414717" cy="1692771"/>
+            <a:off x="18315397" y="1350903"/>
+            <a:ext cx="2468946" cy="1222899"/>
           </a:xfrm>
           <a:prstGeom prst="rect">
             <a:avLst/>
@@ -20455,41 +20378,41 @@
           <a:p>
             <a:pPr algn="ctr"/>
             <a:r>
-              <a:rPr lang="en-CA" sz="4800" dirty="0">
+              <a:rPr lang="en-CA" sz="3391" dirty="0">
                 <a:latin typeface="Times" pitchFamily="2" charset="0"/>
               </a:rPr>
               <a:t>Kobi </a:t>
             </a:r>
             <a:r>
-              <a:rPr lang="en-CA" sz="4800" dirty="0" err="1">
+              <a:rPr lang="en-CA" sz="3391" dirty="0" err="1">
                 <a:latin typeface="Times" pitchFamily="2" charset="0"/>
               </a:rPr>
               <a:t>Gurkan</a:t>
             </a:r>
-            <a:endParaRPr lang="en-CA" sz="4800" dirty="0">
+            <a:endParaRPr lang="en-CA" sz="3391" dirty="0">
               <a:latin typeface="Times" pitchFamily="2" charset="0"/>
             </a:endParaRPr>
           </a:p>
           <a:p>
             <a:pPr algn="ctr"/>
             <a:r>
-              <a:rPr lang="en-CA" sz="2800" dirty="0" err="1">
+              <a:rPr lang="en-CA" sz="1978" dirty="0" err="1">
                 <a:latin typeface="Times" pitchFamily="2" charset="0"/>
               </a:rPr>
               <a:t>cLabs</a:t>
             </a:r>
             <a:br>
-              <a:rPr lang="en-CA" sz="2800" dirty="0">
+              <a:rPr lang="en-CA" sz="1978" dirty="0">
                 <a:latin typeface="Times" pitchFamily="2" charset="0"/>
               </a:rPr>
             </a:br>
             <a:r>
-              <a:rPr lang="en-CA" sz="2800" dirty="0" err="1">
+              <a:rPr lang="en-CA" sz="1978" dirty="0" err="1">
                 <a:latin typeface="Times" pitchFamily="2" charset="0"/>
               </a:rPr>
               <a:t>me@kobi.one</a:t>
             </a:r>
-            <a:endParaRPr lang="en-US" sz="2800" dirty="0">
+            <a:endParaRPr lang="en-US" sz="1978" dirty="0">
               <a:latin typeface="Times" pitchFamily="2" charset="0"/>
               <a:cs typeface="Times New Roman" panose="02020603050405020304" pitchFamily="18" charset="0"/>
             </a:endParaRPr>
@@ -20532,8 +20455,8 @@
         </p:blipFill>
         <p:spPr bwMode="auto">
           <a:xfrm>
-            <a:off x="24444866" y="13697336"/>
-            <a:ext cx="829441" cy="727814"/>
+            <a:off x="17270133" y="9697761"/>
+            <a:ext cx="585994" cy="514196"/>
           </a:xfrm>
           <a:prstGeom prst="rect">
             <a:avLst/>
